--- a/Tutorials/Robot Rescue presentation.pptx
+++ b/Tutorials/Robot Rescue presentation.pptx
@@ -5,18 +5,18 @@
     <p:sldMasterId id="2147483648" r:id="rId2"/>
     <p:sldMasterId id="2147483661" r:id="rId3"/>
     <p:sldMasterId id="2147483674" r:id="rId4"/>
-    <p:sldMasterId id="2147483687" r:id="rId5"/>
   </p:sldMasterIdLst>
   <p:sldIdLst>
-    <p:sldId id="256" r:id="rId6"/>
-    <p:sldId id="257" r:id="rId7"/>
-    <p:sldId id="258" r:id="rId8"/>
-    <p:sldId id="259" r:id="rId9"/>
-    <p:sldId id="260" r:id="rId10"/>
-    <p:sldId id="261" r:id="rId11"/>
+    <p:sldId id="256" r:id="rId5"/>
+    <p:sldId id="257" r:id="rId6"/>
+    <p:sldId id="258" r:id="rId7"/>
+    <p:sldId id="259" r:id="rId8"/>
+    <p:sldId id="260" r:id="rId9"/>
+    <p:sldId id="261" r:id="rId10"/>
+    <p:sldId id="262" r:id="rId11"/>
   </p:sldIdLst>
   <p:sldSz cx="9144000" cy="5143500"/>
-  <p:notesSz cx="6858000" cy="9144000"/>
+  <p:notesSz cx="7559675" cy="10691812"/>
 </p:presentation>
 </file>
 
@@ -1722,7 +1722,7 @@
       </p:grpSpPr>
       <p:sp>
         <p:nvSpPr>
-          <p:cNvPr id="230" name="PlaceHolder 1"/>
+          <p:cNvPr id="228" name="PlaceHolder 1"/>
           <p:cNvSpPr>
             <a:spLocks noGrp="1"/>
           </p:cNvSpPr>
@@ -1749,7 +1749,7 @@
       </p:sp>
       <p:sp>
         <p:nvSpPr>
-          <p:cNvPr id="231" name="PlaceHolder 2"/>
+          <p:cNvPr id="229" name="PlaceHolder 2"/>
           <p:cNvSpPr>
             <a:spLocks noGrp="1"/>
           </p:cNvSpPr>
@@ -1798,7 +1798,7 @@
       </p:grpSpPr>
       <p:sp>
         <p:nvSpPr>
-          <p:cNvPr id="232" name="PlaceHolder 1"/>
+          <p:cNvPr id="230" name="PlaceHolder 1"/>
           <p:cNvSpPr>
             <a:spLocks noGrp="1"/>
           </p:cNvSpPr>
@@ -1825,7 +1825,7 @@
       </p:sp>
       <p:sp>
         <p:nvSpPr>
-          <p:cNvPr id="233" name="PlaceHolder 2"/>
+          <p:cNvPr id="231" name="PlaceHolder 2"/>
           <p:cNvSpPr>
             <a:spLocks noGrp="1"/>
           </p:cNvSpPr>
@@ -1873,7 +1873,7 @@
       </p:grpSpPr>
       <p:sp>
         <p:nvSpPr>
-          <p:cNvPr id="234" name="PlaceHolder 1"/>
+          <p:cNvPr id="232" name="PlaceHolder 1"/>
           <p:cNvSpPr>
             <a:spLocks noGrp="1"/>
           </p:cNvSpPr>
@@ -1900,7 +1900,7 @@
       </p:sp>
       <p:sp>
         <p:nvSpPr>
-          <p:cNvPr id="235" name="PlaceHolder 2"/>
+          <p:cNvPr id="233" name="PlaceHolder 2"/>
           <p:cNvSpPr>
             <a:spLocks noGrp="1"/>
           </p:cNvSpPr>
@@ -1926,7 +1926,7 @@
       </p:sp>
       <p:sp>
         <p:nvSpPr>
-          <p:cNvPr id="236" name="PlaceHolder 3"/>
+          <p:cNvPr id="234" name="PlaceHolder 3"/>
           <p:cNvSpPr>
             <a:spLocks noGrp="1"/>
           </p:cNvSpPr>
@@ -1974,7 +1974,7 @@
       </p:grpSpPr>
       <p:sp>
         <p:nvSpPr>
-          <p:cNvPr id="237" name="PlaceHolder 1"/>
+          <p:cNvPr id="235" name="PlaceHolder 1"/>
           <p:cNvSpPr>
             <a:spLocks noGrp="1"/>
           </p:cNvSpPr>
@@ -2098,7 +2098,7 @@
       </p:grpSpPr>
       <p:sp>
         <p:nvSpPr>
-          <p:cNvPr id="238" name="PlaceHolder 1"/>
+          <p:cNvPr id="236" name="PlaceHolder 1"/>
           <p:cNvSpPr>
             <a:spLocks noGrp="1"/>
           </p:cNvSpPr>
@@ -2147,7 +2147,7 @@
       </p:grpSpPr>
       <p:sp>
         <p:nvSpPr>
-          <p:cNvPr id="239" name="PlaceHolder 1"/>
+          <p:cNvPr id="237" name="PlaceHolder 1"/>
           <p:cNvSpPr>
             <a:spLocks noGrp="1"/>
           </p:cNvSpPr>
@@ -2174,7 +2174,7 @@
       </p:sp>
       <p:sp>
         <p:nvSpPr>
-          <p:cNvPr id="240" name="PlaceHolder 2"/>
+          <p:cNvPr id="238" name="PlaceHolder 2"/>
           <p:cNvSpPr>
             <a:spLocks noGrp="1"/>
           </p:cNvSpPr>
@@ -2200,7 +2200,7 @@
       </p:sp>
       <p:sp>
         <p:nvSpPr>
-          <p:cNvPr id="241" name="PlaceHolder 3"/>
+          <p:cNvPr id="239" name="PlaceHolder 3"/>
           <p:cNvSpPr>
             <a:spLocks noGrp="1"/>
           </p:cNvSpPr>
@@ -2226,7 +2226,7 @@
       </p:sp>
       <p:sp>
         <p:nvSpPr>
-          <p:cNvPr id="242" name="PlaceHolder 4"/>
+          <p:cNvPr id="240" name="PlaceHolder 4"/>
           <p:cNvSpPr>
             <a:spLocks noGrp="1"/>
           </p:cNvSpPr>
@@ -2274,7 +2274,7 @@
       </p:grpSpPr>
       <p:sp>
         <p:nvSpPr>
-          <p:cNvPr id="243" name="PlaceHolder 1"/>
+          <p:cNvPr id="241" name="PlaceHolder 1"/>
           <p:cNvSpPr>
             <a:spLocks noGrp="1"/>
           </p:cNvSpPr>
@@ -2301,7 +2301,7 @@
       </p:sp>
       <p:sp>
         <p:nvSpPr>
-          <p:cNvPr id="244" name="PlaceHolder 2"/>
+          <p:cNvPr id="242" name="PlaceHolder 2"/>
           <p:cNvSpPr>
             <a:spLocks noGrp="1"/>
           </p:cNvSpPr>
@@ -2327,7 +2327,7 @@
       </p:sp>
       <p:sp>
         <p:nvSpPr>
-          <p:cNvPr id="245" name="PlaceHolder 3"/>
+          <p:cNvPr id="243" name="PlaceHolder 3"/>
           <p:cNvSpPr>
             <a:spLocks noGrp="1"/>
           </p:cNvSpPr>
@@ -2353,7 +2353,7 @@
       </p:sp>
       <p:sp>
         <p:nvSpPr>
-          <p:cNvPr id="246" name="PlaceHolder 4"/>
+          <p:cNvPr id="244" name="PlaceHolder 4"/>
           <p:cNvSpPr>
             <a:spLocks noGrp="1"/>
           </p:cNvSpPr>
@@ -2401,7 +2401,7 @@
       </p:grpSpPr>
       <p:sp>
         <p:nvSpPr>
-          <p:cNvPr id="247" name="PlaceHolder 1"/>
+          <p:cNvPr id="245" name="PlaceHolder 1"/>
           <p:cNvSpPr>
             <a:spLocks noGrp="1"/>
           </p:cNvSpPr>
@@ -2428,7 +2428,7 @@
       </p:sp>
       <p:sp>
         <p:nvSpPr>
-          <p:cNvPr id="248" name="PlaceHolder 2"/>
+          <p:cNvPr id="246" name="PlaceHolder 2"/>
           <p:cNvSpPr>
             <a:spLocks noGrp="1"/>
           </p:cNvSpPr>
@@ -2454,7 +2454,7 @@
       </p:sp>
       <p:sp>
         <p:nvSpPr>
-          <p:cNvPr id="249" name="PlaceHolder 3"/>
+          <p:cNvPr id="247" name="PlaceHolder 3"/>
           <p:cNvSpPr>
             <a:spLocks noGrp="1"/>
           </p:cNvSpPr>
@@ -2480,7 +2480,7 @@
       </p:sp>
       <p:sp>
         <p:nvSpPr>
-          <p:cNvPr id="250" name="PlaceHolder 4"/>
+          <p:cNvPr id="248" name="PlaceHolder 4"/>
           <p:cNvSpPr>
             <a:spLocks noGrp="1"/>
           </p:cNvSpPr>
@@ -2528,7 +2528,7 @@
       </p:grpSpPr>
       <p:sp>
         <p:nvSpPr>
-          <p:cNvPr id="251" name="PlaceHolder 1"/>
+          <p:cNvPr id="249" name="PlaceHolder 1"/>
           <p:cNvSpPr>
             <a:spLocks noGrp="1"/>
           </p:cNvSpPr>
@@ -2555,7 +2555,7 @@
       </p:sp>
       <p:sp>
         <p:nvSpPr>
-          <p:cNvPr id="252" name="PlaceHolder 2"/>
+          <p:cNvPr id="250" name="PlaceHolder 2"/>
           <p:cNvSpPr>
             <a:spLocks noGrp="1"/>
           </p:cNvSpPr>
@@ -2581,7 +2581,7 @@
       </p:sp>
       <p:sp>
         <p:nvSpPr>
-          <p:cNvPr id="253" name="PlaceHolder 3"/>
+          <p:cNvPr id="251" name="PlaceHolder 3"/>
           <p:cNvSpPr>
             <a:spLocks noGrp="1"/>
           </p:cNvSpPr>
@@ -2629,7 +2629,7 @@
       </p:grpSpPr>
       <p:sp>
         <p:nvSpPr>
-          <p:cNvPr id="254" name="PlaceHolder 1"/>
+          <p:cNvPr id="252" name="PlaceHolder 1"/>
           <p:cNvSpPr>
             <a:spLocks noGrp="1"/>
           </p:cNvSpPr>
@@ -2656,7 +2656,7 @@
       </p:sp>
       <p:sp>
         <p:nvSpPr>
-          <p:cNvPr id="255" name="PlaceHolder 2"/>
+          <p:cNvPr id="253" name="PlaceHolder 2"/>
           <p:cNvSpPr>
             <a:spLocks noGrp="1"/>
           </p:cNvSpPr>
@@ -2682,7 +2682,7 @@
       </p:sp>
       <p:sp>
         <p:nvSpPr>
-          <p:cNvPr id="256" name="PlaceHolder 3"/>
+          <p:cNvPr id="254" name="PlaceHolder 3"/>
           <p:cNvSpPr>
             <a:spLocks noGrp="1"/>
           </p:cNvSpPr>
@@ -2708,7 +2708,7 @@
       </p:sp>
       <p:sp>
         <p:nvSpPr>
-          <p:cNvPr id="257" name="PlaceHolder 4"/>
+          <p:cNvPr id="255" name="PlaceHolder 4"/>
           <p:cNvSpPr>
             <a:spLocks noGrp="1"/>
           </p:cNvSpPr>
@@ -2734,7 +2734,7 @@
       </p:sp>
       <p:sp>
         <p:nvSpPr>
-          <p:cNvPr id="258" name="PlaceHolder 5"/>
+          <p:cNvPr id="256" name="PlaceHolder 5"/>
           <p:cNvSpPr>
             <a:spLocks noGrp="1"/>
           </p:cNvSpPr>
@@ -2782,7 +2782,7 @@
       </p:grpSpPr>
       <p:sp>
         <p:nvSpPr>
-          <p:cNvPr id="259" name="PlaceHolder 1"/>
+          <p:cNvPr id="257" name="PlaceHolder 1"/>
           <p:cNvSpPr>
             <a:spLocks noGrp="1"/>
           </p:cNvSpPr>
@@ -2809,7 +2809,7 @@
       </p:sp>
       <p:sp>
         <p:nvSpPr>
-          <p:cNvPr id="260" name="PlaceHolder 2"/>
+          <p:cNvPr id="258" name="PlaceHolder 2"/>
           <p:cNvSpPr>
             <a:spLocks noGrp="1"/>
           </p:cNvSpPr>
@@ -2835,7 +2835,7 @@
       </p:sp>
       <p:sp>
         <p:nvSpPr>
-          <p:cNvPr id="261" name="PlaceHolder 3"/>
+          <p:cNvPr id="259" name="PlaceHolder 3"/>
           <p:cNvSpPr>
             <a:spLocks noGrp="1"/>
           </p:cNvSpPr>
@@ -2861,7 +2861,7 @@
       </p:sp>
       <p:pic>
         <p:nvPicPr>
-          <p:cNvPr id="262" name="" descr=""/>
+          <p:cNvPr id="260" name="" descr=""/>
           <p:cNvPicPr/>
           <p:nvPr/>
         </p:nvPicPr>
@@ -2886,7 +2886,7 @@
       </p:pic>
       <p:pic>
         <p:nvPicPr>
-          <p:cNvPr id="263" name="" descr=""/>
+          <p:cNvPr id="261" name="" descr=""/>
           <p:cNvPicPr/>
           <p:nvPr/>
         </p:nvPicPr>
@@ -2909,179 +2909,6 @@
           </a:ln>
         </p:spPr>
       </p:pic>
-    </p:spTree>
-  </p:cSld>
-</p:sldLayout>
-</file>
-
-<file path=ppt/slideLayouts/slideLayout37.xml><?xml version="1.0" encoding="utf-8"?>
-<p:sldLayout xmlns:a="http://schemas.openxmlformats.org/drawingml/2006/main" xmlns:p="http://schemas.openxmlformats.org/presentationml/2006/main" xmlns:r="http://schemas.openxmlformats.org/officeDocument/2006/relationships" type="blank" preserve="1">
-  <p:cSld name="Blank Slide">
-    <p:spTree>
-      <p:nvGrpSpPr>
-        <p:cNvPr id="1" name=""/>
-        <p:cNvGrpSpPr/>
-        <p:nvPr/>
-      </p:nvGrpSpPr>
-      <p:grpSpPr>
-        <a:xfrm>
-          <a:off x="0" y="0"/>
-          <a:ext cx="0" cy="0"/>
-          <a:chOff x="0" y="0"/>
-          <a:chExt cx="0" cy="0"/>
-        </a:xfrm>
-      </p:grpSpPr>
-    </p:spTree>
-  </p:cSld>
-</p:sldLayout>
-</file>
-
-<file path=ppt/slideLayouts/slideLayout38.xml><?xml version="1.0" encoding="utf-8"?>
-<p:sldLayout xmlns:a="http://schemas.openxmlformats.org/drawingml/2006/main" xmlns:p="http://schemas.openxmlformats.org/presentationml/2006/main" xmlns:r="http://schemas.openxmlformats.org/officeDocument/2006/relationships" type="tx" preserve="1">
-  <p:cSld name="Title Slide">
-    <p:spTree>
-      <p:nvGrpSpPr>
-        <p:cNvPr id="1" name=""/>
-        <p:cNvGrpSpPr/>
-        <p:nvPr/>
-      </p:nvGrpSpPr>
-      <p:grpSpPr>
-        <a:xfrm>
-          <a:off x="0" y="0"/>
-          <a:ext cx="0" cy="0"/>
-          <a:chOff x="0" y="0"/>
-          <a:chExt cx="0" cy="0"/>
-        </a:xfrm>
-      </p:grpSpPr>
-      <p:sp>
-        <p:nvSpPr>
-          <p:cNvPr id="316" name="PlaceHolder 1"/>
-          <p:cNvSpPr>
-            <a:spLocks noGrp="1"/>
-          </p:cNvSpPr>
-          <p:nvPr>
-            <p:ph type="title"/>
-          </p:nvPr>
-        </p:nvSpPr>
-        <p:spPr>
-          <a:xfrm>
-            <a:off x="457200" y="205200"/>
-            <a:ext cx="8229240" cy="858960"/>
-          </a:xfrm>
-          <a:prstGeom prst="rect">
-            <a:avLst/>
-          </a:prstGeom>
-        </p:spPr>
-        <p:txBody>
-          <a:bodyPr lIns="0" rIns="0" tIns="0" bIns="0" anchor="ctr"/>
-          <a:p>
-            <a:pPr algn="ctr"/>
-            <a:endParaRPr/>
-          </a:p>
-        </p:txBody>
-      </p:sp>
-      <p:sp>
-        <p:nvSpPr>
-          <p:cNvPr id="317" name="PlaceHolder 2"/>
-          <p:cNvSpPr>
-            <a:spLocks noGrp="1"/>
-          </p:cNvSpPr>
-          <p:nvPr>
-            <p:ph type="subTitle"/>
-          </p:nvPr>
-        </p:nvSpPr>
-        <p:spPr>
-          <a:xfrm>
-            <a:off x="457200" y="1203480"/>
-            <a:ext cx="8229240" cy="2983320"/>
-          </a:xfrm>
-          <a:prstGeom prst="rect">
-            <a:avLst/>
-          </a:prstGeom>
-        </p:spPr>
-        <p:txBody>
-          <a:bodyPr lIns="0" rIns="0" tIns="0" bIns="0" anchor="ctr"/>
-          <a:p>
-            <a:pPr algn="ctr"/>
-            <a:endParaRPr/>
-          </a:p>
-        </p:txBody>
-      </p:sp>
-    </p:spTree>
-  </p:cSld>
-</p:sldLayout>
-</file>
-
-<file path=ppt/slideLayouts/slideLayout39.xml><?xml version="1.0" encoding="utf-8"?>
-<p:sldLayout xmlns:a="http://schemas.openxmlformats.org/drawingml/2006/main" xmlns:p="http://schemas.openxmlformats.org/presentationml/2006/main" xmlns:r="http://schemas.openxmlformats.org/officeDocument/2006/relationships" type="obj" preserve="1">
-  <p:cSld name="Title, Content">
-    <p:spTree>
-      <p:nvGrpSpPr>
-        <p:cNvPr id="1" name=""/>
-        <p:cNvGrpSpPr/>
-        <p:nvPr/>
-      </p:nvGrpSpPr>
-      <p:grpSpPr>
-        <a:xfrm>
-          <a:off x="0" y="0"/>
-          <a:ext cx="0" cy="0"/>
-          <a:chOff x="0" y="0"/>
-          <a:chExt cx="0" cy="0"/>
-        </a:xfrm>
-      </p:grpSpPr>
-      <p:sp>
-        <p:nvSpPr>
-          <p:cNvPr id="318" name="PlaceHolder 1"/>
-          <p:cNvSpPr>
-            <a:spLocks noGrp="1"/>
-          </p:cNvSpPr>
-          <p:nvPr>
-            <p:ph type="title"/>
-          </p:nvPr>
-        </p:nvSpPr>
-        <p:spPr>
-          <a:xfrm>
-            <a:off x="457200" y="205200"/>
-            <a:ext cx="8229240" cy="858960"/>
-          </a:xfrm>
-          <a:prstGeom prst="rect">
-            <a:avLst/>
-          </a:prstGeom>
-        </p:spPr>
-        <p:txBody>
-          <a:bodyPr lIns="0" rIns="0" tIns="0" bIns="0" anchor="ctr"/>
-          <a:p>
-            <a:pPr algn="ctr"/>
-            <a:endParaRPr/>
-          </a:p>
-        </p:txBody>
-      </p:sp>
-      <p:sp>
-        <p:nvSpPr>
-          <p:cNvPr id="319" name="PlaceHolder 2"/>
-          <p:cNvSpPr>
-            <a:spLocks noGrp="1"/>
-          </p:cNvSpPr>
-          <p:nvPr>
-            <p:ph type="body"/>
-          </p:nvPr>
-        </p:nvSpPr>
-        <p:spPr>
-          <a:xfrm>
-            <a:off x="457200" y="1203480"/>
-            <a:ext cx="8229240" cy="2982960"/>
-          </a:xfrm>
-          <a:prstGeom prst="rect">
-            <a:avLst/>
-          </a:prstGeom>
-        </p:spPr>
-        <p:txBody>
-          <a:bodyPr lIns="0" rIns="0" tIns="0" bIns="0"/>
-          <a:p>
-            <a:endParaRPr/>
-          </a:p>
-        </p:txBody>
-      </p:sp>
     </p:spTree>
   </p:cSld>
 </p:sldLayout>
@@ -3183,991 +3010,6 @@
           </a:p>
         </p:txBody>
       </p:sp>
-    </p:spTree>
-  </p:cSld>
-</p:sldLayout>
-</file>
-
-<file path=ppt/slideLayouts/slideLayout40.xml><?xml version="1.0" encoding="utf-8"?>
-<p:sldLayout xmlns:a="http://schemas.openxmlformats.org/drawingml/2006/main" xmlns:p="http://schemas.openxmlformats.org/presentationml/2006/main" xmlns:r="http://schemas.openxmlformats.org/officeDocument/2006/relationships" type="twoObj" preserve="1">
-  <p:cSld name="Title, 2 Content">
-    <p:spTree>
-      <p:nvGrpSpPr>
-        <p:cNvPr id="1" name=""/>
-        <p:cNvGrpSpPr/>
-        <p:nvPr/>
-      </p:nvGrpSpPr>
-      <p:grpSpPr>
-        <a:xfrm>
-          <a:off x="0" y="0"/>
-          <a:ext cx="0" cy="0"/>
-          <a:chOff x="0" y="0"/>
-          <a:chExt cx="0" cy="0"/>
-        </a:xfrm>
-      </p:grpSpPr>
-      <p:sp>
-        <p:nvSpPr>
-          <p:cNvPr id="320" name="PlaceHolder 1"/>
-          <p:cNvSpPr>
-            <a:spLocks noGrp="1"/>
-          </p:cNvSpPr>
-          <p:nvPr>
-            <p:ph type="title"/>
-          </p:nvPr>
-        </p:nvSpPr>
-        <p:spPr>
-          <a:xfrm>
-            <a:off x="457200" y="205200"/>
-            <a:ext cx="8229240" cy="858960"/>
-          </a:xfrm>
-          <a:prstGeom prst="rect">
-            <a:avLst/>
-          </a:prstGeom>
-        </p:spPr>
-        <p:txBody>
-          <a:bodyPr lIns="0" rIns="0" tIns="0" bIns="0" anchor="ctr"/>
-          <a:p>
-            <a:pPr algn="ctr"/>
-            <a:endParaRPr/>
-          </a:p>
-        </p:txBody>
-      </p:sp>
-      <p:sp>
-        <p:nvSpPr>
-          <p:cNvPr id="321" name="PlaceHolder 2"/>
-          <p:cNvSpPr>
-            <a:spLocks noGrp="1"/>
-          </p:cNvSpPr>
-          <p:nvPr>
-            <p:ph type="body"/>
-          </p:nvPr>
-        </p:nvSpPr>
-        <p:spPr>
-          <a:xfrm>
-            <a:off x="457200" y="1203480"/>
-            <a:ext cx="4015800" cy="2982960"/>
-          </a:xfrm>
-          <a:prstGeom prst="rect">
-            <a:avLst/>
-          </a:prstGeom>
-        </p:spPr>
-        <p:txBody>
-          <a:bodyPr lIns="0" rIns="0" tIns="0" bIns="0"/>
-          <a:p>
-            <a:endParaRPr/>
-          </a:p>
-        </p:txBody>
-      </p:sp>
-      <p:sp>
-        <p:nvSpPr>
-          <p:cNvPr id="322" name="PlaceHolder 3"/>
-          <p:cNvSpPr>
-            <a:spLocks noGrp="1"/>
-          </p:cNvSpPr>
-          <p:nvPr>
-            <p:ph type="body"/>
-          </p:nvPr>
-        </p:nvSpPr>
-        <p:spPr>
-          <a:xfrm>
-            <a:off x="4674240" y="1203480"/>
-            <a:ext cx="4015800" cy="2982960"/>
-          </a:xfrm>
-          <a:prstGeom prst="rect">
-            <a:avLst/>
-          </a:prstGeom>
-        </p:spPr>
-        <p:txBody>
-          <a:bodyPr lIns="0" rIns="0" tIns="0" bIns="0"/>
-          <a:p>
-            <a:endParaRPr/>
-          </a:p>
-        </p:txBody>
-      </p:sp>
-    </p:spTree>
-  </p:cSld>
-</p:sldLayout>
-</file>
-
-<file path=ppt/slideLayouts/slideLayout41.xml><?xml version="1.0" encoding="utf-8"?>
-<p:sldLayout xmlns:a="http://schemas.openxmlformats.org/drawingml/2006/main" xmlns:p="http://schemas.openxmlformats.org/presentationml/2006/main" xmlns:r="http://schemas.openxmlformats.org/officeDocument/2006/relationships" type="titleOnly" preserve="1">
-  <p:cSld name="Title Only">
-    <p:spTree>
-      <p:nvGrpSpPr>
-        <p:cNvPr id="1" name=""/>
-        <p:cNvGrpSpPr/>
-        <p:nvPr/>
-      </p:nvGrpSpPr>
-      <p:grpSpPr>
-        <a:xfrm>
-          <a:off x="0" y="0"/>
-          <a:ext cx="0" cy="0"/>
-          <a:chOff x="0" y="0"/>
-          <a:chExt cx="0" cy="0"/>
-        </a:xfrm>
-      </p:grpSpPr>
-      <p:sp>
-        <p:nvSpPr>
-          <p:cNvPr id="323" name="PlaceHolder 1"/>
-          <p:cNvSpPr>
-            <a:spLocks noGrp="1"/>
-          </p:cNvSpPr>
-          <p:nvPr>
-            <p:ph type="title"/>
-          </p:nvPr>
-        </p:nvSpPr>
-        <p:spPr>
-          <a:xfrm>
-            <a:off x="457200" y="205200"/>
-            <a:ext cx="8229240" cy="858960"/>
-          </a:xfrm>
-          <a:prstGeom prst="rect">
-            <a:avLst/>
-          </a:prstGeom>
-        </p:spPr>
-        <p:txBody>
-          <a:bodyPr lIns="0" rIns="0" tIns="0" bIns="0" anchor="ctr"/>
-          <a:p>
-            <a:pPr algn="ctr"/>
-            <a:endParaRPr/>
-          </a:p>
-        </p:txBody>
-      </p:sp>
-    </p:spTree>
-  </p:cSld>
-</p:sldLayout>
-</file>
-
-<file path=ppt/slideLayouts/slideLayout42.xml><?xml version="1.0" encoding="utf-8"?>
-<p:sldLayout xmlns:a="http://schemas.openxmlformats.org/drawingml/2006/main" xmlns:p="http://schemas.openxmlformats.org/presentationml/2006/main" xmlns:r="http://schemas.openxmlformats.org/officeDocument/2006/relationships" type="objOnly" preserve="1">
-  <p:cSld name="Centered Text">
-    <p:spTree>
-      <p:nvGrpSpPr>
-        <p:cNvPr id="1" name=""/>
-        <p:cNvGrpSpPr/>
-        <p:nvPr/>
-      </p:nvGrpSpPr>
-      <p:grpSpPr>
-        <a:xfrm>
-          <a:off x="0" y="0"/>
-          <a:ext cx="0" cy="0"/>
-          <a:chOff x="0" y="0"/>
-          <a:chExt cx="0" cy="0"/>
-        </a:xfrm>
-      </p:grpSpPr>
-      <p:sp>
-        <p:nvSpPr>
-          <p:cNvPr id="324" name="PlaceHolder 1"/>
-          <p:cNvSpPr>
-            <a:spLocks noGrp="1"/>
-          </p:cNvSpPr>
-          <p:nvPr>
-            <p:ph type="subTitle"/>
-          </p:nvPr>
-        </p:nvSpPr>
-        <p:spPr>
-          <a:xfrm>
-            <a:off x="457200" y="205200"/>
-            <a:ext cx="8229240" cy="3981600"/>
-          </a:xfrm>
-          <a:prstGeom prst="rect">
-            <a:avLst/>
-          </a:prstGeom>
-        </p:spPr>
-        <p:txBody>
-          <a:bodyPr lIns="0" rIns="0" tIns="0" bIns="0" anchor="ctr"/>
-          <a:p>
-            <a:pPr algn="ctr"/>
-            <a:endParaRPr/>
-          </a:p>
-        </p:txBody>
-      </p:sp>
-    </p:spTree>
-  </p:cSld>
-</p:sldLayout>
-</file>
-
-<file path=ppt/slideLayouts/slideLayout43.xml><?xml version="1.0" encoding="utf-8"?>
-<p:sldLayout xmlns:a="http://schemas.openxmlformats.org/drawingml/2006/main" xmlns:p="http://schemas.openxmlformats.org/presentationml/2006/main" xmlns:r="http://schemas.openxmlformats.org/officeDocument/2006/relationships" type="twoObjAndObj" preserve="1">
-  <p:cSld name="Title, 2 Content and Content">
-    <p:spTree>
-      <p:nvGrpSpPr>
-        <p:cNvPr id="1" name=""/>
-        <p:cNvGrpSpPr/>
-        <p:nvPr/>
-      </p:nvGrpSpPr>
-      <p:grpSpPr>
-        <a:xfrm>
-          <a:off x="0" y="0"/>
-          <a:ext cx="0" cy="0"/>
-          <a:chOff x="0" y="0"/>
-          <a:chExt cx="0" cy="0"/>
-        </a:xfrm>
-      </p:grpSpPr>
-      <p:sp>
-        <p:nvSpPr>
-          <p:cNvPr id="325" name="PlaceHolder 1"/>
-          <p:cNvSpPr>
-            <a:spLocks noGrp="1"/>
-          </p:cNvSpPr>
-          <p:nvPr>
-            <p:ph type="title"/>
-          </p:nvPr>
-        </p:nvSpPr>
-        <p:spPr>
-          <a:xfrm>
-            <a:off x="457200" y="205200"/>
-            <a:ext cx="8229240" cy="858960"/>
-          </a:xfrm>
-          <a:prstGeom prst="rect">
-            <a:avLst/>
-          </a:prstGeom>
-        </p:spPr>
-        <p:txBody>
-          <a:bodyPr lIns="0" rIns="0" tIns="0" bIns="0" anchor="ctr"/>
-          <a:p>
-            <a:pPr algn="ctr"/>
-            <a:endParaRPr/>
-          </a:p>
-        </p:txBody>
-      </p:sp>
-      <p:sp>
-        <p:nvSpPr>
-          <p:cNvPr id="326" name="PlaceHolder 2"/>
-          <p:cNvSpPr>
-            <a:spLocks noGrp="1"/>
-          </p:cNvSpPr>
-          <p:nvPr>
-            <p:ph type="body"/>
-          </p:nvPr>
-        </p:nvSpPr>
-        <p:spPr>
-          <a:xfrm>
-            <a:off x="457200" y="1203480"/>
-            <a:ext cx="4015800" cy="1422720"/>
-          </a:xfrm>
-          <a:prstGeom prst="rect">
-            <a:avLst/>
-          </a:prstGeom>
-        </p:spPr>
-        <p:txBody>
-          <a:bodyPr lIns="0" rIns="0" tIns="0" bIns="0"/>
-          <a:p>
-            <a:endParaRPr/>
-          </a:p>
-        </p:txBody>
-      </p:sp>
-      <p:sp>
-        <p:nvSpPr>
-          <p:cNvPr id="327" name="PlaceHolder 3"/>
-          <p:cNvSpPr>
-            <a:spLocks noGrp="1"/>
-          </p:cNvSpPr>
-          <p:nvPr>
-            <p:ph type="body"/>
-          </p:nvPr>
-        </p:nvSpPr>
-        <p:spPr>
-          <a:xfrm>
-            <a:off x="457200" y="2761920"/>
-            <a:ext cx="4015800" cy="1422720"/>
-          </a:xfrm>
-          <a:prstGeom prst="rect">
-            <a:avLst/>
-          </a:prstGeom>
-        </p:spPr>
-        <p:txBody>
-          <a:bodyPr lIns="0" rIns="0" tIns="0" bIns="0"/>
-          <a:p>
-            <a:endParaRPr/>
-          </a:p>
-        </p:txBody>
-      </p:sp>
-      <p:sp>
-        <p:nvSpPr>
-          <p:cNvPr id="328" name="PlaceHolder 4"/>
-          <p:cNvSpPr>
-            <a:spLocks noGrp="1"/>
-          </p:cNvSpPr>
-          <p:nvPr>
-            <p:ph type="body"/>
-          </p:nvPr>
-        </p:nvSpPr>
-        <p:spPr>
-          <a:xfrm>
-            <a:off x="4674240" y="1203480"/>
-            <a:ext cx="4015800" cy="2982960"/>
-          </a:xfrm>
-          <a:prstGeom prst="rect">
-            <a:avLst/>
-          </a:prstGeom>
-        </p:spPr>
-        <p:txBody>
-          <a:bodyPr lIns="0" rIns="0" tIns="0" bIns="0"/>
-          <a:p>
-            <a:endParaRPr/>
-          </a:p>
-        </p:txBody>
-      </p:sp>
-    </p:spTree>
-  </p:cSld>
-</p:sldLayout>
-</file>
-
-<file path=ppt/slideLayouts/slideLayout44.xml><?xml version="1.0" encoding="utf-8"?>
-<p:sldLayout xmlns:a="http://schemas.openxmlformats.org/drawingml/2006/main" xmlns:p="http://schemas.openxmlformats.org/presentationml/2006/main" xmlns:r="http://schemas.openxmlformats.org/officeDocument/2006/relationships" type="objAndTwoObj" preserve="1">
-  <p:cSld name="Title Content and 2 Content">
-    <p:spTree>
-      <p:nvGrpSpPr>
-        <p:cNvPr id="1" name=""/>
-        <p:cNvGrpSpPr/>
-        <p:nvPr/>
-      </p:nvGrpSpPr>
-      <p:grpSpPr>
-        <a:xfrm>
-          <a:off x="0" y="0"/>
-          <a:ext cx="0" cy="0"/>
-          <a:chOff x="0" y="0"/>
-          <a:chExt cx="0" cy="0"/>
-        </a:xfrm>
-      </p:grpSpPr>
-      <p:sp>
-        <p:nvSpPr>
-          <p:cNvPr id="329" name="PlaceHolder 1"/>
-          <p:cNvSpPr>
-            <a:spLocks noGrp="1"/>
-          </p:cNvSpPr>
-          <p:nvPr>
-            <p:ph type="title"/>
-          </p:nvPr>
-        </p:nvSpPr>
-        <p:spPr>
-          <a:xfrm>
-            <a:off x="457200" y="205200"/>
-            <a:ext cx="8229240" cy="858960"/>
-          </a:xfrm>
-          <a:prstGeom prst="rect">
-            <a:avLst/>
-          </a:prstGeom>
-        </p:spPr>
-        <p:txBody>
-          <a:bodyPr lIns="0" rIns="0" tIns="0" bIns="0" anchor="ctr"/>
-          <a:p>
-            <a:pPr algn="ctr"/>
-            <a:endParaRPr/>
-          </a:p>
-        </p:txBody>
-      </p:sp>
-      <p:sp>
-        <p:nvSpPr>
-          <p:cNvPr id="330" name="PlaceHolder 2"/>
-          <p:cNvSpPr>
-            <a:spLocks noGrp="1"/>
-          </p:cNvSpPr>
-          <p:nvPr>
-            <p:ph type="body"/>
-          </p:nvPr>
-        </p:nvSpPr>
-        <p:spPr>
-          <a:xfrm>
-            <a:off x="457200" y="1203480"/>
-            <a:ext cx="4015800" cy="2982960"/>
-          </a:xfrm>
-          <a:prstGeom prst="rect">
-            <a:avLst/>
-          </a:prstGeom>
-        </p:spPr>
-        <p:txBody>
-          <a:bodyPr lIns="0" rIns="0" tIns="0" bIns="0"/>
-          <a:p>
-            <a:endParaRPr/>
-          </a:p>
-        </p:txBody>
-      </p:sp>
-      <p:sp>
-        <p:nvSpPr>
-          <p:cNvPr id="331" name="PlaceHolder 3"/>
-          <p:cNvSpPr>
-            <a:spLocks noGrp="1"/>
-          </p:cNvSpPr>
-          <p:nvPr>
-            <p:ph type="body"/>
-          </p:nvPr>
-        </p:nvSpPr>
-        <p:spPr>
-          <a:xfrm>
-            <a:off x="4674240" y="1203480"/>
-            <a:ext cx="4015800" cy="1422720"/>
-          </a:xfrm>
-          <a:prstGeom prst="rect">
-            <a:avLst/>
-          </a:prstGeom>
-        </p:spPr>
-        <p:txBody>
-          <a:bodyPr lIns="0" rIns="0" tIns="0" bIns="0"/>
-          <a:p>
-            <a:endParaRPr/>
-          </a:p>
-        </p:txBody>
-      </p:sp>
-      <p:sp>
-        <p:nvSpPr>
-          <p:cNvPr id="332" name="PlaceHolder 4"/>
-          <p:cNvSpPr>
-            <a:spLocks noGrp="1"/>
-          </p:cNvSpPr>
-          <p:nvPr>
-            <p:ph type="body"/>
-          </p:nvPr>
-        </p:nvSpPr>
-        <p:spPr>
-          <a:xfrm>
-            <a:off x="4674240" y="2761920"/>
-            <a:ext cx="4015800" cy="1422720"/>
-          </a:xfrm>
-          <a:prstGeom prst="rect">
-            <a:avLst/>
-          </a:prstGeom>
-        </p:spPr>
-        <p:txBody>
-          <a:bodyPr lIns="0" rIns="0" tIns="0" bIns="0"/>
-          <a:p>
-            <a:endParaRPr/>
-          </a:p>
-        </p:txBody>
-      </p:sp>
-    </p:spTree>
-  </p:cSld>
-</p:sldLayout>
-</file>
-
-<file path=ppt/slideLayouts/slideLayout45.xml><?xml version="1.0" encoding="utf-8"?>
-<p:sldLayout xmlns:a="http://schemas.openxmlformats.org/drawingml/2006/main" xmlns:p="http://schemas.openxmlformats.org/presentationml/2006/main" xmlns:r="http://schemas.openxmlformats.org/officeDocument/2006/relationships" type="twoObjOverTx" preserve="1">
-  <p:cSld name="Title, 2 Content over Content">
-    <p:spTree>
-      <p:nvGrpSpPr>
-        <p:cNvPr id="1" name=""/>
-        <p:cNvGrpSpPr/>
-        <p:nvPr/>
-      </p:nvGrpSpPr>
-      <p:grpSpPr>
-        <a:xfrm>
-          <a:off x="0" y="0"/>
-          <a:ext cx="0" cy="0"/>
-          <a:chOff x="0" y="0"/>
-          <a:chExt cx="0" cy="0"/>
-        </a:xfrm>
-      </p:grpSpPr>
-      <p:sp>
-        <p:nvSpPr>
-          <p:cNvPr id="333" name="PlaceHolder 1"/>
-          <p:cNvSpPr>
-            <a:spLocks noGrp="1"/>
-          </p:cNvSpPr>
-          <p:nvPr>
-            <p:ph type="title"/>
-          </p:nvPr>
-        </p:nvSpPr>
-        <p:spPr>
-          <a:xfrm>
-            <a:off x="457200" y="205200"/>
-            <a:ext cx="8229240" cy="858960"/>
-          </a:xfrm>
-          <a:prstGeom prst="rect">
-            <a:avLst/>
-          </a:prstGeom>
-        </p:spPr>
-        <p:txBody>
-          <a:bodyPr lIns="0" rIns="0" tIns="0" bIns="0" anchor="ctr"/>
-          <a:p>
-            <a:pPr algn="ctr"/>
-            <a:endParaRPr/>
-          </a:p>
-        </p:txBody>
-      </p:sp>
-      <p:sp>
-        <p:nvSpPr>
-          <p:cNvPr id="334" name="PlaceHolder 2"/>
-          <p:cNvSpPr>
-            <a:spLocks noGrp="1"/>
-          </p:cNvSpPr>
-          <p:nvPr>
-            <p:ph type="body"/>
-          </p:nvPr>
-        </p:nvSpPr>
-        <p:spPr>
-          <a:xfrm>
-            <a:off x="457200" y="1203480"/>
-            <a:ext cx="4015800" cy="1422720"/>
-          </a:xfrm>
-          <a:prstGeom prst="rect">
-            <a:avLst/>
-          </a:prstGeom>
-        </p:spPr>
-        <p:txBody>
-          <a:bodyPr lIns="0" rIns="0" tIns="0" bIns="0"/>
-          <a:p>
-            <a:endParaRPr/>
-          </a:p>
-        </p:txBody>
-      </p:sp>
-      <p:sp>
-        <p:nvSpPr>
-          <p:cNvPr id="335" name="PlaceHolder 3"/>
-          <p:cNvSpPr>
-            <a:spLocks noGrp="1"/>
-          </p:cNvSpPr>
-          <p:nvPr>
-            <p:ph type="body"/>
-          </p:nvPr>
-        </p:nvSpPr>
-        <p:spPr>
-          <a:xfrm>
-            <a:off x="4674240" y="1203480"/>
-            <a:ext cx="4015800" cy="1422720"/>
-          </a:xfrm>
-          <a:prstGeom prst="rect">
-            <a:avLst/>
-          </a:prstGeom>
-        </p:spPr>
-        <p:txBody>
-          <a:bodyPr lIns="0" rIns="0" tIns="0" bIns="0"/>
-          <a:p>
-            <a:endParaRPr/>
-          </a:p>
-        </p:txBody>
-      </p:sp>
-      <p:sp>
-        <p:nvSpPr>
-          <p:cNvPr id="336" name="PlaceHolder 4"/>
-          <p:cNvSpPr>
-            <a:spLocks noGrp="1"/>
-          </p:cNvSpPr>
-          <p:nvPr>
-            <p:ph type="body"/>
-          </p:nvPr>
-        </p:nvSpPr>
-        <p:spPr>
-          <a:xfrm>
-            <a:off x="457200" y="2761920"/>
-            <a:ext cx="8229240" cy="1422720"/>
-          </a:xfrm>
-          <a:prstGeom prst="rect">
-            <a:avLst/>
-          </a:prstGeom>
-        </p:spPr>
-        <p:txBody>
-          <a:bodyPr lIns="0" rIns="0" tIns="0" bIns="0"/>
-          <a:p>
-            <a:endParaRPr/>
-          </a:p>
-        </p:txBody>
-      </p:sp>
-    </p:spTree>
-  </p:cSld>
-</p:sldLayout>
-</file>
-
-<file path=ppt/slideLayouts/slideLayout46.xml><?xml version="1.0" encoding="utf-8"?>
-<p:sldLayout xmlns:a="http://schemas.openxmlformats.org/drawingml/2006/main" xmlns:p="http://schemas.openxmlformats.org/presentationml/2006/main" xmlns:r="http://schemas.openxmlformats.org/officeDocument/2006/relationships" type="objOverTx" preserve="1">
-  <p:cSld name="Title, Content over Content">
-    <p:spTree>
-      <p:nvGrpSpPr>
-        <p:cNvPr id="1" name=""/>
-        <p:cNvGrpSpPr/>
-        <p:nvPr/>
-      </p:nvGrpSpPr>
-      <p:grpSpPr>
-        <a:xfrm>
-          <a:off x="0" y="0"/>
-          <a:ext cx="0" cy="0"/>
-          <a:chOff x="0" y="0"/>
-          <a:chExt cx="0" cy="0"/>
-        </a:xfrm>
-      </p:grpSpPr>
-      <p:sp>
-        <p:nvSpPr>
-          <p:cNvPr id="337" name="PlaceHolder 1"/>
-          <p:cNvSpPr>
-            <a:spLocks noGrp="1"/>
-          </p:cNvSpPr>
-          <p:nvPr>
-            <p:ph type="title"/>
-          </p:nvPr>
-        </p:nvSpPr>
-        <p:spPr>
-          <a:xfrm>
-            <a:off x="457200" y="205200"/>
-            <a:ext cx="8229240" cy="858960"/>
-          </a:xfrm>
-          <a:prstGeom prst="rect">
-            <a:avLst/>
-          </a:prstGeom>
-        </p:spPr>
-        <p:txBody>
-          <a:bodyPr lIns="0" rIns="0" tIns="0" bIns="0" anchor="ctr"/>
-          <a:p>
-            <a:pPr algn="ctr"/>
-            <a:endParaRPr/>
-          </a:p>
-        </p:txBody>
-      </p:sp>
-      <p:sp>
-        <p:nvSpPr>
-          <p:cNvPr id="338" name="PlaceHolder 2"/>
-          <p:cNvSpPr>
-            <a:spLocks noGrp="1"/>
-          </p:cNvSpPr>
-          <p:nvPr>
-            <p:ph type="body"/>
-          </p:nvPr>
-        </p:nvSpPr>
-        <p:spPr>
-          <a:xfrm>
-            <a:off x="457200" y="1203480"/>
-            <a:ext cx="8229240" cy="1422720"/>
-          </a:xfrm>
-          <a:prstGeom prst="rect">
-            <a:avLst/>
-          </a:prstGeom>
-        </p:spPr>
-        <p:txBody>
-          <a:bodyPr lIns="0" rIns="0" tIns="0" bIns="0"/>
-          <a:p>
-            <a:endParaRPr/>
-          </a:p>
-        </p:txBody>
-      </p:sp>
-      <p:sp>
-        <p:nvSpPr>
-          <p:cNvPr id="339" name="PlaceHolder 3"/>
-          <p:cNvSpPr>
-            <a:spLocks noGrp="1"/>
-          </p:cNvSpPr>
-          <p:nvPr>
-            <p:ph type="body"/>
-          </p:nvPr>
-        </p:nvSpPr>
-        <p:spPr>
-          <a:xfrm>
-            <a:off x="457200" y="2761920"/>
-            <a:ext cx="8229240" cy="1422720"/>
-          </a:xfrm>
-          <a:prstGeom prst="rect">
-            <a:avLst/>
-          </a:prstGeom>
-        </p:spPr>
-        <p:txBody>
-          <a:bodyPr lIns="0" rIns="0" tIns="0" bIns="0"/>
-          <a:p>
-            <a:endParaRPr/>
-          </a:p>
-        </p:txBody>
-      </p:sp>
-    </p:spTree>
-  </p:cSld>
-</p:sldLayout>
-</file>
-
-<file path=ppt/slideLayouts/slideLayout47.xml><?xml version="1.0" encoding="utf-8"?>
-<p:sldLayout xmlns:a="http://schemas.openxmlformats.org/drawingml/2006/main" xmlns:p="http://schemas.openxmlformats.org/presentationml/2006/main" xmlns:r="http://schemas.openxmlformats.org/officeDocument/2006/relationships" type="fourObj" preserve="1">
-  <p:cSld name="Title, 4 Content">
-    <p:spTree>
-      <p:nvGrpSpPr>
-        <p:cNvPr id="1" name=""/>
-        <p:cNvGrpSpPr/>
-        <p:nvPr/>
-      </p:nvGrpSpPr>
-      <p:grpSpPr>
-        <a:xfrm>
-          <a:off x="0" y="0"/>
-          <a:ext cx="0" cy="0"/>
-          <a:chOff x="0" y="0"/>
-          <a:chExt cx="0" cy="0"/>
-        </a:xfrm>
-      </p:grpSpPr>
-      <p:sp>
-        <p:nvSpPr>
-          <p:cNvPr id="340" name="PlaceHolder 1"/>
-          <p:cNvSpPr>
-            <a:spLocks noGrp="1"/>
-          </p:cNvSpPr>
-          <p:nvPr>
-            <p:ph type="title"/>
-          </p:nvPr>
-        </p:nvSpPr>
-        <p:spPr>
-          <a:xfrm>
-            <a:off x="457200" y="205200"/>
-            <a:ext cx="8229240" cy="858960"/>
-          </a:xfrm>
-          <a:prstGeom prst="rect">
-            <a:avLst/>
-          </a:prstGeom>
-        </p:spPr>
-        <p:txBody>
-          <a:bodyPr lIns="0" rIns="0" tIns="0" bIns="0" anchor="ctr"/>
-          <a:p>
-            <a:pPr algn="ctr"/>
-            <a:endParaRPr/>
-          </a:p>
-        </p:txBody>
-      </p:sp>
-      <p:sp>
-        <p:nvSpPr>
-          <p:cNvPr id="341" name="PlaceHolder 2"/>
-          <p:cNvSpPr>
-            <a:spLocks noGrp="1"/>
-          </p:cNvSpPr>
-          <p:nvPr>
-            <p:ph type="body"/>
-          </p:nvPr>
-        </p:nvSpPr>
-        <p:spPr>
-          <a:xfrm>
-            <a:off x="457200" y="1203480"/>
-            <a:ext cx="4015800" cy="1422720"/>
-          </a:xfrm>
-          <a:prstGeom prst="rect">
-            <a:avLst/>
-          </a:prstGeom>
-        </p:spPr>
-        <p:txBody>
-          <a:bodyPr lIns="0" rIns="0" tIns="0" bIns="0"/>
-          <a:p>
-            <a:endParaRPr/>
-          </a:p>
-        </p:txBody>
-      </p:sp>
-      <p:sp>
-        <p:nvSpPr>
-          <p:cNvPr id="342" name="PlaceHolder 3"/>
-          <p:cNvSpPr>
-            <a:spLocks noGrp="1"/>
-          </p:cNvSpPr>
-          <p:nvPr>
-            <p:ph type="body"/>
-          </p:nvPr>
-        </p:nvSpPr>
-        <p:spPr>
-          <a:xfrm>
-            <a:off x="4674240" y="1203480"/>
-            <a:ext cx="4015800" cy="1422720"/>
-          </a:xfrm>
-          <a:prstGeom prst="rect">
-            <a:avLst/>
-          </a:prstGeom>
-        </p:spPr>
-        <p:txBody>
-          <a:bodyPr lIns="0" rIns="0" tIns="0" bIns="0"/>
-          <a:p>
-            <a:endParaRPr/>
-          </a:p>
-        </p:txBody>
-      </p:sp>
-      <p:sp>
-        <p:nvSpPr>
-          <p:cNvPr id="343" name="PlaceHolder 4"/>
-          <p:cNvSpPr>
-            <a:spLocks noGrp="1"/>
-          </p:cNvSpPr>
-          <p:nvPr>
-            <p:ph type="body"/>
-          </p:nvPr>
-        </p:nvSpPr>
-        <p:spPr>
-          <a:xfrm>
-            <a:off x="4674240" y="2761920"/>
-            <a:ext cx="4015800" cy="1422720"/>
-          </a:xfrm>
-          <a:prstGeom prst="rect">
-            <a:avLst/>
-          </a:prstGeom>
-        </p:spPr>
-        <p:txBody>
-          <a:bodyPr lIns="0" rIns="0" tIns="0" bIns="0"/>
-          <a:p>
-            <a:endParaRPr/>
-          </a:p>
-        </p:txBody>
-      </p:sp>
-      <p:sp>
-        <p:nvSpPr>
-          <p:cNvPr id="344" name="PlaceHolder 5"/>
-          <p:cNvSpPr>
-            <a:spLocks noGrp="1"/>
-          </p:cNvSpPr>
-          <p:nvPr>
-            <p:ph type="body"/>
-          </p:nvPr>
-        </p:nvSpPr>
-        <p:spPr>
-          <a:xfrm>
-            <a:off x="457200" y="2761920"/>
-            <a:ext cx="4015800" cy="1422720"/>
-          </a:xfrm>
-          <a:prstGeom prst="rect">
-            <a:avLst/>
-          </a:prstGeom>
-        </p:spPr>
-        <p:txBody>
-          <a:bodyPr lIns="0" rIns="0" tIns="0" bIns="0"/>
-          <a:p>
-            <a:endParaRPr/>
-          </a:p>
-        </p:txBody>
-      </p:sp>
-    </p:spTree>
-  </p:cSld>
-</p:sldLayout>
-</file>
-
-<file path=ppt/slideLayouts/slideLayout48.xml><?xml version="1.0" encoding="utf-8"?>
-<p:sldLayout xmlns:a="http://schemas.openxmlformats.org/drawingml/2006/main" xmlns:p="http://schemas.openxmlformats.org/presentationml/2006/main" xmlns:r="http://schemas.openxmlformats.org/officeDocument/2006/relationships" type="blank" preserve="1">
-  <p:cSld name="Title, 6 Content">
-    <p:spTree>
-      <p:nvGrpSpPr>
-        <p:cNvPr id="1" name=""/>
-        <p:cNvGrpSpPr/>
-        <p:nvPr/>
-      </p:nvGrpSpPr>
-      <p:grpSpPr>
-        <a:xfrm>
-          <a:off x="0" y="0"/>
-          <a:ext cx="0" cy="0"/>
-          <a:chOff x="0" y="0"/>
-          <a:chExt cx="0" cy="0"/>
-        </a:xfrm>
-      </p:grpSpPr>
-      <p:sp>
-        <p:nvSpPr>
-          <p:cNvPr id="345" name="PlaceHolder 1"/>
-          <p:cNvSpPr>
-            <a:spLocks noGrp="1"/>
-          </p:cNvSpPr>
-          <p:nvPr>
-            <p:ph type="title"/>
-          </p:nvPr>
-        </p:nvSpPr>
-        <p:spPr>
-          <a:xfrm>
-            <a:off x="457200" y="205200"/>
-            <a:ext cx="8229240" cy="858960"/>
-          </a:xfrm>
-          <a:prstGeom prst="rect">
-            <a:avLst/>
-          </a:prstGeom>
-        </p:spPr>
-        <p:txBody>
-          <a:bodyPr lIns="0" rIns="0" tIns="0" bIns="0" anchor="ctr"/>
-          <a:p>
-            <a:pPr algn="ctr"/>
-            <a:endParaRPr/>
-          </a:p>
-        </p:txBody>
-      </p:sp>
-      <p:sp>
-        <p:nvSpPr>
-          <p:cNvPr id="346" name="PlaceHolder 2"/>
-          <p:cNvSpPr>
-            <a:spLocks noGrp="1"/>
-          </p:cNvSpPr>
-          <p:nvPr>
-            <p:ph type="body"/>
-          </p:nvPr>
-        </p:nvSpPr>
-        <p:spPr>
-          <a:xfrm>
-            <a:off x="457200" y="1203480"/>
-            <a:ext cx="8229240" cy="2982960"/>
-          </a:xfrm>
-          <a:prstGeom prst="rect">
-            <a:avLst/>
-          </a:prstGeom>
-        </p:spPr>
-        <p:txBody>
-          <a:bodyPr lIns="0" rIns="0" tIns="0" bIns="0"/>
-          <a:p>
-            <a:endParaRPr/>
-          </a:p>
-        </p:txBody>
-      </p:sp>
-      <p:sp>
-        <p:nvSpPr>
-          <p:cNvPr id="347" name="PlaceHolder 3"/>
-          <p:cNvSpPr>
-            <a:spLocks noGrp="1"/>
-          </p:cNvSpPr>
-          <p:nvPr>
-            <p:ph type="body"/>
-          </p:nvPr>
-        </p:nvSpPr>
-        <p:spPr>
-          <a:xfrm>
-            <a:off x="457200" y="1203480"/>
-            <a:ext cx="8229240" cy="2982960"/>
-          </a:xfrm>
-          <a:prstGeom prst="rect">
-            <a:avLst/>
-          </a:prstGeom>
-        </p:spPr>
-        <p:txBody>
-          <a:bodyPr lIns="0" rIns="0" tIns="0" bIns="0"/>
-          <a:p>
-            <a:endParaRPr/>
-          </a:p>
-        </p:txBody>
-      </p:sp>
-      <p:pic>
-        <p:nvPicPr>
-          <p:cNvPr id="348" name="" descr=""/>
-          <p:cNvPicPr/>
-          <p:nvPr/>
-        </p:nvPicPr>
-        <p:blipFill>
-          <a:blip r:embed="rId2"/>
-          <a:stretch>
-            <a:fillRect/>
-          </a:stretch>
-        </p:blipFill>
-        <p:spPr>
-          <a:xfrm>
-            <a:off x="2702160" y="1203480"/>
-            <a:ext cx="3738600" cy="2982960"/>
-          </a:xfrm>
-          <a:prstGeom prst="rect">
-            <a:avLst/>
-          </a:prstGeom>
-          <a:ln>
-            <a:noFill/>
-          </a:ln>
-        </p:spPr>
-      </p:pic>
-      <p:pic>
-        <p:nvPicPr>
-          <p:cNvPr id="349" name="" descr=""/>
-          <p:cNvPicPr/>
-          <p:nvPr/>
-        </p:nvPicPr>
-        <p:blipFill>
-          <a:blip r:embed="rId3"/>
-          <a:stretch>
-            <a:fillRect/>
-          </a:stretch>
-        </p:blipFill>
-        <p:spPr>
-          <a:xfrm>
-            <a:off x="2702160" y="1203480"/>
-            <a:ext cx="3738600" cy="2982960"/>
-          </a:xfrm>
-          <a:prstGeom prst="rect">
-            <a:avLst/>
-          </a:prstGeom>
-          <a:ln>
-            <a:noFill/>
-          </a:ln>
-        </p:spPr>
-      </p:pic>
     </p:spTree>
   </p:cSld>
 </p:sldLayout>
@@ -4685,7 +3527,7 @@
         <p:spPr>
           <a:xfrm>
             <a:off x="33840" y="182880"/>
-            <a:ext cx="3250440" cy="360"/>
+            <a:ext cx="3250080" cy="360"/>
           </a:xfrm>
           <a:prstGeom prst="straightConnector1">
             <a:avLst/>
@@ -4707,8 +3549,8 @@
         </p:nvSpPr>
         <p:spPr>
           <a:xfrm rot="16200000">
-            <a:off x="-826920" y="1055160"/>
-            <a:ext cx="2103840" cy="720"/>
+            <a:off x="-826560" y="1055520"/>
+            <a:ext cx="2103480" cy="360"/>
           </a:xfrm>
           <a:prstGeom prst="straightConnector1">
             <a:avLst/>
@@ -4731,7 +3573,7 @@
         <p:spPr>
           <a:xfrm>
             <a:off x="33840" y="354240"/>
-            <a:ext cx="2666160" cy="360"/>
+            <a:ext cx="2665800" cy="360"/>
           </a:xfrm>
           <a:prstGeom prst="straightConnector1">
             <a:avLst/>
@@ -4754,7 +3596,7 @@
         <p:spPr>
           <a:xfrm>
             <a:off x="33840" y="525960"/>
-            <a:ext cx="2166840" cy="360"/>
+            <a:ext cx="2166480" cy="360"/>
           </a:xfrm>
           <a:prstGeom prst="straightConnector1">
             <a:avLst/>
@@ -4777,7 +3619,7 @@
         <p:spPr>
           <a:xfrm>
             <a:off x="33840" y="697320"/>
-            <a:ext cx="1861920" cy="360"/>
+            <a:ext cx="1861560" cy="360"/>
           </a:xfrm>
           <a:prstGeom prst="straightConnector1">
             <a:avLst/>
@@ -4800,7 +3642,7 @@
         <p:spPr>
           <a:xfrm>
             <a:off x="33840" y="868680"/>
-            <a:ext cx="1489320" cy="360"/>
+            <a:ext cx="1488960" cy="360"/>
           </a:xfrm>
           <a:prstGeom prst="straightConnector1">
             <a:avLst/>
@@ -4823,7 +3665,7 @@
         <p:spPr>
           <a:xfrm>
             <a:off x="33840" y="1040040"/>
-            <a:ext cx="1218600" cy="360"/>
+            <a:ext cx="1218240" cy="360"/>
           </a:xfrm>
           <a:prstGeom prst="straightConnector1">
             <a:avLst/>
@@ -4846,7 +3688,7 @@
         <p:spPr>
           <a:xfrm>
             <a:off x="33840" y="1211760"/>
-            <a:ext cx="990000" cy="360"/>
+            <a:ext cx="989640" cy="360"/>
           </a:xfrm>
           <a:prstGeom prst="straightConnector1">
             <a:avLst/>
@@ -4869,7 +3711,7 @@
         <p:spPr>
           <a:xfrm>
             <a:off x="33840" y="1383120"/>
-            <a:ext cx="744480" cy="360"/>
+            <a:ext cx="744120" cy="360"/>
           </a:xfrm>
           <a:prstGeom prst="straightConnector1">
             <a:avLst/>
@@ -4892,7 +3734,7 @@
         <p:spPr>
           <a:xfrm>
             <a:off x="33840" y="1554480"/>
-            <a:ext cx="532800" cy="360"/>
+            <a:ext cx="532440" cy="360"/>
           </a:xfrm>
           <a:prstGeom prst="straightConnector1">
             <a:avLst/>
@@ -4915,7 +3757,7 @@
         <p:spPr>
           <a:xfrm>
             <a:off x="33840" y="1725840"/>
-            <a:ext cx="261720" cy="360"/>
+            <a:ext cx="261360" cy="360"/>
           </a:xfrm>
           <a:prstGeom prst="straightConnector1">
             <a:avLst/>
@@ -4937,8 +3779,8 @@
         </p:nvSpPr>
         <p:spPr>
           <a:xfrm rot="16200000">
-            <a:off x="-471240" y="928080"/>
-            <a:ext cx="1850400" cy="720"/>
+            <a:off x="-470880" y="928440"/>
+            <a:ext cx="1850040" cy="360"/>
           </a:xfrm>
           <a:prstGeom prst="straightConnector1">
             <a:avLst/>
@@ -4960,8 +3802,8 @@
         </p:nvSpPr>
         <p:spPr>
           <a:xfrm rot="16200000">
-            <a:off x="-70920" y="760320"/>
-            <a:ext cx="1512720" cy="720"/>
+            <a:off x="-70560" y="760680"/>
+            <a:ext cx="1512360" cy="360"/>
           </a:xfrm>
           <a:prstGeom prst="straightConnector1">
             <a:avLst/>
@@ -4983,8 +3825,8 @@
         </p:nvSpPr>
         <p:spPr>
           <a:xfrm rot="16200000">
-            <a:off x="253440" y="664920"/>
-            <a:ext cx="1322280" cy="720"/>
+            <a:off x="253440" y="665280"/>
+            <a:ext cx="1321920" cy="360"/>
           </a:xfrm>
           <a:prstGeom prst="straightConnector1">
             <a:avLst/>
@@ -5006,8 +3848,8 @@
         </p:nvSpPr>
         <p:spPr>
           <a:xfrm rot="16200000">
-            <a:off x="556200" y="591840"/>
-            <a:ext cx="1176120" cy="720"/>
+            <a:off x="556200" y="592200"/>
+            <a:ext cx="1175760" cy="360"/>
           </a:xfrm>
           <a:prstGeom prst="straightConnector1">
             <a:avLst/>
@@ -5029,8 +3871,8 @@
         </p:nvSpPr>
         <p:spPr>
           <a:xfrm rot="16200000">
-            <a:off x="846360" y="531720"/>
-            <a:ext cx="1055520" cy="720"/>
+            <a:off x="846360" y="532080"/>
+            <a:ext cx="1055160" cy="360"/>
           </a:xfrm>
           <a:prstGeom prst="straightConnector1">
             <a:avLst/>
@@ -5052,8 +3894,8 @@
         </p:nvSpPr>
         <p:spPr>
           <a:xfrm rot="16200000">
-            <a:off x="1155600" y="452160"/>
-            <a:ext cx="896760" cy="720"/>
+            <a:off x="1155600" y="452520"/>
+            <a:ext cx="896400" cy="360"/>
           </a:xfrm>
           <a:prstGeom prst="straightConnector1">
             <a:avLst/>
@@ -5075,8 +3917,8 @@
         </p:nvSpPr>
         <p:spPr>
           <a:xfrm rot="16200000">
-            <a:off x="1442520" y="395280"/>
-            <a:ext cx="782640" cy="720"/>
+            <a:off x="1442520" y="395640"/>
+            <a:ext cx="782280" cy="360"/>
           </a:xfrm>
           <a:prstGeom prst="straightConnector1">
             <a:avLst/>
@@ -5098,8 +3940,8 @@
         </p:nvSpPr>
         <p:spPr>
           <a:xfrm rot="16200000">
-            <a:off x="1734120" y="330120"/>
-            <a:ext cx="658800" cy="720"/>
+            <a:off x="1734120" y="330480"/>
+            <a:ext cx="658440" cy="360"/>
           </a:xfrm>
           <a:prstGeom prst="straightConnector1">
             <a:avLst/>
@@ -5121,8 +3963,8 @@
         </p:nvSpPr>
         <p:spPr>
           <a:xfrm rot="16200000">
-            <a:off x="2011680" y="282240"/>
-            <a:ext cx="563760" cy="720"/>
+            <a:off x="2011680" y="282600"/>
+            <a:ext cx="563400" cy="360"/>
           </a:xfrm>
           <a:prstGeom prst="straightConnector1">
             <a:avLst/>
@@ -5144,8 +3986,8 @@
         </p:nvSpPr>
         <p:spPr>
           <a:xfrm rot="16200000">
-            <a:off x="2304720" y="218520"/>
-            <a:ext cx="437040" cy="720"/>
+            <a:off x="2304720" y="218880"/>
+            <a:ext cx="436680" cy="360"/>
           </a:xfrm>
           <a:prstGeom prst="straightConnector1">
             <a:avLst/>
@@ -5167,8 +4009,8 @@
         </p:nvSpPr>
         <p:spPr>
           <a:xfrm rot="16200000">
-            <a:off x="2604600" y="148680"/>
-            <a:ext cx="297360" cy="720"/>
+            <a:off x="2604600" y="149040"/>
+            <a:ext cx="297000" cy="360"/>
           </a:xfrm>
           <a:prstGeom prst="straightConnector1">
             <a:avLst/>
@@ -5190,8 +4032,8 @@
         </p:nvSpPr>
         <p:spPr>
           <a:xfrm rot="16200000">
-            <a:off x="2872440" y="110880"/>
-            <a:ext cx="221040" cy="720"/>
+            <a:off x="2872440" y="111240"/>
+            <a:ext cx="220680" cy="360"/>
           </a:xfrm>
           <a:prstGeom prst="straightConnector1">
             <a:avLst/>
@@ -5213,8 +4055,8 @@
         </p:nvSpPr>
         <p:spPr>
           <a:xfrm rot="16200000">
-            <a:off x="3138120" y="76320"/>
-            <a:ext cx="150480" cy="720"/>
+            <a:off x="3138120" y="76680"/>
+            <a:ext cx="150120" cy="360"/>
           </a:xfrm>
           <a:prstGeom prst="straightConnector1">
             <a:avLst/>
@@ -5236,8 +4078,8 @@
         </p:nvSpPr>
         <p:spPr>
           <a:xfrm rot="16200000">
-            <a:off x="3379680" y="63000"/>
-            <a:ext cx="125640" cy="720"/>
+            <a:off x="3379680" y="63360"/>
+            <a:ext cx="125280" cy="360"/>
           </a:xfrm>
           <a:prstGeom prst="straightConnector1">
             <a:avLst/>
@@ -5259,8 +4101,8 @@
         </p:nvSpPr>
         <p:spPr>
           <a:xfrm rot="10800000">
-            <a:off x="5893560" y="4959360"/>
-            <a:ext cx="3250440" cy="360"/>
+            <a:off x="5893920" y="4959000"/>
+            <a:ext cx="3250080" cy="360"/>
           </a:xfrm>
           <a:prstGeom prst="straightConnector1">
             <a:avLst/>
@@ -5282,8 +4124,8 @@
         </p:nvSpPr>
         <p:spPr>
           <a:xfrm rot="5400000">
-            <a:off x="7901640" y="4087440"/>
-            <a:ext cx="2103840" cy="720"/>
+            <a:off x="7902000" y="4087440"/>
+            <a:ext cx="2103480" cy="360"/>
           </a:xfrm>
           <a:prstGeom prst="straightConnector1">
             <a:avLst/>
@@ -5305,8 +4147,8 @@
         </p:nvSpPr>
         <p:spPr>
           <a:xfrm rot="10800000">
-            <a:off x="6477840" y="4788000"/>
-            <a:ext cx="2666160" cy="360"/>
+            <a:off x="6478200" y="4787640"/>
+            <a:ext cx="2665800" cy="360"/>
           </a:xfrm>
           <a:prstGeom prst="straightConnector1">
             <a:avLst/>
@@ -5328,8 +4170,8 @@
         </p:nvSpPr>
         <p:spPr>
           <a:xfrm rot="10800000">
-            <a:off x="6977160" y="4616640"/>
-            <a:ext cx="2166840" cy="360"/>
+            <a:off x="6977520" y="4616280"/>
+            <a:ext cx="2166480" cy="360"/>
           </a:xfrm>
           <a:prstGeom prst="straightConnector1">
             <a:avLst/>
@@ -5351,8 +4193,8 @@
         </p:nvSpPr>
         <p:spPr>
           <a:xfrm rot="10800000">
-            <a:off x="7282080" y="4445280"/>
-            <a:ext cx="1861920" cy="360"/>
+            <a:off x="7282440" y="4444920"/>
+            <a:ext cx="1861560" cy="360"/>
           </a:xfrm>
           <a:prstGeom prst="straightConnector1">
             <a:avLst/>
@@ -5374,8 +4216,8 @@
         </p:nvSpPr>
         <p:spPr>
           <a:xfrm rot="10800000">
-            <a:off x="7654680" y="4273560"/>
-            <a:ext cx="1489320" cy="360"/>
+            <a:off x="7655040" y="4273200"/>
+            <a:ext cx="1488960" cy="360"/>
           </a:xfrm>
           <a:prstGeom prst="straightConnector1">
             <a:avLst/>
@@ -5397,8 +4239,8 @@
         </p:nvSpPr>
         <p:spPr>
           <a:xfrm rot="10800000">
-            <a:off x="7925400" y="4102200"/>
-            <a:ext cx="1218600" cy="360"/>
+            <a:off x="7925760" y="4101840"/>
+            <a:ext cx="1218240" cy="360"/>
           </a:xfrm>
           <a:prstGeom prst="straightConnector1">
             <a:avLst/>
@@ -5420,8 +4262,8 @@
         </p:nvSpPr>
         <p:spPr>
           <a:xfrm rot="10800000">
-            <a:off x="8154000" y="3931560"/>
-            <a:ext cx="990000" cy="360"/>
+            <a:off x="8154360" y="3931560"/>
+            <a:ext cx="989640" cy="360"/>
           </a:xfrm>
           <a:prstGeom prst="straightConnector1">
             <a:avLst/>
@@ -5443,8 +4285,8 @@
         </p:nvSpPr>
         <p:spPr>
           <a:xfrm rot="10800000">
-            <a:off x="8399520" y="3760200"/>
-            <a:ext cx="744480" cy="360"/>
+            <a:off x="8399880" y="3760200"/>
+            <a:ext cx="744120" cy="360"/>
           </a:xfrm>
           <a:prstGeom prst="straightConnector1">
             <a:avLst/>
@@ -5466,8 +4308,8 @@
         </p:nvSpPr>
         <p:spPr>
           <a:xfrm rot="10800000">
-            <a:off x="8611200" y="3588480"/>
-            <a:ext cx="532800" cy="360"/>
+            <a:off x="8611560" y="3588480"/>
+            <a:ext cx="532440" cy="360"/>
           </a:xfrm>
           <a:prstGeom prst="straightConnector1">
             <a:avLst/>
@@ -5489,8 +4331,8 @@
         </p:nvSpPr>
         <p:spPr>
           <a:xfrm rot="10800000">
-            <a:off x="8882280" y="3417120"/>
-            <a:ext cx="261720" cy="360"/>
+            <a:off x="8882640" y="3417120"/>
+            <a:ext cx="261360" cy="360"/>
           </a:xfrm>
           <a:prstGeom prst="straightConnector1">
             <a:avLst/>
@@ -5512,8 +4354,8 @@
         </p:nvSpPr>
         <p:spPr>
           <a:xfrm rot="5400000">
-            <a:off x="7799400" y="4214880"/>
-            <a:ext cx="1850400" cy="720"/>
+            <a:off x="7799760" y="4214880"/>
+            <a:ext cx="1850040" cy="360"/>
           </a:xfrm>
           <a:prstGeom prst="straightConnector1">
             <a:avLst/>
@@ -5535,8 +4377,8 @@
         </p:nvSpPr>
         <p:spPr>
           <a:xfrm rot="5400000">
-            <a:off x="7736760" y="4382280"/>
-            <a:ext cx="1512720" cy="720"/>
+            <a:off x="7737120" y="4382280"/>
+            <a:ext cx="1512360" cy="360"/>
           </a:xfrm>
           <a:prstGeom prst="straightConnector1">
             <a:avLst/>
@@ -5558,8 +4400,8 @@
         </p:nvSpPr>
         <p:spPr>
           <a:xfrm rot="5400000">
-            <a:off x="7601760" y="4477680"/>
-            <a:ext cx="1322280" cy="720"/>
+            <a:off x="7602120" y="4477680"/>
+            <a:ext cx="1321920" cy="360"/>
           </a:xfrm>
           <a:prstGeom prst="straightConnector1">
             <a:avLst/>
@@ -5581,8 +4423,8 @@
         </p:nvSpPr>
         <p:spPr>
           <a:xfrm rot="5400000">
-            <a:off x="7445160" y="4550400"/>
-            <a:ext cx="1176120" cy="720"/>
+            <a:off x="7445520" y="4550400"/>
+            <a:ext cx="1175760" cy="360"/>
           </a:xfrm>
           <a:prstGeom prst="straightConnector1">
             <a:avLst/>
@@ -5604,8 +4446,8 @@
         </p:nvSpPr>
         <p:spPr>
           <a:xfrm rot="5400000">
-            <a:off x="7275960" y="4610880"/>
-            <a:ext cx="1055520" cy="720"/>
+            <a:off x="7276320" y="4610880"/>
+            <a:ext cx="1055160" cy="360"/>
           </a:xfrm>
           <a:prstGeom prst="straightConnector1">
             <a:avLst/>
@@ -5627,8 +4469,8 @@
         </p:nvSpPr>
         <p:spPr>
           <a:xfrm rot="5400000">
-            <a:off x="7125120" y="4690080"/>
-            <a:ext cx="896760" cy="720"/>
+            <a:off x="7125480" y="4690080"/>
+            <a:ext cx="896400" cy="360"/>
           </a:xfrm>
           <a:prstGeom prst="straightConnector1">
             <a:avLst/>
@@ -5650,8 +4492,8 @@
         </p:nvSpPr>
         <p:spPr>
           <a:xfrm rot="5400000">
-            <a:off x="6952680" y="4747680"/>
-            <a:ext cx="782640" cy="720"/>
+            <a:off x="6953040" y="4747680"/>
+            <a:ext cx="782280" cy="360"/>
           </a:xfrm>
           <a:prstGeom prst="straightConnector1">
             <a:avLst/>
@@ -5673,8 +4515,8 @@
         </p:nvSpPr>
         <p:spPr>
           <a:xfrm rot="5400000">
-            <a:off x="6784920" y="4812840"/>
-            <a:ext cx="658800" cy="720"/>
+            <a:off x="6785280" y="4812840"/>
+            <a:ext cx="658440" cy="360"/>
           </a:xfrm>
           <a:prstGeom prst="straightConnector1">
             <a:avLst/>
@@ -5696,8 +4538,8 @@
         </p:nvSpPr>
         <p:spPr>
           <a:xfrm rot="5400000">
-            <a:off x="6602400" y="4860360"/>
-            <a:ext cx="563760" cy="720"/>
+            <a:off x="6602760" y="4860360"/>
+            <a:ext cx="563400" cy="360"/>
           </a:xfrm>
           <a:prstGeom prst="straightConnector1">
             <a:avLst/>
@@ -5719,8 +4561,8 @@
         </p:nvSpPr>
         <p:spPr>
           <a:xfrm rot="5400000">
-            <a:off x="6436080" y="4924080"/>
-            <a:ext cx="437040" cy="720"/>
+            <a:off x="6436440" y="4924080"/>
+            <a:ext cx="436680" cy="360"/>
           </a:xfrm>
           <a:prstGeom prst="straightConnector1">
             <a:avLst/>
@@ -5742,8 +4584,8 @@
         </p:nvSpPr>
         <p:spPr>
           <a:xfrm rot="5400000">
-            <a:off x="6276240" y="4993920"/>
-            <a:ext cx="297360" cy="720"/>
+            <a:off x="6276600" y="4993920"/>
+            <a:ext cx="297000" cy="360"/>
           </a:xfrm>
           <a:prstGeom prst="straightConnector1">
             <a:avLst/>
@@ -5765,8 +4607,8 @@
         </p:nvSpPr>
         <p:spPr>
           <a:xfrm rot="5400000">
-            <a:off x="6084360" y="5032080"/>
-            <a:ext cx="221040" cy="720"/>
+            <a:off x="6084720" y="5032080"/>
+            <a:ext cx="220680" cy="360"/>
           </a:xfrm>
           <a:prstGeom prst="straightConnector1">
             <a:avLst/>
@@ -5788,8 +4630,8 @@
         </p:nvSpPr>
         <p:spPr>
           <a:xfrm rot="5400000">
-            <a:off x="5889240" y="5066640"/>
-            <a:ext cx="150480" cy="720"/>
+            <a:off x="5889600" y="5066640"/>
+            <a:ext cx="150120" cy="360"/>
           </a:xfrm>
           <a:prstGeom prst="straightConnector1">
             <a:avLst/>
@@ -5811,8 +4653,8 @@
         </p:nvSpPr>
         <p:spPr>
           <a:xfrm rot="5400000">
-            <a:off x="5672160" y="5079240"/>
-            <a:ext cx="125640" cy="720"/>
+            <a:off x="5672520" y="5079240"/>
+            <a:ext cx="125280" cy="360"/>
           </a:xfrm>
           <a:prstGeom prst="straightConnector1">
             <a:avLst/>
@@ -5834,8 +4676,8 @@
         </p:nvSpPr>
         <p:spPr>
           <a:xfrm flipH="1">
-            <a:off x="-720" y="1000800"/>
-            <a:ext cx="187200" cy="3086640"/>
+            <a:off x="-1440" y="1000800"/>
+            <a:ext cx="186840" cy="3086280"/>
           </a:xfrm>
           <a:prstGeom prst="rect">
             <a:avLst/>
@@ -5856,8 +4698,8 @@
         </p:nvSpPr>
         <p:spPr>
           <a:xfrm flipH="1">
-            <a:off x="187200" y="1000800"/>
-            <a:ext cx="7125840" cy="3086640"/>
+            <a:off x="186480" y="1000800"/>
+            <a:ext cx="7125480" cy="3086280"/>
           </a:xfrm>
           <a:prstGeom prst="rect">
             <a:avLst/>
@@ -5915,7 +4757,7 @@
         <p:spPr>
           <a:xfrm>
             <a:off x="457200" y="1203480"/>
-            <a:ext cx="8229240" cy="2982960"/>
+            <a:ext cx="8228880" cy="2982600"/>
           </a:xfrm>
           <a:prstGeom prst="rect">
             <a:avLst/>
@@ -5930,7 +4772,7 @@
               <a:buChar char=""/>
             </a:pPr>
             <a:r>
-              <a:rPr lang="pt-BR" sz="3200">
+              <a:rPr lang="pt-BR">
                 <a:latin typeface="Arial"/>
               </a:rPr>
               <a:t>Clique para editar o formato do texto da estrutura de tópicos</a:t>
@@ -5944,7 +4786,7 @@
               <a:buChar char=""/>
             </a:pPr>
             <a:r>
-              <a:rPr lang="pt-BR" sz="2800">
+              <a:rPr lang="pt-BR">
                 <a:latin typeface="Arial"/>
               </a:rPr>
               <a:t>2.º Nível da estrutura de tópicos</a:t>
@@ -5958,7 +4800,7 @@
               <a:buChar char=""/>
             </a:pPr>
             <a:r>
-              <a:rPr lang="pt-BR" sz="2400">
+              <a:rPr lang="pt-BR">
                 <a:latin typeface="Arial"/>
               </a:rPr>
               <a:t>3.º Nível da estrutura de tópicos</a:t>
@@ -5972,7 +4814,7 @@
               <a:buChar char=""/>
             </a:pPr>
             <a:r>
-              <a:rPr lang="pt-BR" sz="2000">
+              <a:rPr lang="pt-BR">
                 <a:latin typeface="Arial"/>
               </a:rPr>
               <a:t>4.º Nível da estrutura de tópicos</a:t>
@@ -5986,7 +4828,7 @@
               <a:buChar char=""/>
             </a:pPr>
             <a:r>
-              <a:rPr lang="pt-BR" sz="2000">
+              <a:rPr lang="pt-BR">
                 <a:latin typeface="Arial"/>
               </a:rPr>
               <a:t>5.º Nível da estrutura de tópicos</a:t>
@@ -6000,7 +4842,7 @@
               <a:buChar char=""/>
             </a:pPr>
             <a:r>
-              <a:rPr lang="pt-BR" sz="2000">
+              <a:rPr lang="pt-BR">
                 <a:latin typeface="Arial"/>
               </a:rPr>
               <a:t>6.º Nível da estrutura de tópicos</a:t>
@@ -6014,7 +4856,7 @@
               <a:buChar char=""/>
             </a:pPr>
             <a:r>
-              <a:rPr lang="pt-BR" sz="2000">
+              <a:rPr lang="pt-BR">
                 <a:latin typeface="Arial"/>
               </a:rPr>
               <a:t>7.º Nível da estrutura de tópicos</a:t>
@@ -6076,7 +4918,7 @@
         <p:spPr>
           <a:xfrm>
             <a:off x="33840" y="182880"/>
-            <a:ext cx="3250440" cy="360"/>
+            <a:ext cx="3250080" cy="360"/>
           </a:xfrm>
           <a:prstGeom prst="straightConnector1">
             <a:avLst/>
@@ -6098,8 +4940,8 @@
         </p:nvSpPr>
         <p:spPr>
           <a:xfrm rot="16200000">
-            <a:off x="-826920" y="1055160"/>
-            <a:ext cx="2103840" cy="720"/>
+            <a:off x="-826560" y="1055520"/>
+            <a:ext cx="2103480" cy="360"/>
           </a:xfrm>
           <a:prstGeom prst="straightConnector1">
             <a:avLst/>
@@ -6122,7 +4964,7 @@
         <p:spPr>
           <a:xfrm>
             <a:off x="33840" y="354240"/>
-            <a:ext cx="2666160" cy="360"/>
+            <a:ext cx="2665800" cy="360"/>
           </a:xfrm>
           <a:prstGeom prst="straightConnector1">
             <a:avLst/>
@@ -6145,7 +4987,7 @@
         <p:spPr>
           <a:xfrm>
             <a:off x="33840" y="525960"/>
-            <a:ext cx="2166840" cy="360"/>
+            <a:ext cx="2166480" cy="360"/>
           </a:xfrm>
           <a:prstGeom prst="straightConnector1">
             <a:avLst/>
@@ -6168,7 +5010,7 @@
         <p:spPr>
           <a:xfrm>
             <a:off x="33840" y="697320"/>
-            <a:ext cx="1861920" cy="360"/>
+            <a:ext cx="1861560" cy="360"/>
           </a:xfrm>
           <a:prstGeom prst="straightConnector1">
             <a:avLst/>
@@ -6191,7 +5033,7 @@
         <p:spPr>
           <a:xfrm>
             <a:off x="33840" y="868680"/>
-            <a:ext cx="1489320" cy="360"/>
+            <a:ext cx="1488960" cy="360"/>
           </a:xfrm>
           <a:prstGeom prst="straightConnector1">
             <a:avLst/>
@@ -6214,7 +5056,7 @@
         <p:spPr>
           <a:xfrm>
             <a:off x="33840" y="1040040"/>
-            <a:ext cx="1218600" cy="360"/>
+            <a:ext cx="1218240" cy="360"/>
           </a:xfrm>
           <a:prstGeom prst="straightConnector1">
             <a:avLst/>
@@ -6237,7 +5079,7 @@
         <p:spPr>
           <a:xfrm>
             <a:off x="33840" y="1211760"/>
-            <a:ext cx="990000" cy="360"/>
+            <a:ext cx="989640" cy="360"/>
           </a:xfrm>
           <a:prstGeom prst="straightConnector1">
             <a:avLst/>
@@ -6260,7 +5102,7 @@
         <p:spPr>
           <a:xfrm>
             <a:off x="33840" y="1383120"/>
-            <a:ext cx="744480" cy="360"/>
+            <a:ext cx="744120" cy="360"/>
           </a:xfrm>
           <a:prstGeom prst="straightConnector1">
             <a:avLst/>
@@ -6283,7 +5125,7 @@
         <p:spPr>
           <a:xfrm>
             <a:off x="33840" y="1554480"/>
-            <a:ext cx="532800" cy="360"/>
+            <a:ext cx="532440" cy="360"/>
           </a:xfrm>
           <a:prstGeom prst="straightConnector1">
             <a:avLst/>
@@ -6306,7 +5148,7 @@
         <p:spPr>
           <a:xfrm>
             <a:off x="33840" y="1725840"/>
-            <a:ext cx="261720" cy="360"/>
+            <a:ext cx="261360" cy="360"/>
           </a:xfrm>
           <a:prstGeom prst="straightConnector1">
             <a:avLst/>
@@ -6328,8 +5170,8 @@
         </p:nvSpPr>
         <p:spPr>
           <a:xfrm rot="16200000">
-            <a:off x="-471240" y="928080"/>
-            <a:ext cx="1850400" cy="720"/>
+            <a:off x="-470880" y="928440"/>
+            <a:ext cx="1850040" cy="360"/>
           </a:xfrm>
           <a:prstGeom prst="straightConnector1">
             <a:avLst/>
@@ -6351,8 +5193,8 @@
         </p:nvSpPr>
         <p:spPr>
           <a:xfrm rot="16200000">
-            <a:off x="-70920" y="760320"/>
-            <a:ext cx="1512720" cy="720"/>
+            <a:off x="-70560" y="760680"/>
+            <a:ext cx="1512360" cy="360"/>
           </a:xfrm>
           <a:prstGeom prst="straightConnector1">
             <a:avLst/>
@@ -6374,8 +5216,8 @@
         </p:nvSpPr>
         <p:spPr>
           <a:xfrm rot="16200000">
-            <a:off x="253440" y="664920"/>
-            <a:ext cx="1322280" cy="720"/>
+            <a:off x="253440" y="665280"/>
+            <a:ext cx="1321920" cy="360"/>
           </a:xfrm>
           <a:prstGeom prst="straightConnector1">
             <a:avLst/>
@@ -6397,8 +5239,8 @@
         </p:nvSpPr>
         <p:spPr>
           <a:xfrm rot="16200000">
-            <a:off x="556200" y="591840"/>
-            <a:ext cx="1176120" cy="720"/>
+            <a:off x="556200" y="592200"/>
+            <a:ext cx="1175760" cy="360"/>
           </a:xfrm>
           <a:prstGeom prst="straightConnector1">
             <a:avLst/>
@@ -6420,8 +5262,8 @@
         </p:nvSpPr>
         <p:spPr>
           <a:xfrm rot="16200000">
-            <a:off x="846360" y="531720"/>
-            <a:ext cx="1055520" cy="720"/>
+            <a:off x="846360" y="532080"/>
+            <a:ext cx="1055160" cy="360"/>
           </a:xfrm>
           <a:prstGeom prst="straightConnector1">
             <a:avLst/>
@@ -6443,8 +5285,8 @@
         </p:nvSpPr>
         <p:spPr>
           <a:xfrm rot="16200000">
-            <a:off x="1155600" y="452160"/>
-            <a:ext cx="896760" cy="720"/>
+            <a:off x="1155600" y="452520"/>
+            <a:ext cx="896400" cy="360"/>
           </a:xfrm>
           <a:prstGeom prst="straightConnector1">
             <a:avLst/>
@@ -6466,8 +5308,8 @@
         </p:nvSpPr>
         <p:spPr>
           <a:xfrm rot="16200000">
-            <a:off x="1442520" y="395280"/>
-            <a:ext cx="782640" cy="720"/>
+            <a:off x="1442520" y="395640"/>
+            <a:ext cx="782280" cy="360"/>
           </a:xfrm>
           <a:prstGeom prst="straightConnector1">
             <a:avLst/>
@@ -6489,8 +5331,8 @@
         </p:nvSpPr>
         <p:spPr>
           <a:xfrm rot="16200000">
-            <a:off x="1734120" y="330120"/>
-            <a:ext cx="658800" cy="720"/>
+            <a:off x="1734120" y="330480"/>
+            <a:ext cx="658440" cy="360"/>
           </a:xfrm>
           <a:prstGeom prst="straightConnector1">
             <a:avLst/>
@@ -6512,8 +5354,8 @@
         </p:nvSpPr>
         <p:spPr>
           <a:xfrm rot="16200000">
-            <a:off x="2011680" y="282240"/>
-            <a:ext cx="563760" cy="720"/>
+            <a:off x="2011680" y="282600"/>
+            <a:ext cx="563400" cy="360"/>
           </a:xfrm>
           <a:prstGeom prst="straightConnector1">
             <a:avLst/>
@@ -6535,8 +5377,8 @@
         </p:nvSpPr>
         <p:spPr>
           <a:xfrm rot="16200000">
-            <a:off x="2304720" y="218520"/>
-            <a:ext cx="437040" cy="720"/>
+            <a:off x="2304720" y="218880"/>
+            <a:ext cx="436680" cy="360"/>
           </a:xfrm>
           <a:prstGeom prst="straightConnector1">
             <a:avLst/>
@@ -6558,8 +5400,8 @@
         </p:nvSpPr>
         <p:spPr>
           <a:xfrm rot="16200000">
-            <a:off x="2604600" y="148680"/>
-            <a:ext cx="297360" cy="720"/>
+            <a:off x="2604600" y="149040"/>
+            <a:ext cx="297000" cy="360"/>
           </a:xfrm>
           <a:prstGeom prst="straightConnector1">
             <a:avLst/>
@@ -6581,8 +5423,8 @@
         </p:nvSpPr>
         <p:spPr>
           <a:xfrm rot="16200000">
-            <a:off x="2872440" y="110880"/>
-            <a:ext cx="221040" cy="720"/>
+            <a:off x="2872440" y="111240"/>
+            <a:ext cx="220680" cy="360"/>
           </a:xfrm>
           <a:prstGeom prst="straightConnector1">
             <a:avLst/>
@@ -6604,8 +5446,8 @@
         </p:nvSpPr>
         <p:spPr>
           <a:xfrm rot="16200000">
-            <a:off x="3138120" y="76320"/>
-            <a:ext cx="150480" cy="720"/>
+            <a:off x="3138120" y="76680"/>
+            <a:ext cx="150120" cy="360"/>
           </a:xfrm>
           <a:prstGeom prst="straightConnector1">
             <a:avLst/>
@@ -6627,8 +5469,8 @@
         </p:nvSpPr>
         <p:spPr>
           <a:xfrm rot="16200000">
-            <a:off x="3379680" y="63000"/>
-            <a:ext cx="125640" cy="720"/>
+            <a:off x="3379680" y="63360"/>
+            <a:ext cx="125280" cy="360"/>
           </a:xfrm>
           <a:prstGeom prst="straightConnector1">
             <a:avLst/>
@@ -6650,8 +5492,8 @@
         </p:nvSpPr>
         <p:spPr>
           <a:xfrm rot="10800000">
-            <a:off x="5893560" y="4959360"/>
-            <a:ext cx="3250440" cy="360"/>
+            <a:off x="5893920" y="4959000"/>
+            <a:ext cx="3250080" cy="360"/>
           </a:xfrm>
           <a:prstGeom prst="straightConnector1">
             <a:avLst/>
@@ -6673,8 +5515,8 @@
         </p:nvSpPr>
         <p:spPr>
           <a:xfrm rot="5400000">
-            <a:off x="7901640" y="4087440"/>
-            <a:ext cx="2103840" cy="720"/>
+            <a:off x="7902000" y="4087440"/>
+            <a:ext cx="2103480" cy="360"/>
           </a:xfrm>
           <a:prstGeom prst="straightConnector1">
             <a:avLst/>
@@ -6696,8 +5538,8 @@
         </p:nvSpPr>
         <p:spPr>
           <a:xfrm rot="10800000">
-            <a:off x="6477840" y="4788000"/>
-            <a:ext cx="2666160" cy="360"/>
+            <a:off x="6478200" y="4787640"/>
+            <a:ext cx="2665800" cy="360"/>
           </a:xfrm>
           <a:prstGeom prst="straightConnector1">
             <a:avLst/>
@@ -6719,8 +5561,8 @@
         </p:nvSpPr>
         <p:spPr>
           <a:xfrm rot="10800000">
-            <a:off x="6977160" y="4616640"/>
-            <a:ext cx="2166840" cy="360"/>
+            <a:off x="6977520" y="4616280"/>
+            <a:ext cx="2166480" cy="360"/>
           </a:xfrm>
           <a:prstGeom prst="straightConnector1">
             <a:avLst/>
@@ -6742,8 +5584,8 @@
         </p:nvSpPr>
         <p:spPr>
           <a:xfrm rot="10800000">
-            <a:off x="7282080" y="4445280"/>
-            <a:ext cx="1861920" cy="360"/>
+            <a:off x="7282440" y="4444920"/>
+            <a:ext cx="1861560" cy="360"/>
           </a:xfrm>
           <a:prstGeom prst="straightConnector1">
             <a:avLst/>
@@ -6765,8 +5607,8 @@
         </p:nvSpPr>
         <p:spPr>
           <a:xfrm rot="10800000">
-            <a:off x="7654680" y="4273560"/>
-            <a:ext cx="1489320" cy="360"/>
+            <a:off x="7655040" y="4273200"/>
+            <a:ext cx="1488960" cy="360"/>
           </a:xfrm>
           <a:prstGeom prst="straightConnector1">
             <a:avLst/>
@@ -6788,8 +5630,8 @@
         </p:nvSpPr>
         <p:spPr>
           <a:xfrm rot="10800000">
-            <a:off x="7925400" y="4102200"/>
-            <a:ext cx="1218600" cy="360"/>
+            <a:off x="7925760" y="4101840"/>
+            <a:ext cx="1218240" cy="360"/>
           </a:xfrm>
           <a:prstGeom prst="straightConnector1">
             <a:avLst/>
@@ -6811,8 +5653,8 @@
         </p:nvSpPr>
         <p:spPr>
           <a:xfrm rot="10800000">
-            <a:off x="8154000" y="3931560"/>
-            <a:ext cx="990000" cy="360"/>
+            <a:off x="8154360" y="3931560"/>
+            <a:ext cx="989640" cy="360"/>
           </a:xfrm>
           <a:prstGeom prst="straightConnector1">
             <a:avLst/>
@@ -6834,8 +5676,8 @@
         </p:nvSpPr>
         <p:spPr>
           <a:xfrm rot="10800000">
-            <a:off x="8399520" y="3760200"/>
-            <a:ext cx="744480" cy="360"/>
+            <a:off x="8399880" y="3760200"/>
+            <a:ext cx="744120" cy="360"/>
           </a:xfrm>
           <a:prstGeom prst="straightConnector1">
             <a:avLst/>
@@ -6857,8 +5699,8 @@
         </p:nvSpPr>
         <p:spPr>
           <a:xfrm rot="10800000">
-            <a:off x="8611200" y="3588480"/>
-            <a:ext cx="532800" cy="360"/>
+            <a:off x="8611560" y="3588480"/>
+            <a:ext cx="532440" cy="360"/>
           </a:xfrm>
           <a:prstGeom prst="straightConnector1">
             <a:avLst/>
@@ -6880,8 +5722,8 @@
         </p:nvSpPr>
         <p:spPr>
           <a:xfrm rot="10800000">
-            <a:off x="8882280" y="3417120"/>
-            <a:ext cx="261720" cy="360"/>
+            <a:off x="8882640" y="3417120"/>
+            <a:ext cx="261360" cy="360"/>
           </a:xfrm>
           <a:prstGeom prst="straightConnector1">
             <a:avLst/>
@@ -6903,8 +5745,8 @@
         </p:nvSpPr>
         <p:spPr>
           <a:xfrm rot="5400000">
-            <a:off x="7799400" y="4214880"/>
-            <a:ext cx="1850400" cy="720"/>
+            <a:off x="7799760" y="4214880"/>
+            <a:ext cx="1850040" cy="360"/>
           </a:xfrm>
           <a:prstGeom prst="straightConnector1">
             <a:avLst/>
@@ -6926,8 +5768,8 @@
         </p:nvSpPr>
         <p:spPr>
           <a:xfrm rot="5400000">
-            <a:off x="7736760" y="4382280"/>
-            <a:ext cx="1512720" cy="720"/>
+            <a:off x="7737120" y="4382280"/>
+            <a:ext cx="1512360" cy="360"/>
           </a:xfrm>
           <a:prstGeom prst="straightConnector1">
             <a:avLst/>
@@ -6949,8 +5791,8 @@
         </p:nvSpPr>
         <p:spPr>
           <a:xfrm rot="5400000">
-            <a:off x="7601760" y="4477680"/>
-            <a:ext cx="1322280" cy="720"/>
+            <a:off x="7602120" y="4477680"/>
+            <a:ext cx="1321920" cy="360"/>
           </a:xfrm>
           <a:prstGeom prst="straightConnector1">
             <a:avLst/>
@@ -6972,8 +5814,8 @@
         </p:nvSpPr>
         <p:spPr>
           <a:xfrm rot="5400000">
-            <a:off x="7445160" y="4550400"/>
-            <a:ext cx="1176120" cy="720"/>
+            <a:off x="7445520" y="4550400"/>
+            <a:ext cx="1175760" cy="360"/>
           </a:xfrm>
           <a:prstGeom prst="straightConnector1">
             <a:avLst/>
@@ -6995,8 +5837,8 @@
         </p:nvSpPr>
         <p:spPr>
           <a:xfrm rot="5400000">
-            <a:off x="7275960" y="4610880"/>
-            <a:ext cx="1055520" cy="720"/>
+            <a:off x="7276320" y="4610880"/>
+            <a:ext cx="1055160" cy="360"/>
           </a:xfrm>
           <a:prstGeom prst="straightConnector1">
             <a:avLst/>
@@ -7018,8 +5860,8 @@
         </p:nvSpPr>
         <p:spPr>
           <a:xfrm rot="5400000">
-            <a:off x="7125120" y="4690080"/>
-            <a:ext cx="896760" cy="720"/>
+            <a:off x="7125480" y="4690080"/>
+            <a:ext cx="896400" cy="360"/>
           </a:xfrm>
           <a:prstGeom prst="straightConnector1">
             <a:avLst/>
@@ -7041,8 +5883,8 @@
         </p:nvSpPr>
         <p:spPr>
           <a:xfrm rot="5400000">
-            <a:off x="6952680" y="4747680"/>
-            <a:ext cx="782640" cy="720"/>
+            <a:off x="6953040" y="4747680"/>
+            <a:ext cx="782280" cy="360"/>
           </a:xfrm>
           <a:prstGeom prst="straightConnector1">
             <a:avLst/>
@@ -7064,8 +5906,8 @@
         </p:nvSpPr>
         <p:spPr>
           <a:xfrm rot="5400000">
-            <a:off x="6784920" y="4812840"/>
-            <a:ext cx="658800" cy="720"/>
+            <a:off x="6785280" y="4812840"/>
+            <a:ext cx="658440" cy="360"/>
           </a:xfrm>
           <a:prstGeom prst="straightConnector1">
             <a:avLst/>
@@ -7087,8 +5929,8 @@
         </p:nvSpPr>
         <p:spPr>
           <a:xfrm rot="5400000">
-            <a:off x="6602400" y="4860360"/>
-            <a:ext cx="563760" cy="720"/>
+            <a:off x="6602760" y="4860360"/>
+            <a:ext cx="563400" cy="360"/>
           </a:xfrm>
           <a:prstGeom prst="straightConnector1">
             <a:avLst/>
@@ -7110,8 +5952,8 @@
         </p:nvSpPr>
         <p:spPr>
           <a:xfrm rot="5400000">
-            <a:off x="6436080" y="4924080"/>
-            <a:ext cx="437040" cy="720"/>
+            <a:off x="6436440" y="4924080"/>
+            <a:ext cx="436680" cy="360"/>
           </a:xfrm>
           <a:prstGeom prst="straightConnector1">
             <a:avLst/>
@@ -7133,8 +5975,8 @@
         </p:nvSpPr>
         <p:spPr>
           <a:xfrm rot="5400000">
-            <a:off x="6276240" y="4993920"/>
-            <a:ext cx="297360" cy="720"/>
+            <a:off x="6276600" y="4993920"/>
+            <a:ext cx="297000" cy="360"/>
           </a:xfrm>
           <a:prstGeom prst="straightConnector1">
             <a:avLst/>
@@ -7156,8 +5998,8 @@
         </p:nvSpPr>
         <p:spPr>
           <a:xfrm rot="5400000">
-            <a:off x="6084360" y="5032080"/>
-            <a:ext cx="221040" cy="720"/>
+            <a:off x="6084720" y="5032080"/>
+            <a:ext cx="220680" cy="360"/>
           </a:xfrm>
           <a:prstGeom prst="straightConnector1">
             <a:avLst/>
@@ -7179,8 +6021,8 @@
         </p:nvSpPr>
         <p:spPr>
           <a:xfrm rot="5400000">
-            <a:off x="5889240" y="5066640"/>
-            <a:ext cx="150480" cy="720"/>
+            <a:off x="5889600" y="5066640"/>
+            <a:ext cx="150120" cy="360"/>
           </a:xfrm>
           <a:prstGeom prst="straightConnector1">
             <a:avLst/>
@@ -7202,8 +6044,8 @@
         </p:nvSpPr>
         <p:spPr>
           <a:xfrm rot="5400000">
-            <a:off x="5672160" y="5079240"/>
-            <a:ext cx="125640" cy="720"/>
+            <a:off x="5672520" y="5079240"/>
+            <a:ext cx="125280" cy="360"/>
           </a:xfrm>
           <a:prstGeom prst="straightConnector1">
             <a:avLst/>
@@ -7225,8 +6067,8 @@
         </p:nvSpPr>
         <p:spPr>
           <a:xfrm flipH="1">
-            <a:off x="-720" y="-9000"/>
-            <a:ext cx="187200" cy="1208880"/>
+            <a:off x="-1440" y="-9000"/>
+            <a:ext cx="186840" cy="1208520"/>
           </a:xfrm>
           <a:prstGeom prst="rect">
             <a:avLst/>
@@ -7248,7 +6090,7 @@
         <p:spPr>
           <a:xfrm flipH="1">
             <a:off x="186840" y="-9000"/>
-            <a:ext cx="7817400" cy="1208880"/>
+            <a:ext cx="7817040" cy="1208520"/>
           </a:xfrm>
           <a:prstGeom prst="rect">
             <a:avLst/>
@@ -7274,7 +6116,7 @@
         <p:spPr>
           <a:xfrm>
             <a:off x="457200" y="205200"/>
-            <a:ext cx="8228880" cy="858600"/>
+            <a:ext cx="8229240" cy="858600"/>
           </a:xfrm>
           <a:prstGeom prst="rect">
             <a:avLst/>
@@ -7283,8 +6125,9 @@
         <p:txBody>
           <a:bodyPr lIns="0" rIns="0" tIns="0" bIns="0" anchor="ctr"/>
           <a:p>
+            <a:pPr algn="ctr"/>
             <a:r>
-              <a:rPr lang="pt-BR">
+              <a:rPr lang="pt-BR" sz="4400">
                 <a:latin typeface="Arial"/>
               </a:rPr>
               <a:t>Clique para editar o formato do texto do título</a:t>
@@ -7306,7 +6149,7 @@
         <p:spPr>
           <a:xfrm>
             <a:off x="457200" y="1203480"/>
-            <a:ext cx="8228880" cy="2982600"/>
+            <a:ext cx="8229240" cy="2982960"/>
           </a:xfrm>
           <a:prstGeom prst="rect">
             <a:avLst/>
@@ -7321,7 +6164,7 @@
               <a:buChar char=""/>
             </a:pPr>
             <a:r>
-              <a:rPr lang="pt-BR">
+              <a:rPr lang="pt-BR" sz="3200">
                 <a:latin typeface="Arial"/>
               </a:rPr>
               <a:t>Clique para editar o formato do texto da estrutura de tópicos</a:t>
@@ -7335,7 +6178,7 @@
               <a:buChar char=""/>
             </a:pPr>
             <a:r>
-              <a:rPr lang="pt-BR">
+              <a:rPr lang="pt-BR" sz="2800">
                 <a:latin typeface="Arial"/>
               </a:rPr>
               <a:t>2.º Nível da estrutura de tópicos</a:t>
@@ -7349,7 +6192,7 @@
               <a:buChar char=""/>
             </a:pPr>
             <a:r>
-              <a:rPr lang="pt-BR">
+              <a:rPr lang="pt-BR" sz="2400">
                 <a:latin typeface="Arial"/>
               </a:rPr>
               <a:t>3.º Nível da estrutura de tópicos</a:t>
@@ -7363,7 +6206,7 @@
               <a:buChar char=""/>
             </a:pPr>
             <a:r>
-              <a:rPr lang="pt-BR">
+              <a:rPr lang="pt-BR" sz="2000">
                 <a:latin typeface="Arial"/>
               </a:rPr>
               <a:t>4.º Nível da estrutura de tópicos</a:t>
@@ -7377,7 +6220,7 @@
               <a:buChar char=""/>
             </a:pPr>
             <a:r>
-              <a:rPr lang="pt-BR">
+              <a:rPr lang="pt-BR" sz="2000">
                 <a:latin typeface="Arial"/>
               </a:rPr>
               <a:t>5.º Nível da estrutura de tópicos</a:t>
@@ -7391,7 +6234,7 @@
               <a:buChar char=""/>
             </a:pPr>
             <a:r>
-              <a:rPr lang="pt-BR">
+              <a:rPr lang="pt-BR" sz="2000">
                 <a:latin typeface="Arial"/>
               </a:rPr>
               <a:t>6.º Nível da estrutura de tópicos</a:t>
@@ -7405,7 +6248,7 @@
               <a:buChar char=""/>
             </a:pPr>
             <a:r>
-              <a:rPr lang="pt-BR">
+              <a:rPr lang="pt-BR" sz="2000">
                 <a:latin typeface="Arial"/>
               </a:rPr>
               <a:t>7.º Nível da estrutura de tópicos</a:t>
@@ -7467,7 +6310,7 @@
         <p:spPr>
           <a:xfrm>
             <a:off x="33840" y="182880"/>
-            <a:ext cx="3250440" cy="360"/>
+            <a:ext cx="3250080" cy="360"/>
           </a:xfrm>
           <a:prstGeom prst="straightConnector1">
             <a:avLst/>
@@ -7489,8 +6332,8 @@
         </p:nvSpPr>
         <p:spPr>
           <a:xfrm rot="16200000">
-            <a:off x="-826920" y="1055160"/>
-            <a:ext cx="2103840" cy="720"/>
+            <a:off x="-826560" y="1055520"/>
+            <a:ext cx="2103480" cy="360"/>
           </a:xfrm>
           <a:prstGeom prst="straightConnector1">
             <a:avLst/>
@@ -7513,7 +6356,7 @@
         <p:spPr>
           <a:xfrm>
             <a:off x="33840" y="354240"/>
-            <a:ext cx="2666160" cy="360"/>
+            <a:ext cx="2665800" cy="360"/>
           </a:xfrm>
           <a:prstGeom prst="straightConnector1">
             <a:avLst/>
@@ -7536,7 +6379,7 @@
         <p:spPr>
           <a:xfrm>
             <a:off x="33840" y="525960"/>
-            <a:ext cx="2166840" cy="360"/>
+            <a:ext cx="2166480" cy="360"/>
           </a:xfrm>
           <a:prstGeom prst="straightConnector1">
             <a:avLst/>
@@ -7559,7 +6402,7 @@
         <p:spPr>
           <a:xfrm>
             <a:off x="33840" y="697320"/>
-            <a:ext cx="1861920" cy="360"/>
+            <a:ext cx="1861560" cy="360"/>
           </a:xfrm>
           <a:prstGeom prst="straightConnector1">
             <a:avLst/>
@@ -7582,7 +6425,7 @@
         <p:spPr>
           <a:xfrm>
             <a:off x="33840" y="868680"/>
-            <a:ext cx="1489320" cy="360"/>
+            <a:ext cx="1488960" cy="360"/>
           </a:xfrm>
           <a:prstGeom prst="straightConnector1">
             <a:avLst/>
@@ -7605,7 +6448,7 @@
         <p:spPr>
           <a:xfrm>
             <a:off x="33840" y="1040040"/>
-            <a:ext cx="1218600" cy="360"/>
+            <a:ext cx="1218240" cy="360"/>
           </a:xfrm>
           <a:prstGeom prst="straightConnector1">
             <a:avLst/>
@@ -7628,7 +6471,7 @@
         <p:spPr>
           <a:xfrm>
             <a:off x="33840" y="1211760"/>
-            <a:ext cx="990000" cy="360"/>
+            <a:ext cx="989640" cy="360"/>
           </a:xfrm>
           <a:prstGeom prst="straightConnector1">
             <a:avLst/>
@@ -7651,7 +6494,7 @@
         <p:spPr>
           <a:xfrm>
             <a:off x="33840" y="1383120"/>
-            <a:ext cx="744480" cy="360"/>
+            <a:ext cx="744120" cy="360"/>
           </a:xfrm>
           <a:prstGeom prst="straightConnector1">
             <a:avLst/>
@@ -7674,7 +6517,7 @@
         <p:spPr>
           <a:xfrm>
             <a:off x="33840" y="1554480"/>
-            <a:ext cx="532800" cy="360"/>
+            <a:ext cx="532440" cy="360"/>
           </a:xfrm>
           <a:prstGeom prst="straightConnector1">
             <a:avLst/>
@@ -7697,7 +6540,7 @@
         <p:spPr>
           <a:xfrm>
             <a:off x="33840" y="1725840"/>
-            <a:ext cx="261720" cy="360"/>
+            <a:ext cx="261360" cy="360"/>
           </a:xfrm>
           <a:prstGeom prst="straightConnector1">
             <a:avLst/>
@@ -7719,8 +6562,8 @@
         </p:nvSpPr>
         <p:spPr>
           <a:xfrm rot="16200000">
-            <a:off x="-471240" y="928080"/>
-            <a:ext cx="1850400" cy="720"/>
+            <a:off x="-470880" y="928440"/>
+            <a:ext cx="1850040" cy="360"/>
           </a:xfrm>
           <a:prstGeom prst="straightConnector1">
             <a:avLst/>
@@ -7742,8 +6585,8 @@
         </p:nvSpPr>
         <p:spPr>
           <a:xfrm rot="16200000">
-            <a:off x="-70920" y="760320"/>
-            <a:ext cx="1512720" cy="720"/>
+            <a:off x="-70560" y="760680"/>
+            <a:ext cx="1512360" cy="360"/>
           </a:xfrm>
           <a:prstGeom prst="straightConnector1">
             <a:avLst/>
@@ -7765,8 +6608,8 @@
         </p:nvSpPr>
         <p:spPr>
           <a:xfrm rot="16200000">
-            <a:off x="253440" y="664920"/>
-            <a:ext cx="1322280" cy="720"/>
+            <a:off x="253440" y="665280"/>
+            <a:ext cx="1321920" cy="360"/>
           </a:xfrm>
           <a:prstGeom prst="straightConnector1">
             <a:avLst/>
@@ -7788,8 +6631,8 @@
         </p:nvSpPr>
         <p:spPr>
           <a:xfrm rot="16200000">
-            <a:off x="556200" y="591840"/>
-            <a:ext cx="1176120" cy="720"/>
+            <a:off x="556200" y="592200"/>
+            <a:ext cx="1175760" cy="360"/>
           </a:xfrm>
           <a:prstGeom prst="straightConnector1">
             <a:avLst/>
@@ -7811,8 +6654,8 @@
         </p:nvSpPr>
         <p:spPr>
           <a:xfrm rot="16200000">
-            <a:off x="846360" y="531720"/>
-            <a:ext cx="1055520" cy="720"/>
+            <a:off x="846360" y="532080"/>
+            <a:ext cx="1055160" cy="360"/>
           </a:xfrm>
           <a:prstGeom prst="straightConnector1">
             <a:avLst/>
@@ -7834,8 +6677,8 @@
         </p:nvSpPr>
         <p:spPr>
           <a:xfrm rot="16200000">
-            <a:off x="1155600" y="452160"/>
-            <a:ext cx="896760" cy="720"/>
+            <a:off x="1155600" y="452520"/>
+            <a:ext cx="896400" cy="360"/>
           </a:xfrm>
           <a:prstGeom prst="straightConnector1">
             <a:avLst/>
@@ -7857,8 +6700,8 @@
         </p:nvSpPr>
         <p:spPr>
           <a:xfrm rot="16200000">
-            <a:off x="1442520" y="395280"/>
-            <a:ext cx="782640" cy="720"/>
+            <a:off x="1442520" y="395640"/>
+            <a:ext cx="782280" cy="360"/>
           </a:xfrm>
           <a:prstGeom prst="straightConnector1">
             <a:avLst/>
@@ -7880,8 +6723,8 @@
         </p:nvSpPr>
         <p:spPr>
           <a:xfrm rot="16200000">
-            <a:off x="1734120" y="330120"/>
-            <a:ext cx="658800" cy="720"/>
+            <a:off x="1734120" y="330480"/>
+            <a:ext cx="658440" cy="360"/>
           </a:xfrm>
           <a:prstGeom prst="straightConnector1">
             <a:avLst/>
@@ -7903,8 +6746,8 @@
         </p:nvSpPr>
         <p:spPr>
           <a:xfrm rot="16200000">
-            <a:off x="2011680" y="282240"/>
-            <a:ext cx="563760" cy="720"/>
+            <a:off x="2011680" y="282600"/>
+            <a:ext cx="563400" cy="360"/>
           </a:xfrm>
           <a:prstGeom prst="straightConnector1">
             <a:avLst/>
@@ -7926,8 +6769,8 @@
         </p:nvSpPr>
         <p:spPr>
           <a:xfrm rot="16200000">
-            <a:off x="2304720" y="218520"/>
-            <a:ext cx="437040" cy="720"/>
+            <a:off x="2304720" y="218880"/>
+            <a:ext cx="436680" cy="360"/>
           </a:xfrm>
           <a:prstGeom prst="straightConnector1">
             <a:avLst/>
@@ -7949,8 +6792,8 @@
         </p:nvSpPr>
         <p:spPr>
           <a:xfrm rot="16200000">
-            <a:off x="2604600" y="148680"/>
-            <a:ext cx="297360" cy="720"/>
+            <a:off x="2604600" y="149040"/>
+            <a:ext cx="297000" cy="360"/>
           </a:xfrm>
           <a:prstGeom prst="straightConnector1">
             <a:avLst/>
@@ -7972,8 +6815,8 @@
         </p:nvSpPr>
         <p:spPr>
           <a:xfrm rot="16200000">
-            <a:off x="2872440" y="110880"/>
-            <a:ext cx="221040" cy="720"/>
+            <a:off x="2872440" y="111240"/>
+            <a:ext cx="220680" cy="360"/>
           </a:xfrm>
           <a:prstGeom prst="straightConnector1">
             <a:avLst/>
@@ -7995,8 +6838,8 @@
         </p:nvSpPr>
         <p:spPr>
           <a:xfrm rot="16200000">
-            <a:off x="3138120" y="76320"/>
-            <a:ext cx="150480" cy="720"/>
+            <a:off x="3138120" y="76680"/>
+            <a:ext cx="150120" cy="360"/>
           </a:xfrm>
           <a:prstGeom prst="straightConnector1">
             <a:avLst/>
@@ -8018,8 +6861,8 @@
         </p:nvSpPr>
         <p:spPr>
           <a:xfrm rot="16200000">
-            <a:off x="3379680" y="63000"/>
-            <a:ext cx="125640" cy="720"/>
+            <a:off x="3379680" y="63360"/>
+            <a:ext cx="125280" cy="360"/>
           </a:xfrm>
           <a:prstGeom prst="straightConnector1">
             <a:avLst/>
@@ -8041,8 +6884,8 @@
         </p:nvSpPr>
         <p:spPr>
           <a:xfrm rot="10800000">
-            <a:off x="5893560" y="4959360"/>
-            <a:ext cx="3250440" cy="360"/>
+            <a:off x="5893920" y="4959000"/>
+            <a:ext cx="3250080" cy="360"/>
           </a:xfrm>
           <a:prstGeom prst="straightConnector1">
             <a:avLst/>
@@ -8064,8 +6907,8 @@
         </p:nvSpPr>
         <p:spPr>
           <a:xfrm rot="5400000">
-            <a:off x="7901640" y="4087440"/>
-            <a:ext cx="2103840" cy="720"/>
+            <a:off x="7902000" y="4087440"/>
+            <a:ext cx="2103480" cy="360"/>
           </a:xfrm>
           <a:prstGeom prst="straightConnector1">
             <a:avLst/>
@@ -8087,8 +6930,8 @@
         </p:nvSpPr>
         <p:spPr>
           <a:xfrm rot="10800000">
-            <a:off x="6477840" y="4788000"/>
-            <a:ext cx="2666160" cy="360"/>
+            <a:off x="6478200" y="4787640"/>
+            <a:ext cx="2665800" cy="360"/>
           </a:xfrm>
           <a:prstGeom prst="straightConnector1">
             <a:avLst/>
@@ -8110,8 +6953,8 @@
         </p:nvSpPr>
         <p:spPr>
           <a:xfrm rot="10800000">
-            <a:off x="6977160" y="4616640"/>
-            <a:ext cx="2166840" cy="360"/>
+            <a:off x="6977520" y="4616280"/>
+            <a:ext cx="2166480" cy="360"/>
           </a:xfrm>
           <a:prstGeom prst="straightConnector1">
             <a:avLst/>
@@ -8133,8 +6976,8 @@
         </p:nvSpPr>
         <p:spPr>
           <a:xfrm rot="10800000">
-            <a:off x="7282080" y="4445280"/>
-            <a:ext cx="1861920" cy="360"/>
+            <a:off x="7282440" y="4444920"/>
+            <a:ext cx="1861560" cy="360"/>
           </a:xfrm>
           <a:prstGeom prst="straightConnector1">
             <a:avLst/>
@@ -8156,8 +6999,8 @@
         </p:nvSpPr>
         <p:spPr>
           <a:xfrm rot="10800000">
-            <a:off x="7654680" y="4273560"/>
-            <a:ext cx="1489320" cy="360"/>
+            <a:off x="7655040" y="4273200"/>
+            <a:ext cx="1488960" cy="360"/>
           </a:xfrm>
           <a:prstGeom prst="straightConnector1">
             <a:avLst/>
@@ -8179,8 +7022,8 @@
         </p:nvSpPr>
         <p:spPr>
           <a:xfrm rot="10800000">
-            <a:off x="7925400" y="4102200"/>
-            <a:ext cx="1218600" cy="360"/>
+            <a:off x="7925760" y="4101840"/>
+            <a:ext cx="1218240" cy="360"/>
           </a:xfrm>
           <a:prstGeom prst="straightConnector1">
             <a:avLst/>
@@ -8202,8 +7045,8 @@
         </p:nvSpPr>
         <p:spPr>
           <a:xfrm rot="10800000">
-            <a:off x="8154000" y="3931560"/>
-            <a:ext cx="990000" cy="360"/>
+            <a:off x="8154360" y="3931560"/>
+            <a:ext cx="989640" cy="360"/>
           </a:xfrm>
           <a:prstGeom prst="straightConnector1">
             <a:avLst/>
@@ -8225,8 +7068,8 @@
         </p:nvSpPr>
         <p:spPr>
           <a:xfrm rot="10800000">
-            <a:off x="8399520" y="3760200"/>
-            <a:ext cx="744480" cy="360"/>
+            <a:off x="8399880" y="3760200"/>
+            <a:ext cx="744120" cy="360"/>
           </a:xfrm>
           <a:prstGeom prst="straightConnector1">
             <a:avLst/>
@@ -8248,8 +7091,8 @@
         </p:nvSpPr>
         <p:spPr>
           <a:xfrm rot="10800000">
-            <a:off x="8611200" y="3588480"/>
-            <a:ext cx="532800" cy="360"/>
+            <a:off x="8611560" y="3588480"/>
+            <a:ext cx="532440" cy="360"/>
           </a:xfrm>
           <a:prstGeom prst="straightConnector1">
             <a:avLst/>
@@ -8271,8 +7114,8 @@
         </p:nvSpPr>
         <p:spPr>
           <a:xfrm rot="10800000">
-            <a:off x="8882280" y="3417120"/>
-            <a:ext cx="261720" cy="360"/>
+            <a:off x="8882640" y="3417120"/>
+            <a:ext cx="261360" cy="360"/>
           </a:xfrm>
           <a:prstGeom prst="straightConnector1">
             <a:avLst/>
@@ -8294,8 +7137,8 @@
         </p:nvSpPr>
         <p:spPr>
           <a:xfrm rot="5400000">
-            <a:off x="7799400" y="4214880"/>
-            <a:ext cx="1850400" cy="720"/>
+            <a:off x="7799760" y="4214880"/>
+            <a:ext cx="1850040" cy="360"/>
           </a:xfrm>
           <a:prstGeom prst="straightConnector1">
             <a:avLst/>
@@ -8317,8 +7160,8 @@
         </p:nvSpPr>
         <p:spPr>
           <a:xfrm rot="5400000">
-            <a:off x="7736760" y="4382280"/>
-            <a:ext cx="1512720" cy="720"/>
+            <a:off x="7737120" y="4382280"/>
+            <a:ext cx="1512360" cy="360"/>
           </a:xfrm>
           <a:prstGeom prst="straightConnector1">
             <a:avLst/>
@@ -8340,8 +7183,8 @@
         </p:nvSpPr>
         <p:spPr>
           <a:xfrm rot="5400000">
-            <a:off x="7601760" y="4477680"/>
-            <a:ext cx="1322280" cy="720"/>
+            <a:off x="7602120" y="4477680"/>
+            <a:ext cx="1321920" cy="360"/>
           </a:xfrm>
           <a:prstGeom prst="straightConnector1">
             <a:avLst/>
@@ -8363,8 +7206,8 @@
         </p:nvSpPr>
         <p:spPr>
           <a:xfrm rot="5400000">
-            <a:off x="7445160" y="4550400"/>
-            <a:ext cx="1176120" cy="720"/>
+            <a:off x="7445520" y="4550400"/>
+            <a:ext cx="1175760" cy="360"/>
           </a:xfrm>
           <a:prstGeom prst="straightConnector1">
             <a:avLst/>
@@ -8386,8 +7229,8 @@
         </p:nvSpPr>
         <p:spPr>
           <a:xfrm rot="5400000">
-            <a:off x="7275960" y="4610880"/>
-            <a:ext cx="1055520" cy="720"/>
+            <a:off x="7276320" y="4610880"/>
+            <a:ext cx="1055160" cy="360"/>
           </a:xfrm>
           <a:prstGeom prst="straightConnector1">
             <a:avLst/>
@@ -8409,8 +7252,8 @@
         </p:nvSpPr>
         <p:spPr>
           <a:xfrm rot="5400000">
-            <a:off x="7125120" y="4690080"/>
-            <a:ext cx="896760" cy="720"/>
+            <a:off x="7125480" y="4690080"/>
+            <a:ext cx="896400" cy="360"/>
           </a:xfrm>
           <a:prstGeom prst="straightConnector1">
             <a:avLst/>
@@ -8432,8 +7275,8 @@
         </p:nvSpPr>
         <p:spPr>
           <a:xfrm rot="5400000">
-            <a:off x="6952680" y="4747680"/>
-            <a:ext cx="782640" cy="720"/>
+            <a:off x="6953040" y="4747680"/>
+            <a:ext cx="782280" cy="360"/>
           </a:xfrm>
           <a:prstGeom prst="straightConnector1">
             <a:avLst/>
@@ -8455,8 +7298,8 @@
         </p:nvSpPr>
         <p:spPr>
           <a:xfrm rot="5400000">
-            <a:off x="6784920" y="4812840"/>
-            <a:ext cx="658800" cy="720"/>
+            <a:off x="6785280" y="4812840"/>
+            <a:ext cx="658440" cy="360"/>
           </a:xfrm>
           <a:prstGeom prst="straightConnector1">
             <a:avLst/>
@@ -8478,8 +7321,8 @@
         </p:nvSpPr>
         <p:spPr>
           <a:xfrm rot="5400000">
-            <a:off x="6602400" y="4860360"/>
-            <a:ext cx="563760" cy="720"/>
+            <a:off x="6602760" y="4860360"/>
+            <a:ext cx="563400" cy="360"/>
           </a:xfrm>
           <a:prstGeom prst="straightConnector1">
             <a:avLst/>
@@ -8501,8 +7344,8 @@
         </p:nvSpPr>
         <p:spPr>
           <a:xfrm rot="5400000">
-            <a:off x="6436080" y="4924080"/>
-            <a:ext cx="437040" cy="720"/>
+            <a:off x="6436440" y="4924080"/>
+            <a:ext cx="436680" cy="360"/>
           </a:xfrm>
           <a:prstGeom prst="straightConnector1">
             <a:avLst/>
@@ -8524,8 +7367,8 @@
         </p:nvSpPr>
         <p:spPr>
           <a:xfrm rot="5400000">
-            <a:off x="6276240" y="4993920"/>
-            <a:ext cx="297360" cy="720"/>
+            <a:off x="6276600" y="4993920"/>
+            <a:ext cx="297000" cy="360"/>
           </a:xfrm>
           <a:prstGeom prst="straightConnector1">
             <a:avLst/>
@@ -8547,8 +7390,8 @@
         </p:nvSpPr>
         <p:spPr>
           <a:xfrm rot="5400000">
-            <a:off x="6084360" y="5032080"/>
-            <a:ext cx="221040" cy="720"/>
+            <a:off x="6084720" y="5032080"/>
+            <a:ext cx="220680" cy="360"/>
           </a:xfrm>
           <a:prstGeom prst="straightConnector1">
             <a:avLst/>
@@ -8570,8 +7413,8 @@
         </p:nvSpPr>
         <p:spPr>
           <a:xfrm rot="5400000">
-            <a:off x="5889240" y="5066640"/>
-            <a:ext cx="150480" cy="720"/>
+            <a:off x="5889600" y="5066640"/>
+            <a:ext cx="150120" cy="360"/>
           </a:xfrm>
           <a:prstGeom prst="straightConnector1">
             <a:avLst/>
@@ -8593,68 +7436,24 @@
         </p:nvSpPr>
         <p:spPr>
           <a:xfrm rot="5400000">
-            <a:off x="5672160" y="5079240"/>
-            <a:ext cx="125640" cy="720"/>
-          </a:xfrm>
-          <a:prstGeom prst="straightConnector1">
-            <a:avLst/>
-          </a:prstGeom>
-          <a:noFill/>
-          <a:ln w="12600">
-            <a:solidFill>
-              <a:srgbClr val="b7cce4"/>
-            </a:solidFill>
-            <a:round/>
-          </a:ln>
-        </p:spPr>
-      </p:sp>
-      <p:sp>
-        <p:nvSpPr>
-          <p:cNvPr id="226" name="CustomShape 51"/>
-          <p:cNvSpPr/>
-          <p:nvPr/>
-        </p:nvSpPr>
-        <p:spPr>
-          <a:xfrm flipH="1">
-            <a:off x="8964000" y="4623840"/>
-            <a:ext cx="187200" cy="520560"/>
-          </a:xfrm>
-          <a:prstGeom prst="rect">
-            <a:avLst/>
-          </a:prstGeom>
-          <a:solidFill>
-            <a:srgbClr val="ab0101"/>
-          </a:solidFill>
-          <a:ln>
-            <a:noFill/>
-          </a:ln>
-        </p:spPr>
-      </p:sp>
-      <p:sp>
-        <p:nvSpPr>
-          <p:cNvPr id="227" name="CustomShape 52"/>
-          <p:cNvSpPr/>
-          <p:nvPr/>
-        </p:nvSpPr>
-        <p:spPr>
-          <a:xfrm flipH="1">
-            <a:off x="3866040" y="4623840"/>
-            <a:ext cx="5097240" cy="520560"/>
-          </a:xfrm>
-          <a:prstGeom prst="rect">
-            <a:avLst/>
-          </a:prstGeom>
-          <a:solidFill>
-            <a:srgbClr val="0f243e"/>
-          </a:solidFill>
-          <a:ln>
-            <a:noFill/>
-          </a:ln>
-        </p:spPr>
-      </p:sp>
-      <p:sp>
-        <p:nvSpPr>
-          <p:cNvPr id="228" name="PlaceHolder 53"/>
+            <a:off x="5672520" y="5079240"/>
+            <a:ext cx="125280" cy="360"/>
+          </a:xfrm>
+          <a:prstGeom prst="straightConnector1">
+            <a:avLst/>
+          </a:prstGeom>
+          <a:noFill/>
+          <a:ln w="12600">
+            <a:solidFill>
+              <a:srgbClr val="b7cce4"/>
+            </a:solidFill>
+            <a:round/>
+          </a:ln>
+        </p:spPr>
+      </p:sp>
+      <p:sp>
+        <p:nvSpPr>
+          <p:cNvPr id="226" name="PlaceHolder 51"/>
           <p:cNvSpPr>
             <a:spLocks noGrp="1"/>
           </p:cNvSpPr>
@@ -8687,7 +7486,7 @@
       </p:sp>
       <p:sp>
         <p:nvSpPr>
-          <p:cNvPr id="229" name="PlaceHolder 54"/>
+          <p:cNvPr id="227" name="PlaceHolder 52"/>
           <p:cNvSpPr>
             <a:spLocks noGrp="1"/>
           </p:cNvSpPr>
@@ -8822,1354 +7621,6 @@
     <p:sldLayoutId id="2147483684" r:id="rId11"/>
     <p:sldLayoutId id="2147483685" r:id="rId12"/>
     <p:sldLayoutId id="2147483686" r:id="rId13"/>
-  </p:sldLayoutIdLst>
-</p:sldMaster>
-</file>
-
-<file path=ppt/slideMasters/slideMaster4.xml><?xml version="1.0" encoding="utf-8"?>
-<p:sldMaster xmlns:a="http://schemas.openxmlformats.org/drawingml/2006/main" xmlns:p="http://schemas.openxmlformats.org/presentationml/2006/main" xmlns:r="http://schemas.openxmlformats.org/officeDocument/2006/relationships">
-  <p:cSld>
-    <p:bg>
-      <p:bgPr>
-        <a:solidFill>
-          <a:srgbClr val="efede2"/>
-        </a:solidFill>
-      </p:bgPr>
-    </p:bg>
-    <p:spTree>
-      <p:nvGrpSpPr>
-        <p:cNvPr id="1" name=""/>
-        <p:cNvGrpSpPr/>
-        <p:nvPr/>
-      </p:nvGrpSpPr>
-      <p:grpSpPr>
-        <a:xfrm>
-          <a:off x="0" y="0"/>
-          <a:ext cx="0" cy="0"/>
-          <a:chOff x="0" y="0"/>
-          <a:chExt cx="0" cy="0"/>
-        </a:xfrm>
-      </p:grpSpPr>
-      <p:sp>
-        <p:nvSpPr>
-          <p:cNvPr id="264" name="CustomShape 1"/>
-          <p:cNvSpPr/>
-          <p:nvPr/>
-        </p:nvSpPr>
-        <p:spPr>
-          <a:xfrm>
-            <a:off x="33840" y="182880"/>
-            <a:ext cx="3250440" cy="360"/>
-          </a:xfrm>
-          <a:prstGeom prst="straightConnector1">
-            <a:avLst/>
-          </a:prstGeom>
-          <a:noFill/>
-          <a:ln w="12600">
-            <a:solidFill>
-              <a:srgbClr val="b7cce4"/>
-            </a:solidFill>
-            <a:round/>
-          </a:ln>
-        </p:spPr>
-      </p:sp>
-      <p:sp>
-        <p:nvSpPr>
-          <p:cNvPr id="265" name="CustomShape 2"/>
-          <p:cNvSpPr/>
-          <p:nvPr/>
-        </p:nvSpPr>
-        <p:spPr>
-          <a:xfrm rot="16200000">
-            <a:off x="-826920" y="1055160"/>
-            <a:ext cx="2103840" cy="720"/>
-          </a:xfrm>
-          <a:prstGeom prst="straightConnector1">
-            <a:avLst/>
-          </a:prstGeom>
-          <a:noFill/>
-          <a:ln w="12600">
-            <a:solidFill>
-              <a:srgbClr val="b7cce4"/>
-            </a:solidFill>
-            <a:round/>
-          </a:ln>
-        </p:spPr>
-      </p:sp>
-      <p:sp>
-        <p:nvSpPr>
-          <p:cNvPr id="266" name="CustomShape 3"/>
-          <p:cNvSpPr/>
-          <p:nvPr/>
-        </p:nvSpPr>
-        <p:spPr>
-          <a:xfrm>
-            <a:off x="33840" y="354240"/>
-            <a:ext cx="2666160" cy="360"/>
-          </a:xfrm>
-          <a:prstGeom prst="straightConnector1">
-            <a:avLst/>
-          </a:prstGeom>
-          <a:noFill/>
-          <a:ln w="12600">
-            <a:solidFill>
-              <a:srgbClr val="b7cce4"/>
-            </a:solidFill>
-            <a:round/>
-          </a:ln>
-        </p:spPr>
-      </p:sp>
-      <p:sp>
-        <p:nvSpPr>
-          <p:cNvPr id="267" name="CustomShape 4"/>
-          <p:cNvSpPr/>
-          <p:nvPr/>
-        </p:nvSpPr>
-        <p:spPr>
-          <a:xfrm>
-            <a:off x="33840" y="525960"/>
-            <a:ext cx="2166840" cy="360"/>
-          </a:xfrm>
-          <a:prstGeom prst="straightConnector1">
-            <a:avLst/>
-          </a:prstGeom>
-          <a:noFill/>
-          <a:ln w="12600">
-            <a:solidFill>
-              <a:srgbClr val="b7cce4"/>
-            </a:solidFill>
-            <a:round/>
-          </a:ln>
-        </p:spPr>
-      </p:sp>
-      <p:sp>
-        <p:nvSpPr>
-          <p:cNvPr id="268" name="CustomShape 5"/>
-          <p:cNvSpPr/>
-          <p:nvPr/>
-        </p:nvSpPr>
-        <p:spPr>
-          <a:xfrm>
-            <a:off x="33840" y="697320"/>
-            <a:ext cx="1861920" cy="360"/>
-          </a:xfrm>
-          <a:prstGeom prst="straightConnector1">
-            <a:avLst/>
-          </a:prstGeom>
-          <a:noFill/>
-          <a:ln w="12600">
-            <a:solidFill>
-              <a:srgbClr val="b7cce4"/>
-            </a:solidFill>
-            <a:round/>
-          </a:ln>
-        </p:spPr>
-      </p:sp>
-      <p:sp>
-        <p:nvSpPr>
-          <p:cNvPr id="269" name="CustomShape 6"/>
-          <p:cNvSpPr/>
-          <p:nvPr/>
-        </p:nvSpPr>
-        <p:spPr>
-          <a:xfrm>
-            <a:off x="33840" y="868680"/>
-            <a:ext cx="1489320" cy="360"/>
-          </a:xfrm>
-          <a:prstGeom prst="straightConnector1">
-            <a:avLst/>
-          </a:prstGeom>
-          <a:noFill/>
-          <a:ln w="12600">
-            <a:solidFill>
-              <a:srgbClr val="b7cce4"/>
-            </a:solidFill>
-            <a:round/>
-          </a:ln>
-        </p:spPr>
-      </p:sp>
-      <p:sp>
-        <p:nvSpPr>
-          <p:cNvPr id="270" name="CustomShape 7"/>
-          <p:cNvSpPr/>
-          <p:nvPr/>
-        </p:nvSpPr>
-        <p:spPr>
-          <a:xfrm>
-            <a:off x="33840" y="1040040"/>
-            <a:ext cx="1218600" cy="360"/>
-          </a:xfrm>
-          <a:prstGeom prst="straightConnector1">
-            <a:avLst/>
-          </a:prstGeom>
-          <a:noFill/>
-          <a:ln w="12600">
-            <a:solidFill>
-              <a:srgbClr val="b7cce4"/>
-            </a:solidFill>
-            <a:round/>
-          </a:ln>
-        </p:spPr>
-      </p:sp>
-      <p:sp>
-        <p:nvSpPr>
-          <p:cNvPr id="271" name="CustomShape 8"/>
-          <p:cNvSpPr/>
-          <p:nvPr/>
-        </p:nvSpPr>
-        <p:spPr>
-          <a:xfrm>
-            <a:off x="33840" y="1211760"/>
-            <a:ext cx="990000" cy="360"/>
-          </a:xfrm>
-          <a:prstGeom prst="straightConnector1">
-            <a:avLst/>
-          </a:prstGeom>
-          <a:noFill/>
-          <a:ln w="12600">
-            <a:solidFill>
-              <a:srgbClr val="b7cce4"/>
-            </a:solidFill>
-            <a:round/>
-          </a:ln>
-        </p:spPr>
-      </p:sp>
-      <p:sp>
-        <p:nvSpPr>
-          <p:cNvPr id="272" name="CustomShape 9"/>
-          <p:cNvSpPr/>
-          <p:nvPr/>
-        </p:nvSpPr>
-        <p:spPr>
-          <a:xfrm>
-            <a:off x="33840" y="1383120"/>
-            <a:ext cx="744480" cy="360"/>
-          </a:xfrm>
-          <a:prstGeom prst="straightConnector1">
-            <a:avLst/>
-          </a:prstGeom>
-          <a:noFill/>
-          <a:ln w="12600">
-            <a:solidFill>
-              <a:srgbClr val="b7cce4"/>
-            </a:solidFill>
-            <a:round/>
-          </a:ln>
-        </p:spPr>
-      </p:sp>
-      <p:sp>
-        <p:nvSpPr>
-          <p:cNvPr id="273" name="CustomShape 10"/>
-          <p:cNvSpPr/>
-          <p:nvPr/>
-        </p:nvSpPr>
-        <p:spPr>
-          <a:xfrm>
-            <a:off x="33840" y="1554480"/>
-            <a:ext cx="532800" cy="360"/>
-          </a:xfrm>
-          <a:prstGeom prst="straightConnector1">
-            <a:avLst/>
-          </a:prstGeom>
-          <a:noFill/>
-          <a:ln w="12600">
-            <a:solidFill>
-              <a:srgbClr val="b7cce4"/>
-            </a:solidFill>
-            <a:round/>
-          </a:ln>
-        </p:spPr>
-      </p:sp>
-      <p:sp>
-        <p:nvSpPr>
-          <p:cNvPr id="274" name="CustomShape 11"/>
-          <p:cNvSpPr/>
-          <p:nvPr/>
-        </p:nvSpPr>
-        <p:spPr>
-          <a:xfrm>
-            <a:off x="33840" y="1725840"/>
-            <a:ext cx="261720" cy="360"/>
-          </a:xfrm>
-          <a:prstGeom prst="straightConnector1">
-            <a:avLst/>
-          </a:prstGeom>
-          <a:noFill/>
-          <a:ln w="12600">
-            <a:solidFill>
-              <a:srgbClr val="b7cce4"/>
-            </a:solidFill>
-            <a:round/>
-          </a:ln>
-        </p:spPr>
-      </p:sp>
-      <p:sp>
-        <p:nvSpPr>
-          <p:cNvPr id="275" name="CustomShape 12"/>
-          <p:cNvSpPr/>
-          <p:nvPr/>
-        </p:nvSpPr>
-        <p:spPr>
-          <a:xfrm rot="16200000">
-            <a:off x="-471240" y="928080"/>
-            <a:ext cx="1850400" cy="720"/>
-          </a:xfrm>
-          <a:prstGeom prst="straightConnector1">
-            <a:avLst/>
-          </a:prstGeom>
-          <a:noFill/>
-          <a:ln w="12600">
-            <a:solidFill>
-              <a:srgbClr val="b7cce4"/>
-            </a:solidFill>
-            <a:round/>
-          </a:ln>
-        </p:spPr>
-      </p:sp>
-      <p:sp>
-        <p:nvSpPr>
-          <p:cNvPr id="276" name="CustomShape 13"/>
-          <p:cNvSpPr/>
-          <p:nvPr/>
-        </p:nvSpPr>
-        <p:spPr>
-          <a:xfrm rot="16200000">
-            <a:off x="-70920" y="760320"/>
-            <a:ext cx="1512720" cy="720"/>
-          </a:xfrm>
-          <a:prstGeom prst="straightConnector1">
-            <a:avLst/>
-          </a:prstGeom>
-          <a:noFill/>
-          <a:ln w="12600">
-            <a:solidFill>
-              <a:srgbClr val="b7cce4"/>
-            </a:solidFill>
-            <a:round/>
-          </a:ln>
-        </p:spPr>
-      </p:sp>
-      <p:sp>
-        <p:nvSpPr>
-          <p:cNvPr id="277" name="CustomShape 14"/>
-          <p:cNvSpPr/>
-          <p:nvPr/>
-        </p:nvSpPr>
-        <p:spPr>
-          <a:xfrm rot="16200000">
-            <a:off x="253440" y="664920"/>
-            <a:ext cx="1322280" cy="720"/>
-          </a:xfrm>
-          <a:prstGeom prst="straightConnector1">
-            <a:avLst/>
-          </a:prstGeom>
-          <a:noFill/>
-          <a:ln w="12600">
-            <a:solidFill>
-              <a:srgbClr val="b7cce4"/>
-            </a:solidFill>
-            <a:round/>
-          </a:ln>
-        </p:spPr>
-      </p:sp>
-      <p:sp>
-        <p:nvSpPr>
-          <p:cNvPr id="278" name="CustomShape 15"/>
-          <p:cNvSpPr/>
-          <p:nvPr/>
-        </p:nvSpPr>
-        <p:spPr>
-          <a:xfrm rot="16200000">
-            <a:off x="556200" y="591840"/>
-            <a:ext cx="1176120" cy="720"/>
-          </a:xfrm>
-          <a:prstGeom prst="straightConnector1">
-            <a:avLst/>
-          </a:prstGeom>
-          <a:noFill/>
-          <a:ln w="12600">
-            <a:solidFill>
-              <a:srgbClr val="b7cce4"/>
-            </a:solidFill>
-            <a:round/>
-          </a:ln>
-        </p:spPr>
-      </p:sp>
-      <p:sp>
-        <p:nvSpPr>
-          <p:cNvPr id="279" name="CustomShape 16"/>
-          <p:cNvSpPr/>
-          <p:nvPr/>
-        </p:nvSpPr>
-        <p:spPr>
-          <a:xfrm rot="16200000">
-            <a:off x="846360" y="531720"/>
-            <a:ext cx="1055520" cy="720"/>
-          </a:xfrm>
-          <a:prstGeom prst="straightConnector1">
-            <a:avLst/>
-          </a:prstGeom>
-          <a:noFill/>
-          <a:ln w="12600">
-            <a:solidFill>
-              <a:srgbClr val="b7cce4"/>
-            </a:solidFill>
-            <a:round/>
-          </a:ln>
-        </p:spPr>
-      </p:sp>
-      <p:sp>
-        <p:nvSpPr>
-          <p:cNvPr id="280" name="CustomShape 17"/>
-          <p:cNvSpPr/>
-          <p:nvPr/>
-        </p:nvSpPr>
-        <p:spPr>
-          <a:xfrm rot="16200000">
-            <a:off x="1155600" y="452160"/>
-            <a:ext cx="896760" cy="720"/>
-          </a:xfrm>
-          <a:prstGeom prst="straightConnector1">
-            <a:avLst/>
-          </a:prstGeom>
-          <a:noFill/>
-          <a:ln w="12600">
-            <a:solidFill>
-              <a:srgbClr val="b7cce4"/>
-            </a:solidFill>
-            <a:round/>
-          </a:ln>
-        </p:spPr>
-      </p:sp>
-      <p:sp>
-        <p:nvSpPr>
-          <p:cNvPr id="281" name="CustomShape 18"/>
-          <p:cNvSpPr/>
-          <p:nvPr/>
-        </p:nvSpPr>
-        <p:spPr>
-          <a:xfrm rot="16200000">
-            <a:off x="1442520" y="395280"/>
-            <a:ext cx="782640" cy="720"/>
-          </a:xfrm>
-          <a:prstGeom prst="straightConnector1">
-            <a:avLst/>
-          </a:prstGeom>
-          <a:noFill/>
-          <a:ln w="12600">
-            <a:solidFill>
-              <a:srgbClr val="b7cce4"/>
-            </a:solidFill>
-            <a:round/>
-          </a:ln>
-        </p:spPr>
-      </p:sp>
-      <p:sp>
-        <p:nvSpPr>
-          <p:cNvPr id="282" name="CustomShape 19"/>
-          <p:cNvSpPr/>
-          <p:nvPr/>
-        </p:nvSpPr>
-        <p:spPr>
-          <a:xfrm rot="16200000">
-            <a:off x="1734120" y="330120"/>
-            <a:ext cx="658800" cy="720"/>
-          </a:xfrm>
-          <a:prstGeom prst="straightConnector1">
-            <a:avLst/>
-          </a:prstGeom>
-          <a:noFill/>
-          <a:ln w="12600">
-            <a:solidFill>
-              <a:srgbClr val="b7cce4"/>
-            </a:solidFill>
-            <a:round/>
-          </a:ln>
-        </p:spPr>
-      </p:sp>
-      <p:sp>
-        <p:nvSpPr>
-          <p:cNvPr id="283" name="CustomShape 20"/>
-          <p:cNvSpPr/>
-          <p:nvPr/>
-        </p:nvSpPr>
-        <p:spPr>
-          <a:xfrm rot="16200000">
-            <a:off x="2011680" y="282240"/>
-            <a:ext cx="563760" cy="720"/>
-          </a:xfrm>
-          <a:prstGeom prst="straightConnector1">
-            <a:avLst/>
-          </a:prstGeom>
-          <a:noFill/>
-          <a:ln w="12600">
-            <a:solidFill>
-              <a:srgbClr val="b7cce4"/>
-            </a:solidFill>
-            <a:round/>
-          </a:ln>
-        </p:spPr>
-      </p:sp>
-      <p:sp>
-        <p:nvSpPr>
-          <p:cNvPr id="284" name="CustomShape 21"/>
-          <p:cNvSpPr/>
-          <p:nvPr/>
-        </p:nvSpPr>
-        <p:spPr>
-          <a:xfrm rot="16200000">
-            <a:off x="2304720" y="218520"/>
-            <a:ext cx="437040" cy="720"/>
-          </a:xfrm>
-          <a:prstGeom prst="straightConnector1">
-            <a:avLst/>
-          </a:prstGeom>
-          <a:noFill/>
-          <a:ln w="12600">
-            <a:solidFill>
-              <a:srgbClr val="b7cce4"/>
-            </a:solidFill>
-            <a:round/>
-          </a:ln>
-        </p:spPr>
-      </p:sp>
-      <p:sp>
-        <p:nvSpPr>
-          <p:cNvPr id="285" name="CustomShape 22"/>
-          <p:cNvSpPr/>
-          <p:nvPr/>
-        </p:nvSpPr>
-        <p:spPr>
-          <a:xfrm rot="16200000">
-            <a:off x="2604600" y="148680"/>
-            <a:ext cx="297360" cy="720"/>
-          </a:xfrm>
-          <a:prstGeom prst="straightConnector1">
-            <a:avLst/>
-          </a:prstGeom>
-          <a:noFill/>
-          <a:ln w="12600">
-            <a:solidFill>
-              <a:srgbClr val="b7cce4"/>
-            </a:solidFill>
-            <a:round/>
-          </a:ln>
-        </p:spPr>
-      </p:sp>
-      <p:sp>
-        <p:nvSpPr>
-          <p:cNvPr id="286" name="CustomShape 23"/>
-          <p:cNvSpPr/>
-          <p:nvPr/>
-        </p:nvSpPr>
-        <p:spPr>
-          <a:xfrm rot="16200000">
-            <a:off x="2872440" y="110880"/>
-            <a:ext cx="221040" cy="720"/>
-          </a:xfrm>
-          <a:prstGeom prst="straightConnector1">
-            <a:avLst/>
-          </a:prstGeom>
-          <a:noFill/>
-          <a:ln w="12600">
-            <a:solidFill>
-              <a:srgbClr val="b7cce4"/>
-            </a:solidFill>
-            <a:round/>
-          </a:ln>
-        </p:spPr>
-      </p:sp>
-      <p:sp>
-        <p:nvSpPr>
-          <p:cNvPr id="287" name="CustomShape 24"/>
-          <p:cNvSpPr/>
-          <p:nvPr/>
-        </p:nvSpPr>
-        <p:spPr>
-          <a:xfrm rot="16200000">
-            <a:off x="3138120" y="76320"/>
-            <a:ext cx="150480" cy="720"/>
-          </a:xfrm>
-          <a:prstGeom prst="straightConnector1">
-            <a:avLst/>
-          </a:prstGeom>
-          <a:noFill/>
-          <a:ln w="12600">
-            <a:solidFill>
-              <a:srgbClr val="b7cce4"/>
-            </a:solidFill>
-            <a:round/>
-          </a:ln>
-        </p:spPr>
-      </p:sp>
-      <p:sp>
-        <p:nvSpPr>
-          <p:cNvPr id="288" name="CustomShape 25"/>
-          <p:cNvSpPr/>
-          <p:nvPr/>
-        </p:nvSpPr>
-        <p:spPr>
-          <a:xfrm rot="16200000">
-            <a:off x="3379680" y="63000"/>
-            <a:ext cx="125640" cy="720"/>
-          </a:xfrm>
-          <a:prstGeom prst="straightConnector1">
-            <a:avLst/>
-          </a:prstGeom>
-          <a:noFill/>
-          <a:ln w="12600">
-            <a:solidFill>
-              <a:srgbClr val="b7cce4"/>
-            </a:solidFill>
-            <a:round/>
-          </a:ln>
-        </p:spPr>
-      </p:sp>
-      <p:sp>
-        <p:nvSpPr>
-          <p:cNvPr id="289" name="CustomShape 26"/>
-          <p:cNvSpPr/>
-          <p:nvPr/>
-        </p:nvSpPr>
-        <p:spPr>
-          <a:xfrm rot="10800000">
-            <a:off x="5893560" y="4959360"/>
-            <a:ext cx="3250440" cy="360"/>
-          </a:xfrm>
-          <a:prstGeom prst="straightConnector1">
-            <a:avLst/>
-          </a:prstGeom>
-          <a:noFill/>
-          <a:ln w="12600">
-            <a:solidFill>
-              <a:srgbClr val="b7cce4"/>
-            </a:solidFill>
-            <a:round/>
-          </a:ln>
-        </p:spPr>
-      </p:sp>
-      <p:sp>
-        <p:nvSpPr>
-          <p:cNvPr id="290" name="CustomShape 27"/>
-          <p:cNvSpPr/>
-          <p:nvPr/>
-        </p:nvSpPr>
-        <p:spPr>
-          <a:xfrm rot="5400000">
-            <a:off x="7901640" y="4087440"/>
-            <a:ext cx="2103840" cy="720"/>
-          </a:xfrm>
-          <a:prstGeom prst="straightConnector1">
-            <a:avLst/>
-          </a:prstGeom>
-          <a:noFill/>
-          <a:ln w="12600">
-            <a:solidFill>
-              <a:srgbClr val="b7cce4"/>
-            </a:solidFill>
-            <a:round/>
-          </a:ln>
-        </p:spPr>
-      </p:sp>
-      <p:sp>
-        <p:nvSpPr>
-          <p:cNvPr id="291" name="CustomShape 28"/>
-          <p:cNvSpPr/>
-          <p:nvPr/>
-        </p:nvSpPr>
-        <p:spPr>
-          <a:xfrm rot="10800000">
-            <a:off x="6477840" y="4788000"/>
-            <a:ext cx="2666160" cy="360"/>
-          </a:xfrm>
-          <a:prstGeom prst="straightConnector1">
-            <a:avLst/>
-          </a:prstGeom>
-          <a:noFill/>
-          <a:ln w="12600">
-            <a:solidFill>
-              <a:srgbClr val="b7cce4"/>
-            </a:solidFill>
-            <a:round/>
-          </a:ln>
-        </p:spPr>
-      </p:sp>
-      <p:sp>
-        <p:nvSpPr>
-          <p:cNvPr id="292" name="CustomShape 29"/>
-          <p:cNvSpPr/>
-          <p:nvPr/>
-        </p:nvSpPr>
-        <p:spPr>
-          <a:xfrm rot="10800000">
-            <a:off x="6977160" y="4616640"/>
-            <a:ext cx="2166840" cy="360"/>
-          </a:xfrm>
-          <a:prstGeom prst="straightConnector1">
-            <a:avLst/>
-          </a:prstGeom>
-          <a:noFill/>
-          <a:ln w="12600">
-            <a:solidFill>
-              <a:srgbClr val="b7cce4"/>
-            </a:solidFill>
-            <a:round/>
-          </a:ln>
-        </p:spPr>
-      </p:sp>
-      <p:sp>
-        <p:nvSpPr>
-          <p:cNvPr id="293" name="CustomShape 30"/>
-          <p:cNvSpPr/>
-          <p:nvPr/>
-        </p:nvSpPr>
-        <p:spPr>
-          <a:xfrm rot="10800000">
-            <a:off x="7282080" y="4445280"/>
-            <a:ext cx="1861920" cy="360"/>
-          </a:xfrm>
-          <a:prstGeom prst="straightConnector1">
-            <a:avLst/>
-          </a:prstGeom>
-          <a:noFill/>
-          <a:ln w="12600">
-            <a:solidFill>
-              <a:srgbClr val="b7cce4"/>
-            </a:solidFill>
-            <a:round/>
-          </a:ln>
-        </p:spPr>
-      </p:sp>
-      <p:sp>
-        <p:nvSpPr>
-          <p:cNvPr id="294" name="CustomShape 31"/>
-          <p:cNvSpPr/>
-          <p:nvPr/>
-        </p:nvSpPr>
-        <p:spPr>
-          <a:xfrm rot="10800000">
-            <a:off x="7654680" y="4273560"/>
-            <a:ext cx="1489320" cy="360"/>
-          </a:xfrm>
-          <a:prstGeom prst="straightConnector1">
-            <a:avLst/>
-          </a:prstGeom>
-          <a:noFill/>
-          <a:ln w="12600">
-            <a:solidFill>
-              <a:srgbClr val="b7cce4"/>
-            </a:solidFill>
-            <a:round/>
-          </a:ln>
-        </p:spPr>
-      </p:sp>
-      <p:sp>
-        <p:nvSpPr>
-          <p:cNvPr id="295" name="CustomShape 32"/>
-          <p:cNvSpPr/>
-          <p:nvPr/>
-        </p:nvSpPr>
-        <p:spPr>
-          <a:xfrm rot="10800000">
-            <a:off x="7925400" y="4102200"/>
-            <a:ext cx="1218600" cy="360"/>
-          </a:xfrm>
-          <a:prstGeom prst="straightConnector1">
-            <a:avLst/>
-          </a:prstGeom>
-          <a:noFill/>
-          <a:ln w="12600">
-            <a:solidFill>
-              <a:srgbClr val="b7cce4"/>
-            </a:solidFill>
-            <a:round/>
-          </a:ln>
-        </p:spPr>
-      </p:sp>
-      <p:sp>
-        <p:nvSpPr>
-          <p:cNvPr id="296" name="CustomShape 33"/>
-          <p:cNvSpPr/>
-          <p:nvPr/>
-        </p:nvSpPr>
-        <p:spPr>
-          <a:xfrm rot="10800000">
-            <a:off x="8154000" y="3931560"/>
-            <a:ext cx="990000" cy="360"/>
-          </a:xfrm>
-          <a:prstGeom prst="straightConnector1">
-            <a:avLst/>
-          </a:prstGeom>
-          <a:noFill/>
-          <a:ln w="12600">
-            <a:solidFill>
-              <a:srgbClr val="b7cce4"/>
-            </a:solidFill>
-            <a:round/>
-          </a:ln>
-        </p:spPr>
-      </p:sp>
-      <p:sp>
-        <p:nvSpPr>
-          <p:cNvPr id="297" name="CustomShape 34"/>
-          <p:cNvSpPr/>
-          <p:nvPr/>
-        </p:nvSpPr>
-        <p:spPr>
-          <a:xfrm rot="10800000">
-            <a:off x="8399520" y="3760200"/>
-            <a:ext cx="744480" cy="360"/>
-          </a:xfrm>
-          <a:prstGeom prst="straightConnector1">
-            <a:avLst/>
-          </a:prstGeom>
-          <a:noFill/>
-          <a:ln w="12600">
-            <a:solidFill>
-              <a:srgbClr val="b7cce4"/>
-            </a:solidFill>
-            <a:round/>
-          </a:ln>
-        </p:spPr>
-      </p:sp>
-      <p:sp>
-        <p:nvSpPr>
-          <p:cNvPr id="298" name="CustomShape 35"/>
-          <p:cNvSpPr/>
-          <p:nvPr/>
-        </p:nvSpPr>
-        <p:spPr>
-          <a:xfrm rot="10800000">
-            <a:off x="8611200" y="3588480"/>
-            <a:ext cx="532800" cy="360"/>
-          </a:xfrm>
-          <a:prstGeom prst="straightConnector1">
-            <a:avLst/>
-          </a:prstGeom>
-          <a:noFill/>
-          <a:ln w="12600">
-            <a:solidFill>
-              <a:srgbClr val="b7cce4"/>
-            </a:solidFill>
-            <a:round/>
-          </a:ln>
-        </p:spPr>
-      </p:sp>
-      <p:sp>
-        <p:nvSpPr>
-          <p:cNvPr id="299" name="CustomShape 36"/>
-          <p:cNvSpPr/>
-          <p:nvPr/>
-        </p:nvSpPr>
-        <p:spPr>
-          <a:xfrm rot="10800000">
-            <a:off x="8882280" y="3417120"/>
-            <a:ext cx="261720" cy="360"/>
-          </a:xfrm>
-          <a:prstGeom prst="straightConnector1">
-            <a:avLst/>
-          </a:prstGeom>
-          <a:noFill/>
-          <a:ln w="12600">
-            <a:solidFill>
-              <a:srgbClr val="b7cce4"/>
-            </a:solidFill>
-            <a:round/>
-          </a:ln>
-        </p:spPr>
-      </p:sp>
-      <p:sp>
-        <p:nvSpPr>
-          <p:cNvPr id="300" name="CustomShape 37"/>
-          <p:cNvSpPr/>
-          <p:nvPr/>
-        </p:nvSpPr>
-        <p:spPr>
-          <a:xfrm rot="5400000">
-            <a:off x="7799400" y="4214880"/>
-            <a:ext cx="1850400" cy="720"/>
-          </a:xfrm>
-          <a:prstGeom prst="straightConnector1">
-            <a:avLst/>
-          </a:prstGeom>
-          <a:noFill/>
-          <a:ln w="12600">
-            <a:solidFill>
-              <a:srgbClr val="b7cce4"/>
-            </a:solidFill>
-            <a:round/>
-          </a:ln>
-        </p:spPr>
-      </p:sp>
-      <p:sp>
-        <p:nvSpPr>
-          <p:cNvPr id="301" name="CustomShape 38"/>
-          <p:cNvSpPr/>
-          <p:nvPr/>
-        </p:nvSpPr>
-        <p:spPr>
-          <a:xfrm rot="5400000">
-            <a:off x="7736760" y="4382280"/>
-            <a:ext cx="1512720" cy="720"/>
-          </a:xfrm>
-          <a:prstGeom prst="straightConnector1">
-            <a:avLst/>
-          </a:prstGeom>
-          <a:noFill/>
-          <a:ln w="12600">
-            <a:solidFill>
-              <a:srgbClr val="b7cce4"/>
-            </a:solidFill>
-            <a:round/>
-          </a:ln>
-        </p:spPr>
-      </p:sp>
-      <p:sp>
-        <p:nvSpPr>
-          <p:cNvPr id="302" name="CustomShape 39"/>
-          <p:cNvSpPr/>
-          <p:nvPr/>
-        </p:nvSpPr>
-        <p:spPr>
-          <a:xfrm rot="5400000">
-            <a:off x="7601760" y="4477680"/>
-            <a:ext cx="1322280" cy="720"/>
-          </a:xfrm>
-          <a:prstGeom prst="straightConnector1">
-            <a:avLst/>
-          </a:prstGeom>
-          <a:noFill/>
-          <a:ln w="12600">
-            <a:solidFill>
-              <a:srgbClr val="b7cce4"/>
-            </a:solidFill>
-            <a:round/>
-          </a:ln>
-        </p:spPr>
-      </p:sp>
-      <p:sp>
-        <p:nvSpPr>
-          <p:cNvPr id="303" name="CustomShape 40"/>
-          <p:cNvSpPr/>
-          <p:nvPr/>
-        </p:nvSpPr>
-        <p:spPr>
-          <a:xfrm rot="5400000">
-            <a:off x="7445160" y="4550400"/>
-            <a:ext cx="1176120" cy="720"/>
-          </a:xfrm>
-          <a:prstGeom prst="straightConnector1">
-            <a:avLst/>
-          </a:prstGeom>
-          <a:noFill/>
-          <a:ln w="12600">
-            <a:solidFill>
-              <a:srgbClr val="b7cce4"/>
-            </a:solidFill>
-            <a:round/>
-          </a:ln>
-        </p:spPr>
-      </p:sp>
-      <p:sp>
-        <p:nvSpPr>
-          <p:cNvPr id="304" name="CustomShape 41"/>
-          <p:cNvSpPr/>
-          <p:nvPr/>
-        </p:nvSpPr>
-        <p:spPr>
-          <a:xfrm rot="5400000">
-            <a:off x="7275960" y="4610880"/>
-            <a:ext cx="1055520" cy="720"/>
-          </a:xfrm>
-          <a:prstGeom prst="straightConnector1">
-            <a:avLst/>
-          </a:prstGeom>
-          <a:noFill/>
-          <a:ln w="12600">
-            <a:solidFill>
-              <a:srgbClr val="b7cce4"/>
-            </a:solidFill>
-            <a:round/>
-          </a:ln>
-        </p:spPr>
-      </p:sp>
-      <p:sp>
-        <p:nvSpPr>
-          <p:cNvPr id="305" name="CustomShape 42"/>
-          <p:cNvSpPr/>
-          <p:nvPr/>
-        </p:nvSpPr>
-        <p:spPr>
-          <a:xfrm rot="5400000">
-            <a:off x="7125120" y="4690080"/>
-            <a:ext cx="896760" cy="720"/>
-          </a:xfrm>
-          <a:prstGeom prst="straightConnector1">
-            <a:avLst/>
-          </a:prstGeom>
-          <a:noFill/>
-          <a:ln w="12600">
-            <a:solidFill>
-              <a:srgbClr val="b7cce4"/>
-            </a:solidFill>
-            <a:round/>
-          </a:ln>
-        </p:spPr>
-      </p:sp>
-      <p:sp>
-        <p:nvSpPr>
-          <p:cNvPr id="306" name="CustomShape 43"/>
-          <p:cNvSpPr/>
-          <p:nvPr/>
-        </p:nvSpPr>
-        <p:spPr>
-          <a:xfrm rot="5400000">
-            <a:off x="6952680" y="4747680"/>
-            <a:ext cx="782640" cy="720"/>
-          </a:xfrm>
-          <a:prstGeom prst="straightConnector1">
-            <a:avLst/>
-          </a:prstGeom>
-          <a:noFill/>
-          <a:ln w="12600">
-            <a:solidFill>
-              <a:srgbClr val="b7cce4"/>
-            </a:solidFill>
-            <a:round/>
-          </a:ln>
-        </p:spPr>
-      </p:sp>
-      <p:sp>
-        <p:nvSpPr>
-          <p:cNvPr id="307" name="CustomShape 44"/>
-          <p:cNvSpPr/>
-          <p:nvPr/>
-        </p:nvSpPr>
-        <p:spPr>
-          <a:xfrm rot="5400000">
-            <a:off x="6784920" y="4812840"/>
-            <a:ext cx="658800" cy="720"/>
-          </a:xfrm>
-          <a:prstGeom prst="straightConnector1">
-            <a:avLst/>
-          </a:prstGeom>
-          <a:noFill/>
-          <a:ln w="12600">
-            <a:solidFill>
-              <a:srgbClr val="b7cce4"/>
-            </a:solidFill>
-            <a:round/>
-          </a:ln>
-        </p:spPr>
-      </p:sp>
-      <p:sp>
-        <p:nvSpPr>
-          <p:cNvPr id="308" name="CustomShape 45"/>
-          <p:cNvSpPr/>
-          <p:nvPr/>
-        </p:nvSpPr>
-        <p:spPr>
-          <a:xfrm rot="5400000">
-            <a:off x="6602400" y="4860360"/>
-            <a:ext cx="563760" cy="720"/>
-          </a:xfrm>
-          <a:prstGeom prst="straightConnector1">
-            <a:avLst/>
-          </a:prstGeom>
-          <a:noFill/>
-          <a:ln w="12600">
-            <a:solidFill>
-              <a:srgbClr val="b7cce4"/>
-            </a:solidFill>
-            <a:round/>
-          </a:ln>
-        </p:spPr>
-      </p:sp>
-      <p:sp>
-        <p:nvSpPr>
-          <p:cNvPr id="309" name="CustomShape 46"/>
-          <p:cNvSpPr/>
-          <p:nvPr/>
-        </p:nvSpPr>
-        <p:spPr>
-          <a:xfrm rot="5400000">
-            <a:off x="6436080" y="4924080"/>
-            <a:ext cx="437040" cy="720"/>
-          </a:xfrm>
-          <a:prstGeom prst="straightConnector1">
-            <a:avLst/>
-          </a:prstGeom>
-          <a:noFill/>
-          <a:ln w="12600">
-            <a:solidFill>
-              <a:srgbClr val="b7cce4"/>
-            </a:solidFill>
-            <a:round/>
-          </a:ln>
-        </p:spPr>
-      </p:sp>
-      <p:sp>
-        <p:nvSpPr>
-          <p:cNvPr id="310" name="CustomShape 47"/>
-          <p:cNvSpPr/>
-          <p:nvPr/>
-        </p:nvSpPr>
-        <p:spPr>
-          <a:xfrm rot="5400000">
-            <a:off x="6276240" y="4993920"/>
-            <a:ext cx="297360" cy="720"/>
-          </a:xfrm>
-          <a:prstGeom prst="straightConnector1">
-            <a:avLst/>
-          </a:prstGeom>
-          <a:noFill/>
-          <a:ln w="12600">
-            <a:solidFill>
-              <a:srgbClr val="b7cce4"/>
-            </a:solidFill>
-            <a:round/>
-          </a:ln>
-        </p:spPr>
-      </p:sp>
-      <p:sp>
-        <p:nvSpPr>
-          <p:cNvPr id="311" name="CustomShape 48"/>
-          <p:cNvSpPr/>
-          <p:nvPr/>
-        </p:nvSpPr>
-        <p:spPr>
-          <a:xfrm rot="5400000">
-            <a:off x="6084360" y="5032080"/>
-            <a:ext cx="221040" cy="720"/>
-          </a:xfrm>
-          <a:prstGeom prst="straightConnector1">
-            <a:avLst/>
-          </a:prstGeom>
-          <a:noFill/>
-          <a:ln w="12600">
-            <a:solidFill>
-              <a:srgbClr val="b7cce4"/>
-            </a:solidFill>
-            <a:round/>
-          </a:ln>
-        </p:spPr>
-      </p:sp>
-      <p:sp>
-        <p:nvSpPr>
-          <p:cNvPr id="312" name="CustomShape 49"/>
-          <p:cNvSpPr/>
-          <p:nvPr/>
-        </p:nvSpPr>
-        <p:spPr>
-          <a:xfrm rot="5400000">
-            <a:off x="5889240" y="5066640"/>
-            <a:ext cx="150480" cy="720"/>
-          </a:xfrm>
-          <a:prstGeom prst="straightConnector1">
-            <a:avLst/>
-          </a:prstGeom>
-          <a:noFill/>
-          <a:ln w="12600">
-            <a:solidFill>
-              <a:srgbClr val="b7cce4"/>
-            </a:solidFill>
-            <a:round/>
-          </a:ln>
-        </p:spPr>
-      </p:sp>
-      <p:sp>
-        <p:nvSpPr>
-          <p:cNvPr id="313" name="CustomShape 50"/>
-          <p:cNvSpPr/>
-          <p:nvPr/>
-        </p:nvSpPr>
-        <p:spPr>
-          <a:xfrm rot="5400000">
-            <a:off x="5672160" y="5079240"/>
-            <a:ext cx="125640" cy="720"/>
-          </a:xfrm>
-          <a:prstGeom prst="straightConnector1">
-            <a:avLst/>
-          </a:prstGeom>
-          <a:noFill/>
-          <a:ln w="12600">
-            <a:solidFill>
-              <a:srgbClr val="b7cce4"/>
-            </a:solidFill>
-            <a:round/>
-          </a:ln>
-        </p:spPr>
-      </p:sp>
-      <p:sp>
-        <p:nvSpPr>
-          <p:cNvPr id="314" name="PlaceHolder 51"/>
-          <p:cNvSpPr>
-            <a:spLocks noGrp="1"/>
-          </p:cNvSpPr>
-          <p:nvPr>
-            <p:ph type="title"/>
-          </p:nvPr>
-        </p:nvSpPr>
-        <p:spPr>
-          <a:xfrm>
-            <a:off x="457200" y="205200"/>
-            <a:ext cx="8229240" cy="858600"/>
-          </a:xfrm>
-          <a:prstGeom prst="rect">
-            <a:avLst/>
-          </a:prstGeom>
-        </p:spPr>
-        <p:txBody>
-          <a:bodyPr lIns="0" rIns="0" tIns="0" bIns="0" anchor="ctr"/>
-          <a:p>
-            <a:pPr algn="ctr"/>
-            <a:r>
-              <a:rPr lang="pt-BR" sz="4400">
-                <a:latin typeface="Arial"/>
-              </a:rPr>
-              <a:t>Clique para editar o formato do texto do título</a:t>
-            </a:r>
-            <a:endParaRPr/>
-          </a:p>
-        </p:txBody>
-      </p:sp>
-      <p:sp>
-        <p:nvSpPr>
-          <p:cNvPr id="315" name="PlaceHolder 52"/>
-          <p:cNvSpPr>
-            <a:spLocks noGrp="1"/>
-          </p:cNvSpPr>
-          <p:nvPr>
-            <p:ph type="body"/>
-          </p:nvPr>
-        </p:nvSpPr>
-        <p:spPr>
-          <a:xfrm>
-            <a:off x="457200" y="1203480"/>
-            <a:ext cx="8229240" cy="2982960"/>
-          </a:xfrm>
-          <a:prstGeom prst="rect">
-            <a:avLst/>
-          </a:prstGeom>
-        </p:spPr>
-        <p:txBody>
-          <a:bodyPr lIns="0" rIns="0" tIns="0" bIns="0"/>
-          <a:p>
-            <a:pPr>
-              <a:buSzPct val="45000"/>
-              <a:buFont typeface="StarSymbol"/>
-              <a:buChar char=""/>
-            </a:pPr>
-            <a:r>
-              <a:rPr lang="pt-BR" sz="3200">
-                <a:latin typeface="Arial"/>
-              </a:rPr>
-              <a:t>Clique para editar o formato do texto da estrutura de tópicos</a:t>
-            </a:r>
-            <a:endParaRPr/>
-          </a:p>
-          <a:p>
-            <a:pPr lvl="1">
-              <a:buSzPct val="75000"/>
-              <a:buFont typeface="StarSymbol"/>
-              <a:buChar char=""/>
-            </a:pPr>
-            <a:r>
-              <a:rPr lang="pt-BR" sz="2800">
-                <a:latin typeface="Arial"/>
-              </a:rPr>
-              <a:t>2.º Nível da estrutura de tópicos</a:t>
-            </a:r>
-            <a:endParaRPr/>
-          </a:p>
-          <a:p>
-            <a:pPr lvl="2">
-              <a:buSzPct val="45000"/>
-              <a:buFont typeface="StarSymbol"/>
-              <a:buChar char=""/>
-            </a:pPr>
-            <a:r>
-              <a:rPr lang="pt-BR" sz="2400">
-                <a:latin typeface="Arial"/>
-              </a:rPr>
-              <a:t>3.º Nível da estrutura de tópicos</a:t>
-            </a:r>
-            <a:endParaRPr/>
-          </a:p>
-          <a:p>
-            <a:pPr lvl="3">
-              <a:buSzPct val="75000"/>
-              <a:buFont typeface="StarSymbol"/>
-              <a:buChar char=""/>
-            </a:pPr>
-            <a:r>
-              <a:rPr lang="pt-BR" sz="2000">
-                <a:latin typeface="Arial"/>
-              </a:rPr>
-              <a:t>4.º Nível da estrutura de tópicos</a:t>
-            </a:r>
-            <a:endParaRPr/>
-          </a:p>
-          <a:p>
-            <a:pPr lvl="4">
-              <a:buSzPct val="45000"/>
-              <a:buFont typeface="StarSymbol"/>
-              <a:buChar char=""/>
-            </a:pPr>
-            <a:r>
-              <a:rPr lang="pt-BR" sz="2000">
-                <a:latin typeface="Arial"/>
-              </a:rPr>
-              <a:t>5.º Nível da estrutura de tópicos</a:t>
-            </a:r>
-            <a:endParaRPr/>
-          </a:p>
-          <a:p>
-            <a:pPr lvl="5">
-              <a:buSzPct val="45000"/>
-              <a:buFont typeface="StarSymbol"/>
-              <a:buChar char=""/>
-            </a:pPr>
-            <a:r>
-              <a:rPr lang="pt-BR" sz="2000">
-                <a:latin typeface="Arial"/>
-              </a:rPr>
-              <a:t>6.º Nível da estrutura de tópicos</a:t>
-            </a:r>
-            <a:endParaRPr/>
-          </a:p>
-          <a:p>
-            <a:pPr lvl="6">
-              <a:buSzPct val="45000"/>
-              <a:buFont typeface="StarSymbol"/>
-              <a:buChar char=""/>
-            </a:pPr>
-            <a:r>
-              <a:rPr lang="pt-BR" sz="2000">
-                <a:latin typeface="Arial"/>
-              </a:rPr>
-              <a:t>7.º Nível da estrutura de tópicos</a:t>
-            </a:r>
-            <a:endParaRPr/>
-          </a:p>
-        </p:txBody>
-      </p:sp>
-    </p:spTree>
-  </p:cSld>
-  <p:clrMap bg1="lt1" bg2="lt2" tx1="dk1" tx2="dk2" accent1="accent1" accent2="accent2" accent3="accent3" accent4="accent4" accent5="accent5" accent6="accent6" hlink="hlink" folHlink="folHlink"/>
-  <p:sldLayoutIdLst>
-    <p:sldLayoutId id="2147483688" r:id="rId2"/>
-    <p:sldLayoutId id="2147483689" r:id="rId3"/>
-    <p:sldLayoutId id="2147483690" r:id="rId4"/>
-    <p:sldLayoutId id="2147483691" r:id="rId5"/>
-    <p:sldLayoutId id="2147483692" r:id="rId6"/>
-    <p:sldLayoutId id="2147483693" r:id="rId7"/>
-    <p:sldLayoutId id="2147483694" r:id="rId8"/>
-    <p:sldLayoutId id="2147483695" r:id="rId9"/>
-    <p:sldLayoutId id="2147483696" r:id="rId10"/>
-    <p:sldLayoutId id="2147483697" r:id="rId11"/>
-    <p:sldLayoutId id="2147483698" r:id="rId12"/>
-    <p:sldLayoutId id="2147483699" r:id="rId13"/>
   </p:sldLayoutIdLst>
 </p:sldMaster>
 </file>
@@ -10193,14 +7644,14 @@
       </p:grpSpPr>
       <p:sp>
         <p:nvSpPr>
-          <p:cNvPr id="350" name="CustomShape 1"/>
+          <p:cNvPr id="262" name="CustomShape 1"/>
           <p:cNvSpPr/>
           <p:nvPr/>
         </p:nvSpPr>
         <p:spPr>
           <a:xfrm>
             <a:off x="685800" y="1161720"/>
-            <a:ext cx="6400080" cy="1537920"/>
+            <a:ext cx="6399720" cy="1537560"/>
           </a:xfrm>
           <a:prstGeom prst="rect">
             <a:avLst/>
@@ -10234,14 +7685,14 @@
       </p:sp>
       <p:sp>
         <p:nvSpPr>
-          <p:cNvPr id="351" name="CustomShape 2"/>
+          <p:cNvPr id="263" name="CustomShape 2"/>
           <p:cNvSpPr/>
           <p:nvPr/>
         </p:nvSpPr>
         <p:spPr>
           <a:xfrm>
             <a:off x="685800" y="3413520"/>
-            <a:ext cx="6400080" cy="531360"/>
+            <a:ext cx="6399720" cy="531000"/>
           </a:xfrm>
           <a:prstGeom prst="rect">
             <a:avLst/>
@@ -10339,14 +7790,14 @@
       </p:grpSpPr>
       <p:sp>
         <p:nvSpPr>
-          <p:cNvPr id="352" name="CustomShape 1"/>
+          <p:cNvPr id="264" name="CustomShape 1"/>
           <p:cNvSpPr/>
           <p:nvPr/>
         </p:nvSpPr>
         <p:spPr>
           <a:xfrm>
             <a:off x="457200" y="101160"/>
-            <a:ext cx="7314840" cy="1013400"/>
+            <a:ext cx="7314480" cy="1013040"/>
           </a:xfrm>
           <a:prstGeom prst="rect">
             <a:avLst/>
@@ -10380,14 +7831,14 @@
       </p:sp>
       <p:sp>
         <p:nvSpPr>
-          <p:cNvPr id="353" name="CustomShape 2"/>
+          <p:cNvPr id="265" name="CustomShape 2"/>
           <p:cNvSpPr/>
           <p:nvPr/>
         </p:nvSpPr>
         <p:spPr>
           <a:xfrm>
             <a:off x="514440" y="1513080"/>
-            <a:ext cx="7543080" cy="3233160"/>
+            <a:ext cx="7542720" cy="3232800"/>
           </a:xfrm>
           <a:prstGeom prst="rect">
             <a:avLst/>
@@ -10399,6 +7850,22 @@
         </p:spPr>
         <p:txBody>
           <a:bodyPr lIns="90000" rIns="90000" tIns="91440" bIns="91440"/>
+          <a:p>
+            <a:r>
+              <a:rPr lang="pt-BR">
+                <a:solidFill>
+                  <a:srgbClr val="1f497d"/>
+                </a:solidFill>
+                <a:latin typeface="Raleway"/>
+                <a:ea typeface="Raleway"/>
+              </a:rPr>
+              <a:t>In fire accidents, it is highly risk process for a rescue team to save the lives and even to find and communicate with those who captured in it. </a:t>
+            </a:r>
+            <a:endParaRPr/>
+          </a:p>
+          <a:p>
+            <a:endParaRPr/>
+          </a:p>
           <a:p>
             <a:pPr>
               <a:lnSpc>
@@ -10413,38 +7880,6 @@
                 <a:latin typeface="Raleway"/>
                 <a:ea typeface="Raleway"/>
               </a:rPr>
-              <a:t>In fire accidents, it is highly risk process for a rescue team to save the lives and even to find and communicate with those who captured in it. </a:t>
-            </a:r>
-            <a:r>
-              <a:rPr lang="pt-BR">
-                <a:solidFill>
-                  <a:srgbClr val="1f497d"/>
-                </a:solidFill>
-                <a:latin typeface="Raleway"/>
-                <a:ea typeface="Raleway"/>
-              </a:rPr>
-              <a:t>
-</a:t>
-            </a:r>
-            <a:r>
-              <a:rPr lang="pt-BR">
-                <a:solidFill>
-                  <a:srgbClr val="1f497d"/>
-                </a:solidFill>
-                <a:latin typeface="Raleway"/>
-                <a:ea typeface="Raleway"/>
-              </a:rPr>
-              <a:t>
-</a:t>
-            </a:r>
-            <a:r>
-              <a:rPr lang="pt-BR">
-                <a:solidFill>
-                  <a:srgbClr val="1f497d"/>
-                </a:solidFill>
-                <a:latin typeface="Raleway"/>
-                <a:ea typeface="Raleway"/>
-              </a:rPr>
               <a:t>Currently, in order to overcome these problems and to rescue the victims lives, the robotic technology is the most promissory method.</a:t>
             </a:r>
             <a:endParaRPr/>
@@ -10469,14 +7904,14 @@
       </p:sp>
       <p:sp>
         <p:nvSpPr>
-          <p:cNvPr id="354" name="CustomShape 3"/>
+          <p:cNvPr id="266" name="CustomShape 3"/>
           <p:cNvSpPr/>
           <p:nvPr/>
         </p:nvSpPr>
         <p:spPr>
           <a:xfrm>
             <a:off x="8425800" y="4622040"/>
-            <a:ext cx="547920" cy="520560"/>
+            <a:ext cx="547560" cy="520200"/>
           </a:xfrm>
           <a:prstGeom prst="rect">
             <a:avLst/>
@@ -10494,7 +7929,7 @@
                 <a:spcPct val="100000"/>
               </a:lnSpc>
             </a:pPr>
-            <a:fld id="{082863ED-50C7-416D-A326-005D2F9013AB}" type="slidenum">
+            <a:fld id="{7B7E0E2A-A3F2-4EE5-B9CD-4CF4E345A99E}" type="slidenum">
               <a:rPr lang="pt-BR" sz="1400">
                 <a:solidFill>
                   <a:srgbClr val="000000"/>
@@ -10566,14 +8001,14 @@
       </p:grpSpPr>
       <p:sp>
         <p:nvSpPr>
-          <p:cNvPr id="355" name="CustomShape 1"/>
+          <p:cNvPr id="267" name="CustomShape 1"/>
           <p:cNvSpPr/>
           <p:nvPr/>
         </p:nvSpPr>
         <p:spPr>
           <a:xfrm>
             <a:off x="457200" y="101160"/>
-            <a:ext cx="7314840" cy="1013400"/>
+            <a:ext cx="7314480" cy="1013040"/>
           </a:xfrm>
           <a:prstGeom prst="rect">
             <a:avLst/>
@@ -10607,14 +8042,14 @@
       </p:sp>
       <p:sp>
         <p:nvSpPr>
-          <p:cNvPr id="356" name="CustomShape 2"/>
+          <p:cNvPr id="268" name="CustomShape 2"/>
           <p:cNvSpPr/>
           <p:nvPr/>
         </p:nvSpPr>
         <p:spPr>
           <a:xfrm>
             <a:off x="457200" y="1604160"/>
-            <a:ext cx="8228880" cy="3303720"/>
+            <a:ext cx="8228520" cy="3303360"/>
           </a:xfrm>
           <a:prstGeom prst="rect">
             <a:avLst/>
@@ -10648,14 +8083,14 @@
       </p:sp>
       <p:sp>
         <p:nvSpPr>
-          <p:cNvPr id="357" name="CustomShape 3"/>
+          <p:cNvPr id="269" name="CustomShape 3"/>
           <p:cNvSpPr/>
           <p:nvPr/>
         </p:nvSpPr>
         <p:spPr>
           <a:xfrm>
             <a:off x="8425800" y="4622040"/>
-            <a:ext cx="547920" cy="520560"/>
+            <a:ext cx="547560" cy="520200"/>
           </a:xfrm>
           <a:prstGeom prst="rect">
             <a:avLst/>
@@ -10673,7 +8108,7 @@
                 <a:spcPct val="100000"/>
               </a:lnSpc>
             </a:pPr>
-            <a:fld id="{4401724B-67B9-47D9-BCCE-5087BA3DF3D9}" type="slidenum">
+            <a:fld id="{72ADCC42-E8F7-4020-9B27-BEDE8D2E8615}" type="slidenum">
               <a:rPr lang="pt-BR" sz="1400">
                 <a:solidFill>
                   <a:srgbClr val="000000"/>
@@ -10745,14 +8180,14 @@
       </p:grpSpPr>
       <p:sp>
         <p:nvSpPr>
-          <p:cNvPr id="358" name="CustomShape 1"/>
+          <p:cNvPr id="270" name="CustomShape 1"/>
           <p:cNvSpPr/>
           <p:nvPr/>
         </p:nvSpPr>
         <p:spPr>
           <a:xfrm>
             <a:off x="457200" y="101160"/>
-            <a:ext cx="7314840" cy="1013400"/>
+            <a:ext cx="7314480" cy="1013040"/>
           </a:xfrm>
           <a:prstGeom prst="rect">
             <a:avLst/>
@@ -10778,7 +8213,7 @@
                 <a:latin typeface="Raleway"/>
                 <a:ea typeface="Raleway"/>
               </a:rPr>
-              <a:t>Development Tools</a:t>
+              <a:t>Applications</a:t>
             </a:r>
             <a:endParaRPr/>
           </a:p>
@@ -10786,14 +8221,14 @@
       </p:sp>
       <p:sp>
         <p:nvSpPr>
-          <p:cNvPr id="359" name="CustomShape 2"/>
-          <p:cNvSpPr/>
-          <p:nvPr/>
-        </p:nvSpPr>
-        <p:spPr>
-          <a:xfrm>
-            <a:off x="457200" y="1278360"/>
-            <a:ext cx="7514640" cy="3629520"/>
+          <p:cNvPr id="271" name="CustomShape 2"/>
+          <p:cNvSpPr/>
+          <p:nvPr/>
+        </p:nvSpPr>
+        <p:spPr>
+          <a:xfrm>
+            <a:off x="457200" y="1604160"/>
+            <a:ext cx="8228520" cy="3303360"/>
           </a:xfrm>
           <a:prstGeom prst="rect">
             <a:avLst/>
@@ -10808,15 +8243,7 @@
           <a:p>
             <a:pPr>
               <a:lnSpc>
-                <a:spcPct val="100000"/>
-              </a:lnSpc>
-            </a:pPr>
-            <a:endParaRPr/>
-          </a:p>
-          <a:p>
-            <a:pPr>
-              <a:lnSpc>
-                <a:spcPct val="100000"/>
+                <a:spcPct val="150000"/>
               </a:lnSpc>
             </a:pPr>
             <a:r>
@@ -10827,24 +8254,8 @@
                 <a:latin typeface="Raleway"/>
                 <a:ea typeface="Raleway"/>
               </a:rPr>
-              <a:t>OpenCV</a:t>
+              <a:t>* Rescue robots will replace rescue staffs and can avoid the risk of them getting harm too in a fire hazard.</a:t>
             </a:r>
-            <a:endParaRPr/>
-          </a:p>
-          <a:p>
-            <a:pPr>
-              <a:lnSpc>
-                <a:spcPct val="100000"/>
-              </a:lnSpc>
-            </a:pPr>
-            <a:endParaRPr/>
-          </a:p>
-          <a:p>
-            <a:pPr>
-              <a:lnSpc>
-                <a:spcPct val="100000"/>
-              </a:lnSpc>
-            </a:pPr>
             <a:r>
               <a:rPr lang="pt-BR">
                 <a:solidFill>
@@ -10853,16 +8264,9 @@
                 <a:latin typeface="Raleway"/>
                 <a:ea typeface="Raleway"/>
               </a:rPr>
-              <a:t>It is an Open Source Computer Vision Library, having more than 2500 optimized algorithms.</a:t>
+              <a:t>
+</a:t>
             </a:r>
-            <a:endParaRPr/>
-          </a:p>
-          <a:p>
-            <a:pPr>
-              <a:lnSpc>
-                <a:spcPct val="100000"/>
-              </a:lnSpc>
-            </a:pPr>
             <a:r>
               <a:rPr lang="pt-BR">
                 <a:solidFill>
@@ -10871,24 +8275,9 @@
                 <a:latin typeface="Raleway"/>
                 <a:ea typeface="Raleway"/>
               </a:rPr>
-              <a:t>	</a:t>
+              <a:t>
+</a:t>
             </a:r>
-            <a:endParaRPr/>
-          </a:p>
-          <a:p>
-            <a:pPr>
-              <a:lnSpc>
-                <a:spcPct val="100000"/>
-              </a:lnSpc>
-            </a:pPr>
-            <a:endParaRPr/>
-          </a:p>
-          <a:p>
-            <a:pPr>
-              <a:lnSpc>
-                <a:spcPct val="100000"/>
-              </a:lnSpc>
-            </a:pPr>
             <a:r>
               <a:rPr lang="pt-BR">
                 <a:solidFill>
@@ -10897,66 +8286,40 @@
                 <a:latin typeface="Raleway"/>
                 <a:ea typeface="Raleway"/>
               </a:rPr>
-              <a:t>Qt Framework</a:t>
+              <a:t>* This concept can also be used in another kind of hazards, such as toxic leak and against criminal occupation or kidnapping.</a:t>
             </a:r>
             <a:endParaRPr/>
           </a:p>
+        </p:txBody>
+      </p:sp>
+      <p:sp>
+        <p:nvSpPr>
+          <p:cNvPr id="272" name="CustomShape 3"/>
+          <p:cNvSpPr/>
+          <p:nvPr/>
+        </p:nvSpPr>
+        <p:spPr>
+          <a:xfrm>
+            <a:off x="8425800" y="4622040"/>
+            <a:ext cx="547560" cy="520200"/>
+          </a:xfrm>
+          <a:prstGeom prst="rect">
+            <a:avLst/>
+          </a:prstGeom>
+          <a:noFill/>
+          <a:ln>
+            <a:noFill/>
+          </a:ln>
+        </p:spPr>
+        <p:txBody>
+          <a:bodyPr lIns="90000" rIns="90000" tIns="91440" bIns="91440" anchor="ctr"/>
           <a:p>
             <a:pPr>
               <a:lnSpc>
                 <a:spcPct val="100000"/>
               </a:lnSpc>
             </a:pPr>
-            <a:endParaRPr/>
-          </a:p>
-          <a:p>
-            <a:pPr>
-              <a:lnSpc>
-                <a:spcPct val="100000"/>
-              </a:lnSpc>
-            </a:pPr>
-            <a:r>
-              <a:rPr lang="pt-BR">
-                <a:solidFill>
-                  <a:srgbClr val="1f497d"/>
-                </a:solidFill>
-                <a:latin typeface="Raleway"/>
-                <a:ea typeface="Raleway"/>
-              </a:rPr>
-              <a:t>It is a cross-platform framework, mainly used for develop  applications with graphical user interfaces. </a:t>
-            </a:r>
-            <a:endParaRPr/>
-          </a:p>
-        </p:txBody>
-      </p:sp>
-      <p:sp>
-        <p:nvSpPr>
-          <p:cNvPr id="360" name="CustomShape 3"/>
-          <p:cNvSpPr/>
-          <p:nvPr/>
-        </p:nvSpPr>
-        <p:spPr>
-          <a:xfrm>
-            <a:off x="8425800" y="4622040"/>
-            <a:ext cx="547920" cy="520560"/>
-          </a:xfrm>
-          <a:prstGeom prst="rect">
-            <a:avLst/>
-          </a:prstGeom>
-          <a:noFill/>
-          <a:ln>
-            <a:noFill/>
-          </a:ln>
-        </p:spPr>
-        <p:txBody>
-          <a:bodyPr lIns="90000" rIns="90000" tIns="91440" bIns="91440" anchor="ctr"/>
-          <a:p>
-            <a:pPr>
-              <a:lnSpc>
-                <a:spcPct val="100000"/>
-              </a:lnSpc>
-            </a:pPr>
-            <a:fld id="{8CF0106C-21CE-4E56-8FA2-F0099C595977}" type="slidenum">
+            <a:fld id="{1BD98816-0154-4633-ABE0-708EDBA6598B}" type="slidenum">
               <a:rPr lang="pt-BR" sz="1400">
                 <a:solidFill>
                   <a:srgbClr val="000000"/>
@@ -11005,6 +8368,13 @@
 <file path=ppt/slides/slide5.xml><?xml version="1.0" encoding="utf-8"?>
 <p:sld xmlns:a="http://schemas.openxmlformats.org/drawingml/2006/main" xmlns:p="http://schemas.openxmlformats.org/presentationml/2006/main" xmlns:r="http://schemas.openxmlformats.org/officeDocument/2006/relationships">
   <p:cSld>
+    <p:bg>
+      <p:bgPr>
+        <a:solidFill>
+          <a:srgbClr val="ffffff"/>
+        </a:solidFill>
+      </p:bgPr>
+    </p:bg>
     <p:spTree>
       <p:nvGrpSpPr>
         <p:cNvPr id="1" name=""/>
@@ -11021,14 +8391,14 @@
       </p:grpSpPr>
       <p:sp>
         <p:nvSpPr>
-          <p:cNvPr id="361" name="CustomShape 1"/>
+          <p:cNvPr id="273" name="CustomShape 1"/>
           <p:cNvSpPr/>
           <p:nvPr/>
         </p:nvSpPr>
         <p:spPr>
           <a:xfrm>
             <a:off x="457200" y="101160"/>
-            <a:ext cx="7314840" cy="1013400"/>
+            <a:ext cx="7314480" cy="1013040"/>
           </a:xfrm>
           <a:prstGeom prst="rect">
             <a:avLst/>
@@ -11051,10 +8421,10 @@
                 <a:solidFill>
                   <a:srgbClr val="efede2"/>
                 </a:solidFill>
-                <a:latin typeface="Arial"/>
-                <a:ea typeface="Arial"/>
+                <a:latin typeface="Raleway"/>
+                <a:ea typeface="Raleway"/>
               </a:rPr>
-              <a:t>Prototype results</a:t>
+              <a:t>Development Tools</a:t>
             </a:r>
             <a:endParaRPr/>
           </a:p>
@@ -11062,14 +8432,14 @@
       </p:sp>
       <p:sp>
         <p:nvSpPr>
-          <p:cNvPr id="362" name="CustomShape 2"/>
-          <p:cNvSpPr/>
-          <p:nvPr/>
-        </p:nvSpPr>
-        <p:spPr>
-          <a:xfrm>
-            <a:off x="8425800" y="4622040"/>
-            <a:ext cx="547920" cy="520560"/>
+          <p:cNvPr id="274" name="CustomShape 2"/>
+          <p:cNvSpPr/>
+          <p:nvPr/>
+        </p:nvSpPr>
+        <p:spPr>
+          <a:xfrm>
+            <a:off x="457200" y="1278360"/>
+            <a:ext cx="7514280" cy="3629160"/>
           </a:xfrm>
           <a:prstGeom prst="rect">
             <a:avLst/>
@@ -11080,20 +8450,165 @@
           </a:ln>
         </p:spPr>
         <p:txBody>
-          <a:bodyPr lIns="90000" rIns="90000" tIns="91440" bIns="91440" anchor="ctr"/>
+          <a:bodyPr lIns="90000" rIns="90000" tIns="91440" bIns="91440"/>
           <a:p>
             <a:pPr>
               <a:lnSpc>
                 <a:spcPct val="100000"/>
               </a:lnSpc>
             </a:pPr>
-            <a:fld id="{188EFC31-8CBF-4420-ACDA-E93325653143}" type="slidenum">
+            <a:endParaRPr/>
+          </a:p>
+          <a:p>
+            <a:pPr>
+              <a:lnSpc>
+                <a:spcPct val="100000"/>
+              </a:lnSpc>
+            </a:pPr>
+            <a:r>
+              <a:rPr lang="pt-BR">
+                <a:solidFill>
+                  <a:srgbClr val="1f497d"/>
+                </a:solidFill>
+                <a:latin typeface="Raleway"/>
+                <a:ea typeface="Raleway"/>
+              </a:rPr>
+              <a:t>OpenCV</a:t>
+            </a:r>
+            <a:endParaRPr/>
+          </a:p>
+          <a:p>
+            <a:pPr>
+              <a:lnSpc>
+                <a:spcPct val="100000"/>
+              </a:lnSpc>
+            </a:pPr>
+            <a:endParaRPr/>
+          </a:p>
+          <a:p>
+            <a:pPr>
+              <a:lnSpc>
+                <a:spcPct val="100000"/>
+              </a:lnSpc>
+            </a:pPr>
+            <a:r>
+              <a:rPr lang="pt-BR">
+                <a:solidFill>
+                  <a:srgbClr val="1f497d"/>
+                </a:solidFill>
+                <a:latin typeface="Raleway"/>
+                <a:ea typeface="Raleway"/>
+              </a:rPr>
+              <a:t>It is an Open Source Computer Vision Library, having more than 2500 optimized algorithms.</a:t>
+            </a:r>
+            <a:endParaRPr/>
+          </a:p>
+          <a:p>
+            <a:pPr>
+              <a:lnSpc>
+                <a:spcPct val="100000"/>
+              </a:lnSpc>
+            </a:pPr>
+            <a:r>
+              <a:rPr lang="pt-BR">
+                <a:solidFill>
+                  <a:srgbClr val="1f497d"/>
+                </a:solidFill>
+                <a:latin typeface="Raleway"/>
+                <a:ea typeface="Raleway"/>
+              </a:rPr>
+              <a:t>	</a:t>
+            </a:r>
+            <a:endParaRPr/>
+          </a:p>
+          <a:p>
+            <a:pPr>
+              <a:lnSpc>
+                <a:spcPct val="100000"/>
+              </a:lnSpc>
+            </a:pPr>
+            <a:endParaRPr/>
+          </a:p>
+          <a:p>
+            <a:pPr>
+              <a:lnSpc>
+                <a:spcPct val="100000"/>
+              </a:lnSpc>
+            </a:pPr>
+            <a:r>
+              <a:rPr lang="pt-BR">
+                <a:solidFill>
+                  <a:srgbClr val="1f497d"/>
+                </a:solidFill>
+                <a:latin typeface="Raleway"/>
+                <a:ea typeface="Raleway"/>
+              </a:rPr>
+              <a:t>Qt Framework</a:t>
+            </a:r>
+            <a:endParaRPr/>
+          </a:p>
+          <a:p>
+            <a:pPr>
+              <a:lnSpc>
+                <a:spcPct val="100000"/>
+              </a:lnSpc>
+            </a:pPr>
+            <a:endParaRPr/>
+          </a:p>
+          <a:p>
+            <a:pPr>
+              <a:lnSpc>
+                <a:spcPct val="100000"/>
+              </a:lnSpc>
+            </a:pPr>
+            <a:r>
+              <a:rPr lang="pt-BR">
+                <a:solidFill>
+                  <a:srgbClr val="1f497d"/>
+                </a:solidFill>
+                <a:latin typeface="Raleway"/>
+                <a:ea typeface="Raleway"/>
+              </a:rPr>
+              <a:t>It is a cross-platform framework, mainly used for develop  applications with graphical user interfaces. </a:t>
+            </a:r>
+            <a:endParaRPr/>
+          </a:p>
+        </p:txBody>
+      </p:sp>
+      <p:sp>
+        <p:nvSpPr>
+          <p:cNvPr id="275" name="CustomShape 3"/>
+          <p:cNvSpPr/>
+          <p:nvPr/>
+        </p:nvSpPr>
+        <p:spPr>
+          <a:xfrm>
+            <a:off x="8425800" y="4622040"/>
+            <a:ext cx="547560" cy="520200"/>
+          </a:xfrm>
+          <a:prstGeom prst="rect">
+            <a:avLst/>
+          </a:prstGeom>
+          <a:noFill/>
+          <a:ln>
+            <a:noFill/>
+          </a:ln>
+        </p:spPr>
+        <p:txBody>
+          <a:bodyPr lIns="90000" rIns="90000" tIns="91440" bIns="91440" anchor="ctr"/>
+          <a:p>
+            <a:pPr>
+              <a:lnSpc>
+                <a:spcPct val="100000"/>
+              </a:lnSpc>
+            </a:pPr>
+            <a:fld id="{0A4BA840-3E45-458B-94FA-B86DFA5F6573}" type="slidenum">
               <a:rPr lang="pt-BR" sz="1400">
                 <a:solidFill>
                   <a:srgbClr val="000000"/>
                 </a:solidFill>
-                <a:latin typeface="Arial"/>
-                <a:ea typeface="Arial"/>
+                <a:latin typeface="Raleway"/>
+                <a:ea typeface="Raleway"/>
               </a:rPr>
               <a:t>&lt;número&gt;</a:t>
             </a:fld>
@@ -11101,31 +8616,6 @@
           </a:p>
         </p:txBody>
       </p:sp>
-      <p:pic>
-        <p:nvPicPr>
-          <p:cNvPr id="363" name="" descr=""/>
-          <p:cNvPicPr/>
-          <p:nvPr/>
-        </p:nvPicPr>
-        <p:blipFill>
-          <a:blip r:embed="rId1"/>
-          <a:stretch>
-            <a:fillRect/>
-          </a:stretch>
-        </p:blipFill>
-        <p:spPr>
-          <a:xfrm>
-            <a:off x="288000" y="1224000"/>
-            <a:ext cx="8094600" cy="4008960"/>
-          </a:xfrm>
-          <a:prstGeom prst="rect">
-            <a:avLst/>
-          </a:prstGeom>
-          <a:ln>
-            <a:noFill/>
-          </a:ln>
-        </p:spPr>
-      </p:pic>
     </p:spTree>
   </p:cSld>
   <p:timing>
@@ -11177,14 +8667,170 @@
       </p:grpSpPr>
       <p:sp>
         <p:nvSpPr>
-          <p:cNvPr id="364" name="CustomShape 1"/>
+          <p:cNvPr id="276" name="CustomShape 1"/>
+          <p:cNvSpPr/>
+          <p:nvPr/>
+        </p:nvSpPr>
+        <p:spPr>
+          <a:xfrm>
+            <a:off x="457200" y="101160"/>
+            <a:ext cx="7314480" cy="1013040"/>
+          </a:xfrm>
+          <a:prstGeom prst="rect">
+            <a:avLst/>
+          </a:prstGeom>
+          <a:noFill/>
+          <a:ln>
+            <a:noFill/>
+          </a:ln>
+        </p:spPr>
+        <p:txBody>
+          <a:bodyPr lIns="90000" rIns="90000" tIns="91440" bIns="91440" anchor="b"/>
+          <a:p>
+            <a:pPr>
+              <a:lnSpc>
+                <a:spcPct val="100000"/>
+              </a:lnSpc>
+            </a:pPr>
+            <a:r>
+              <a:rPr lang="pt-BR" sz="4400">
+                <a:solidFill>
+                  <a:srgbClr val="efede2"/>
+                </a:solidFill>
+                <a:latin typeface="Arial"/>
+                <a:ea typeface="Arial"/>
+              </a:rPr>
+              <a:t>Prototype results</a:t>
+            </a:r>
+            <a:endParaRPr/>
+          </a:p>
+        </p:txBody>
+      </p:sp>
+      <p:sp>
+        <p:nvSpPr>
+          <p:cNvPr id="277" name="CustomShape 2"/>
+          <p:cNvSpPr/>
+          <p:nvPr/>
+        </p:nvSpPr>
+        <p:spPr>
+          <a:xfrm>
+            <a:off x="8425800" y="4622040"/>
+            <a:ext cx="547560" cy="520200"/>
+          </a:xfrm>
+          <a:prstGeom prst="rect">
+            <a:avLst/>
+          </a:prstGeom>
+          <a:noFill/>
+          <a:ln>
+            <a:noFill/>
+          </a:ln>
+        </p:spPr>
+        <p:txBody>
+          <a:bodyPr lIns="90000" rIns="90000" tIns="91440" bIns="91440" anchor="ctr"/>
+          <a:p>
+            <a:pPr>
+              <a:lnSpc>
+                <a:spcPct val="100000"/>
+              </a:lnSpc>
+            </a:pPr>
+            <a:fld id="{901D6889-6448-4BB3-88FD-F0555DC62D56}" type="slidenum">
+              <a:rPr lang="pt-BR" sz="1400">
+                <a:solidFill>
+                  <a:srgbClr val="000000"/>
+                </a:solidFill>
+                <a:latin typeface="Arial"/>
+                <a:ea typeface="Arial"/>
+              </a:rPr>
+              <a:t>&lt;número&gt;</a:t>
+            </a:fld>
+            <a:endParaRPr/>
+          </a:p>
+        </p:txBody>
+      </p:sp>
+      <p:pic>
+        <p:nvPicPr>
+          <p:cNvPr id="278" name="" descr=""/>
+          <p:cNvPicPr/>
+          <p:nvPr/>
+        </p:nvPicPr>
+        <p:blipFill>
+          <a:blip r:embed="rId1"/>
+          <a:stretch>
+            <a:fillRect/>
+          </a:stretch>
+        </p:blipFill>
+        <p:spPr>
+          <a:xfrm>
+            <a:off x="288000" y="1224000"/>
+            <a:ext cx="8094240" cy="4008600"/>
+          </a:xfrm>
+          <a:prstGeom prst="rect">
+            <a:avLst/>
+          </a:prstGeom>
+          <a:ln>
+            <a:noFill/>
+          </a:ln>
+        </p:spPr>
+      </p:pic>
+    </p:spTree>
+  </p:cSld>
+  <p:timing>
+    <p:tnLst>
+      <p:par>
+        <p:cTn id="11" dur="indefinite" restart="never" nodeType="tmRoot">
+          <p:childTnLst>
+            <p:seq>
+              <p:cTn id="12" nodeType="mainSeq"/>
+              <p:prevCondLst>
+                <p:cond delay="0" evt="onPrev">
+                  <p:tgtEl>
+                    <p:sldTgt/>
+                  </p:tgtEl>
+                </p:cond>
+              </p:prevCondLst>
+              <p:nextCondLst>
+                <p:cond delay="0" evt="onNext">
+                  <p:tgtEl>
+                    <p:sldTgt/>
+                  </p:tgtEl>
+                </p:cond>
+              </p:nextCondLst>
+            </p:seq>
+          </p:childTnLst>
+        </p:cTn>
+      </p:par>
+    </p:tnLst>
+  </p:timing>
+</p:sld>
+</file>
+
+<file path=ppt/slides/slide7.xml><?xml version="1.0" encoding="utf-8"?>
+<p:sld xmlns:a="http://schemas.openxmlformats.org/drawingml/2006/main" xmlns:p="http://schemas.openxmlformats.org/presentationml/2006/main" xmlns:r="http://schemas.openxmlformats.org/officeDocument/2006/relationships">
+  <p:cSld>
+    <p:spTree>
+      <p:nvGrpSpPr>
+        <p:cNvPr id="1" name=""/>
+        <p:cNvGrpSpPr/>
+        <p:nvPr/>
+      </p:nvGrpSpPr>
+      <p:grpSpPr>
+        <a:xfrm>
+          <a:off x="0" y="0"/>
+          <a:ext cx="0" cy="0"/>
+          <a:chOff x="0" y="0"/>
+          <a:chExt cx="0" cy="0"/>
+        </a:xfrm>
+      </p:grpSpPr>
+      <p:sp>
+        <p:nvSpPr>
+          <p:cNvPr id="279" name="CustomShape 1"/>
           <p:cNvSpPr/>
           <p:nvPr/>
         </p:nvSpPr>
         <p:spPr>
           <a:xfrm>
             <a:off x="457200" y="1500840"/>
-            <a:ext cx="8228880" cy="2141280"/>
+            <a:ext cx="8228520" cy="2140920"/>
           </a:xfrm>
           <a:prstGeom prst="rect">
             <a:avLst/>
@@ -11218,14 +8864,14 @@
       </p:sp>
       <p:sp>
         <p:nvSpPr>
-          <p:cNvPr id="365" name="CustomShape 2"/>
+          <p:cNvPr id="280" name="CustomShape 2"/>
           <p:cNvSpPr/>
           <p:nvPr/>
         </p:nvSpPr>
         <p:spPr>
           <a:xfrm>
             <a:off x="8425800" y="4622040"/>
-            <a:ext cx="547920" cy="520560"/>
+            <a:ext cx="547560" cy="520200"/>
           </a:xfrm>
           <a:prstGeom prst="rect">
             <a:avLst/>
@@ -11243,7 +8889,7 @@
                 <a:spcPct val="100000"/>
               </a:lnSpc>
             </a:pPr>
-            <a:fld id="{01F88D48-60DB-4C5B-B9E5-777DEBB8D4E6}" type="slidenum">
+            <a:fld id="{8FD319DF-BDD3-4A9F-8856-479CF0A7E236}" type="slidenum">
               <a:rPr lang="pt-BR" sz="1400">
                 <a:solidFill>
                   <a:srgbClr val="000000"/>
@@ -11262,10 +8908,10 @@
   <p:timing>
     <p:tnLst>
       <p:par>
-        <p:cTn id="11" dur="indefinite" restart="never" nodeType="tmRoot">
+        <p:cTn id="13" dur="indefinite" restart="never" nodeType="tmRoot">
           <p:childTnLst>
             <p:seq>
-              <p:cTn id="12" nodeType="mainSeq"/>
+              <p:cTn id="14" nodeType="mainSeq"/>
               <p:prevCondLst>
                 <p:cond delay="0" evt="onPrev">
                   <p:tgtEl>
@@ -11956,227 +9602,4 @@
     </a:fmtScheme>
   </a:themeElements>
 </a:theme>
-</file>
-
-<file path=ppt/theme/theme4.xml><?xml version="1.0" encoding="utf-8"?>
-<a:theme xmlns:a="http://schemas.openxmlformats.org/drawingml/2006/main" name="Office Theme">
-  <a:themeElements>
-    <a:clrScheme name="Office">
-      <a:dk1>
-        <a:sysClr val="windowText" lastClr="000000"/>
-      </a:dk1>
-      <a:lt1>
-        <a:sysClr val="window" lastClr="FFFFFF"/>
-      </a:lt1>
-      <a:dk2>
-        <a:srgbClr val="1F497D"/>
-      </a:dk2>
-      <a:lt2>
-        <a:srgbClr val="EEECE1"/>
-      </a:lt2>
-      <a:accent1>
-        <a:srgbClr val="4F81BD"/>
-      </a:accent1>
-      <a:accent2>
-        <a:srgbClr val="C0504D"/>
-      </a:accent2>
-      <a:accent3>
-        <a:srgbClr val="9BBB59"/>
-      </a:accent3>
-      <a:accent4>
-        <a:srgbClr val="8064A2"/>
-      </a:accent4>
-      <a:accent5>
-        <a:srgbClr val="4BACC6"/>
-      </a:accent5>
-      <a:accent6>
-        <a:srgbClr val="F79646"/>
-      </a:accent6>
-      <a:hlink>
-        <a:srgbClr val="0000FF"/>
-      </a:hlink>
-      <a:folHlink>
-        <a:srgbClr val="800080"/>
-      </a:folHlink>
-    </a:clrScheme>
-    <a:fontScheme name="Office">
-      <a:majorFont>
-        <a:latin typeface="Arial"/>
-        <a:ea typeface="DejaVu Sans"/>
-        <a:cs typeface="DejaVu Sans"/>
-      </a:majorFont>
-      <a:minorFont>
-        <a:latin typeface="Arial"/>
-        <a:ea typeface="DejaVu Sans"/>
-        <a:cs typeface="DejaVu Sans"/>
-      </a:minorFont>
-    </a:fontScheme>
-    <a:fmtScheme name="Office">
-      <a:fillStyleLst>
-        <a:solidFill>
-          <a:schemeClr val="phClr"/>
-        </a:solidFill>
-        <a:gradFill rotWithShape="1">
-          <a:gsLst>
-            <a:gs pos="0">
-              <a:schemeClr val="phClr">
-                <a:tint val="50000"/>
-                <a:satMod val="300000"/>
-              </a:schemeClr>
-            </a:gs>
-            <a:gs pos="35000">
-              <a:schemeClr val="phClr">
-                <a:tint val="37000"/>
-                <a:satMod val="300000"/>
-              </a:schemeClr>
-            </a:gs>
-            <a:gs pos="100000">
-              <a:schemeClr val="phClr">
-                <a:tint val="15000"/>
-                <a:satMod val="350000"/>
-              </a:schemeClr>
-            </a:gs>
-          </a:gsLst>
-          <a:lin ang="16200000" scaled="1"/>
-        </a:gradFill>
-        <a:gradFill rotWithShape="1">
-          <a:gsLst>
-            <a:gs pos="0">
-              <a:schemeClr val="phClr">
-                <a:shade val="51000"/>
-                <a:satMod val="130000"/>
-              </a:schemeClr>
-            </a:gs>
-            <a:gs pos="80000">
-              <a:schemeClr val="phClr">
-                <a:shade val="93000"/>
-                <a:satMod val="130000"/>
-              </a:schemeClr>
-            </a:gs>
-            <a:gs pos="100000">
-              <a:schemeClr val="phClr">
-                <a:shade val="94000"/>
-                <a:satMod val="135000"/>
-              </a:schemeClr>
-            </a:gs>
-          </a:gsLst>
-          <a:lin ang="16200000" scaled="0"/>
-        </a:gradFill>
-      </a:fillStyleLst>
-      <a:lnStyleLst>
-        <a:ln w="9525" cap="flat" cmpd="sng" algn="ctr">
-          <a:solidFill>
-            <a:schemeClr val="phClr">
-              <a:shade val="95000"/>
-              <a:satMod val="105000"/>
-            </a:schemeClr>
-          </a:solidFill>
-          <a:prstDash val="solid"/>
-        </a:ln>
-        <a:ln w="25400" cap="flat" cmpd="sng" algn="ctr">
-          <a:solidFill>
-            <a:schemeClr val="phClr"/>
-          </a:solidFill>
-          <a:prstDash val="solid"/>
-        </a:ln>
-        <a:ln w="38100" cap="flat" cmpd="sng" algn="ctr">
-          <a:solidFill>
-            <a:schemeClr val="phClr"/>
-          </a:solidFill>
-          <a:prstDash val="solid"/>
-        </a:ln>
-      </a:lnStyleLst>
-      <a:effectStyleLst>
-        <a:effectStyle>
-          <a:effectLst>
-            <a:outerShdw blurRad="40000" dist="20000" dir="5400000" rotWithShape="0">
-              <a:srgbClr val="000000">
-                <a:alpha val="38000"/>
-              </a:srgbClr>
-            </a:outerShdw>
-          </a:effectLst>
-        </a:effectStyle>
-        <a:effectStyle>
-          <a:effectLst>
-            <a:outerShdw blurRad="40000" dist="23000" dir="5400000" rotWithShape="0">
-              <a:srgbClr val="000000">
-                <a:alpha val="35000"/>
-              </a:srgbClr>
-            </a:outerShdw>
-          </a:effectLst>
-        </a:effectStyle>
-        <a:effectStyle>
-          <a:effectLst>
-            <a:outerShdw blurRad="40000" dist="23000" dir="5400000" rotWithShape="0">
-              <a:srgbClr val="000000">
-                <a:alpha val="35000"/>
-              </a:srgbClr>
-            </a:outerShdw>
-          </a:effectLst>
-          <a:scene3d>
-            <a:camera prst="orthographicFront">
-              <a:rot lat="0" lon="0" rev="0"/>
-            </a:camera>
-            <a:lightRig rig="threePt" dir="t">
-              <a:rot lat="0" lon="0" rev="1200000"/>
-            </a:lightRig>
-          </a:scene3d>
-          <a:sp3d>
-            <a:bevelT w="63500" h="25400"/>
-          </a:sp3d>
-        </a:effectStyle>
-      </a:effectStyleLst>
-      <a:bgFillStyleLst>
-        <a:solidFill>
-          <a:schemeClr val="phClr"/>
-        </a:solidFill>
-        <a:gradFill rotWithShape="1">
-          <a:gsLst>
-            <a:gs pos="0">
-              <a:schemeClr val="phClr">
-                <a:tint val="40000"/>
-                <a:satMod val="350000"/>
-              </a:schemeClr>
-            </a:gs>
-            <a:gs pos="40000">
-              <a:schemeClr val="phClr">
-                <a:tint val="45000"/>
-                <a:shade val="99000"/>
-                <a:satMod val="350000"/>
-              </a:schemeClr>
-            </a:gs>
-            <a:gs pos="100000">
-              <a:schemeClr val="phClr">
-                <a:shade val="20000"/>
-                <a:satMod val="255000"/>
-              </a:schemeClr>
-            </a:gs>
-          </a:gsLst>
-          <a:path path="circle">
-            <a:fillToRect l="50000" t="-80000" r="50000" b="180000"/>
-          </a:path>
-        </a:gradFill>
-        <a:gradFill rotWithShape="1">
-          <a:gsLst>
-            <a:gs pos="0">
-              <a:schemeClr val="phClr">
-                <a:tint val="80000"/>
-                <a:satMod val="300000"/>
-              </a:schemeClr>
-            </a:gs>
-            <a:gs pos="100000">
-              <a:schemeClr val="phClr">
-                <a:shade val="30000"/>
-                <a:satMod val="200000"/>
-              </a:schemeClr>
-            </a:gs>
-          </a:gsLst>
-          <a:path path="circle">
-            <a:fillToRect l="50000" t="50000" r="50000" b="50000"/>
-          </a:path>
-        </a:gradFill>
-      </a:bgFillStyleLst>
-    </a:fmtScheme>
-  </a:themeElements>
-</a:theme>
 </file>